--- a/Presentation_1212/pres_1212.pptx
+++ b/Presentation_1212/pres_1212.pptx
@@ -134,6 +134,1338 @@
 
 <file path=ppt/changesInfos/changesInfo1.xml><?xml version="1.0" encoding="utf-8"?>
 <pc:chgInfo xmlns:a="http://schemas.openxmlformats.org/drawingml/2006/main" xmlns:r="http://schemas.openxmlformats.org/officeDocument/2006/relationships" xmlns:ac="http://schemas.microsoft.com/office/drawing/2013/main/command" xmlns:pc="http://schemas.microsoft.com/office/powerpoint/2013/main/command">
+  <pc:docChgLst>
+    <pc:chgData name="Cirino PIETRO ANDREA" userId="06373c25-59ec-41ba-8008-fd845f0b8aed" providerId="ADAL" clId="{32E6A678-EDFA-4583-91C2-27406E63FB24}"/>
+    <pc:docChg chg="undo redo custSel addSld delSld modSld sldOrd">
+      <pc:chgData name="Cirino PIETRO ANDREA" userId="06373c25-59ec-41ba-8008-fd845f0b8aed" providerId="ADAL" clId="{32E6A678-EDFA-4583-91C2-27406E63FB24}" dt="2024-12-12T13:55:31.285" v="1166" actId="20577"/>
+      <pc:docMkLst>
+        <pc:docMk/>
+      </pc:docMkLst>
+      <pc:sldChg chg="modSp del mod modAnim">
+        <pc:chgData name="Cirino PIETRO ANDREA" userId="06373c25-59ec-41ba-8008-fd845f0b8aed" providerId="ADAL" clId="{32E6A678-EDFA-4583-91C2-27406E63FB24}" dt="2024-12-12T13:49:56.507" v="1139" actId="2696"/>
+        <pc:sldMkLst>
+          <pc:docMk/>
+          <pc:sldMk cId="227675421" sldId="257"/>
+        </pc:sldMkLst>
+        <pc:spChg chg="mod">
+          <ac:chgData name="Cirino PIETRO ANDREA" userId="06373c25-59ec-41ba-8008-fd845f0b8aed" providerId="ADAL" clId="{32E6A678-EDFA-4583-91C2-27406E63FB24}" dt="2024-12-12T09:38:16.207" v="552" actId="403"/>
+          <ac:spMkLst>
+            <pc:docMk/>
+            <pc:sldMk cId="227675421" sldId="257"/>
+            <ac:spMk id="10" creationId="{B8176469-D873-E496-B178-18EB2377CC9B}"/>
+          </ac:spMkLst>
+        </pc:spChg>
+        <pc:spChg chg="mod">
+          <ac:chgData name="Cirino PIETRO ANDREA" userId="06373c25-59ec-41ba-8008-fd845f0b8aed" providerId="ADAL" clId="{32E6A678-EDFA-4583-91C2-27406E63FB24}" dt="2024-12-12T09:38:11.258" v="551" actId="403"/>
+          <ac:spMkLst>
+            <pc:docMk/>
+            <pc:sldMk cId="227675421" sldId="257"/>
+            <ac:spMk id="11" creationId="{129CE396-6F8A-3330-0F73-D9381AD48637}"/>
+          </ac:spMkLst>
+        </pc:spChg>
+        <pc:spChg chg="mod">
+          <ac:chgData name="Cirino PIETRO ANDREA" userId="06373c25-59ec-41ba-8008-fd845f0b8aed" providerId="ADAL" clId="{32E6A678-EDFA-4583-91C2-27406E63FB24}" dt="2024-12-12T09:38:19.895" v="553" actId="403"/>
+          <ac:spMkLst>
+            <pc:docMk/>
+            <pc:sldMk cId="227675421" sldId="257"/>
+            <ac:spMk id="12" creationId="{EF6B45BB-27E2-4D4F-5959-FBBB368B3A78}"/>
+          </ac:spMkLst>
+        </pc:spChg>
+      </pc:sldChg>
+      <pc:sldChg chg="add">
+        <pc:chgData name="Cirino PIETRO ANDREA" userId="06373c25-59ec-41ba-8008-fd845f0b8aed" providerId="ADAL" clId="{32E6A678-EDFA-4583-91C2-27406E63FB24}" dt="2024-12-12T13:49:59.298" v="1140"/>
+        <pc:sldMkLst>
+          <pc:docMk/>
+          <pc:sldMk cId="3379866906" sldId="257"/>
+        </pc:sldMkLst>
+      </pc:sldChg>
+      <pc:sldChg chg="modSp mod modAnim">
+        <pc:chgData name="Cirino PIETRO ANDREA" userId="06373c25-59ec-41ba-8008-fd845f0b8aed" providerId="ADAL" clId="{32E6A678-EDFA-4583-91C2-27406E63FB24}" dt="2024-12-12T13:50:52.604" v="1146" actId="14100"/>
+        <pc:sldMkLst>
+          <pc:docMk/>
+          <pc:sldMk cId="3533674180" sldId="258"/>
+        </pc:sldMkLst>
+        <pc:spChg chg="mod">
+          <ac:chgData name="Cirino PIETRO ANDREA" userId="06373c25-59ec-41ba-8008-fd845f0b8aed" providerId="ADAL" clId="{32E6A678-EDFA-4583-91C2-27406E63FB24}" dt="2024-12-12T13:50:48.357" v="1145" actId="1076"/>
+          <ac:spMkLst>
+            <pc:docMk/>
+            <pc:sldMk cId="3533674180" sldId="258"/>
+            <ac:spMk id="27" creationId="{D4E334E5-6832-C049-77DB-25491BAD1D78}"/>
+          </ac:spMkLst>
+        </pc:spChg>
+        <pc:spChg chg="mod">
+          <ac:chgData name="Cirino PIETRO ANDREA" userId="06373c25-59ec-41ba-8008-fd845f0b8aed" providerId="ADAL" clId="{32E6A678-EDFA-4583-91C2-27406E63FB24}" dt="2024-12-12T09:38:27.815" v="554" actId="403"/>
+          <ac:spMkLst>
+            <pc:docMk/>
+            <pc:sldMk cId="3533674180" sldId="258"/>
+            <ac:spMk id="32" creationId="{55B9D055-5B82-3AE9-A710-E8EE94EB512C}"/>
+          </ac:spMkLst>
+        </pc:spChg>
+        <pc:spChg chg="mod">
+          <ac:chgData name="Cirino PIETRO ANDREA" userId="06373c25-59ec-41ba-8008-fd845f0b8aed" providerId="ADAL" clId="{32E6A678-EDFA-4583-91C2-27406E63FB24}" dt="2024-12-12T13:50:48.357" v="1145" actId="1076"/>
+          <ac:spMkLst>
+            <pc:docMk/>
+            <pc:sldMk cId="3533674180" sldId="258"/>
+            <ac:spMk id="33" creationId="{CC9E98DF-6293-2208-B5C6-65BB03FBAACF}"/>
+          </ac:spMkLst>
+        </pc:spChg>
+        <pc:spChg chg="mod">
+          <ac:chgData name="Cirino PIETRO ANDREA" userId="06373c25-59ec-41ba-8008-fd845f0b8aed" providerId="ADAL" clId="{32E6A678-EDFA-4583-91C2-27406E63FB24}" dt="2024-12-12T13:18:13.046" v="758" actId="1076"/>
+          <ac:spMkLst>
+            <pc:docMk/>
+            <pc:sldMk cId="3533674180" sldId="258"/>
+            <ac:spMk id="34" creationId="{9453DD13-CA27-2D3E-38F2-7C50A1323D76}"/>
+          </ac:spMkLst>
+        </pc:spChg>
+        <pc:spChg chg="mod">
+          <ac:chgData name="Cirino PIETRO ANDREA" userId="06373c25-59ec-41ba-8008-fd845f0b8aed" providerId="ADAL" clId="{32E6A678-EDFA-4583-91C2-27406E63FB24}" dt="2024-12-12T13:18:13.046" v="758" actId="1076"/>
+          <ac:spMkLst>
+            <pc:docMk/>
+            <pc:sldMk cId="3533674180" sldId="258"/>
+            <ac:spMk id="35" creationId="{86B49569-072B-0553-3F7D-0F378ED00487}"/>
+          </ac:spMkLst>
+        </pc:spChg>
+        <pc:spChg chg="mod">
+          <ac:chgData name="Cirino PIETRO ANDREA" userId="06373c25-59ec-41ba-8008-fd845f0b8aed" providerId="ADAL" clId="{32E6A678-EDFA-4583-91C2-27406E63FB24}" dt="2024-12-12T13:50:31.068" v="1141" actId="1076"/>
+          <ac:spMkLst>
+            <pc:docMk/>
+            <pc:sldMk cId="3533674180" sldId="258"/>
+            <ac:spMk id="47" creationId="{8D197BAC-0563-EF38-CC4C-37152E39260C}"/>
+          </ac:spMkLst>
+        </pc:spChg>
+        <pc:spChg chg="mod">
+          <ac:chgData name="Cirino PIETRO ANDREA" userId="06373c25-59ec-41ba-8008-fd845f0b8aed" providerId="ADAL" clId="{32E6A678-EDFA-4583-91C2-27406E63FB24}" dt="2024-12-12T13:50:31.068" v="1141" actId="1076"/>
+          <ac:spMkLst>
+            <pc:docMk/>
+            <pc:sldMk cId="3533674180" sldId="258"/>
+            <ac:spMk id="49" creationId="{5E279998-245E-202F-7703-087C09D33778}"/>
+          </ac:spMkLst>
+        </pc:spChg>
+        <pc:spChg chg="mod">
+          <ac:chgData name="Cirino PIETRO ANDREA" userId="06373c25-59ec-41ba-8008-fd845f0b8aed" providerId="ADAL" clId="{32E6A678-EDFA-4583-91C2-27406E63FB24}" dt="2024-12-12T13:50:31.068" v="1141" actId="1076"/>
+          <ac:spMkLst>
+            <pc:docMk/>
+            <pc:sldMk cId="3533674180" sldId="258"/>
+            <ac:spMk id="62" creationId="{7617321F-3398-BC41-9A02-59EB77165C70}"/>
+          </ac:spMkLst>
+        </pc:spChg>
+        <pc:spChg chg="mod">
+          <ac:chgData name="Cirino PIETRO ANDREA" userId="06373c25-59ec-41ba-8008-fd845f0b8aed" providerId="ADAL" clId="{32E6A678-EDFA-4583-91C2-27406E63FB24}" dt="2024-12-12T13:50:31.068" v="1141" actId="1076"/>
+          <ac:spMkLst>
+            <pc:docMk/>
+            <pc:sldMk cId="3533674180" sldId="258"/>
+            <ac:spMk id="63" creationId="{B2914909-D375-8C49-C92E-21DB269EB479}"/>
+          </ac:spMkLst>
+        </pc:spChg>
+        <pc:spChg chg="mod">
+          <ac:chgData name="Cirino PIETRO ANDREA" userId="06373c25-59ec-41ba-8008-fd845f0b8aed" providerId="ADAL" clId="{32E6A678-EDFA-4583-91C2-27406E63FB24}" dt="2024-12-12T13:22:15.290" v="839" actId="14100"/>
+          <ac:spMkLst>
+            <pc:docMk/>
+            <pc:sldMk cId="3533674180" sldId="258"/>
+            <ac:spMk id="68" creationId="{D1E78129-C086-A7FB-F0AF-3E4A03389D83}"/>
+          </ac:spMkLst>
+        </pc:spChg>
+        <pc:spChg chg="mod">
+          <ac:chgData name="Cirino PIETRO ANDREA" userId="06373c25-59ec-41ba-8008-fd845f0b8aed" providerId="ADAL" clId="{32E6A678-EDFA-4583-91C2-27406E63FB24}" dt="2024-12-12T13:22:11.299" v="838" actId="1076"/>
+          <ac:spMkLst>
+            <pc:docMk/>
+            <pc:sldMk cId="3533674180" sldId="258"/>
+            <ac:spMk id="69" creationId="{65CBAEB7-A4E1-91DE-90EB-85A2CEAFD698}"/>
+          </ac:spMkLst>
+        </pc:spChg>
+        <pc:picChg chg="mod">
+          <ac:chgData name="Cirino PIETRO ANDREA" userId="06373c25-59ec-41ba-8008-fd845f0b8aed" providerId="ADAL" clId="{32E6A678-EDFA-4583-91C2-27406E63FB24}" dt="2024-12-12T13:50:48.357" v="1145" actId="1076"/>
+          <ac:picMkLst>
+            <pc:docMk/>
+            <pc:sldMk cId="3533674180" sldId="258"/>
+            <ac:picMk id="4" creationId="{85E71167-2E4D-12F2-B981-A95DFE81DA9B}"/>
+          </ac:picMkLst>
+        </pc:picChg>
+        <pc:cxnChg chg="mod">
+          <ac:chgData name="Cirino PIETRO ANDREA" userId="06373c25-59ec-41ba-8008-fd845f0b8aed" providerId="ADAL" clId="{32E6A678-EDFA-4583-91C2-27406E63FB24}" dt="2024-12-12T13:50:48.357" v="1145" actId="1076"/>
+          <ac:cxnSpMkLst>
+            <pc:docMk/>
+            <pc:sldMk cId="3533674180" sldId="258"/>
+            <ac:cxnSpMk id="28" creationId="{5C409096-47C3-FBC8-6181-494FF8723D22}"/>
+          </ac:cxnSpMkLst>
+        </pc:cxnChg>
+        <pc:cxnChg chg="mod">
+          <ac:chgData name="Cirino PIETRO ANDREA" userId="06373c25-59ec-41ba-8008-fd845f0b8aed" providerId="ADAL" clId="{32E6A678-EDFA-4583-91C2-27406E63FB24}" dt="2024-12-12T13:50:35.769" v="1143" actId="14100"/>
+          <ac:cxnSpMkLst>
+            <pc:docMk/>
+            <pc:sldMk cId="3533674180" sldId="258"/>
+            <ac:cxnSpMk id="37" creationId="{048EDA98-6187-C5FA-4AEE-23E1F28BA407}"/>
+          </ac:cxnSpMkLst>
+        </pc:cxnChg>
+        <pc:cxnChg chg="mod">
+          <ac:chgData name="Cirino PIETRO ANDREA" userId="06373c25-59ec-41ba-8008-fd845f0b8aed" providerId="ADAL" clId="{32E6A678-EDFA-4583-91C2-27406E63FB24}" dt="2024-12-12T13:50:52.604" v="1146" actId="14100"/>
+          <ac:cxnSpMkLst>
+            <pc:docMk/>
+            <pc:sldMk cId="3533674180" sldId="258"/>
+            <ac:cxnSpMk id="42" creationId="{9B7BACD0-1FF4-97F5-1E14-9E6D49E51D4E}"/>
+          </ac:cxnSpMkLst>
+        </pc:cxnChg>
+      </pc:sldChg>
+      <pc:sldChg chg="addSp modSp new mod">
+        <pc:chgData name="Cirino PIETRO ANDREA" userId="06373c25-59ec-41ba-8008-fd845f0b8aed" providerId="ADAL" clId="{32E6A678-EDFA-4583-91C2-27406E63FB24}" dt="2024-12-12T10:22:38.360" v="702" actId="207"/>
+        <pc:sldMkLst>
+          <pc:docMk/>
+          <pc:sldMk cId="734970520" sldId="259"/>
+        </pc:sldMkLst>
+        <pc:spChg chg="mod">
+          <ac:chgData name="Cirino PIETRO ANDREA" userId="06373c25-59ec-41ba-8008-fd845f0b8aed" providerId="ADAL" clId="{32E6A678-EDFA-4583-91C2-27406E63FB24}" dt="2024-12-12T09:02:41.010" v="26" actId="20577"/>
+          <ac:spMkLst>
+            <pc:docMk/>
+            <pc:sldMk cId="734970520" sldId="259"/>
+            <ac:spMk id="2" creationId="{D360C568-D1A3-E166-4DD2-F6C92F1DD170}"/>
+          </ac:spMkLst>
+        </pc:spChg>
+        <pc:graphicFrameChg chg="add mod modGraphic">
+          <ac:chgData name="Cirino PIETRO ANDREA" userId="06373c25-59ec-41ba-8008-fd845f0b8aed" providerId="ADAL" clId="{32E6A678-EDFA-4583-91C2-27406E63FB24}" dt="2024-12-12T10:22:38.360" v="702" actId="207"/>
+          <ac:graphicFrameMkLst>
+            <pc:docMk/>
+            <pc:sldMk cId="734970520" sldId="259"/>
+            <ac:graphicFrameMk id="3" creationId="{C83C6637-CBAA-D6AC-BD62-A47FC3503C73}"/>
+          </ac:graphicFrameMkLst>
+        </pc:graphicFrameChg>
+      </pc:sldChg>
+      <pc:sldChg chg="addSp delSp modSp new mod">
+        <pc:chgData name="Cirino PIETRO ANDREA" userId="06373c25-59ec-41ba-8008-fd845f0b8aed" providerId="ADAL" clId="{32E6A678-EDFA-4583-91C2-27406E63FB24}" dt="2024-12-12T10:18:00.559" v="678" actId="21"/>
+        <pc:sldMkLst>
+          <pc:docMk/>
+          <pc:sldMk cId="1727161422" sldId="260"/>
+        </pc:sldMkLst>
+        <pc:spChg chg="mod">
+          <ac:chgData name="Cirino PIETRO ANDREA" userId="06373c25-59ec-41ba-8008-fd845f0b8aed" providerId="ADAL" clId="{32E6A678-EDFA-4583-91C2-27406E63FB24}" dt="2024-12-12T09:43:01.910" v="598" actId="1076"/>
+          <ac:spMkLst>
+            <pc:docMk/>
+            <pc:sldMk cId="1727161422" sldId="260"/>
+            <ac:spMk id="2" creationId="{6E8D5665-5800-4EF9-B939-7F5A695818D4}"/>
+          </ac:spMkLst>
+        </pc:spChg>
+        <pc:spChg chg="add del mod topLvl">
+          <ac:chgData name="Cirino PIETRO ANDREA" userId="06373c25-59ec-41ba-8008-fd845f0b8aed" providerId="ADAL" clId="{32E6A678-EDFA-4583-91C2-27406E63FB24}" dt="2024-12-12T10:18:00.559" v="678" actId="21"/>
+          <ac:spMkLst>
+            <pc:docMk/>
+            <pc:sldMk cId="1727161422" sldId="260"/>
+            <ac:spMk id="4" creationId="{2457C9FA-C840-A8F3-0396-7C383AF6DA3C}"/>
+          </ac:spMkLst>
+        </pc:spChg>
+        <pc:spChg chg="mod topLvl">
+          <ac:chgData name="Cirino PIETRO ANDREA" userId="06373c25-59ec-41ba-8008-fd845f0b8aed" providerId="ADAL" clId="{32E6A678-EDFA-4583-91C2-27406E63FB24}" dt="2024-12-12T09:43:15.248" v="600" actId="207"/>
+          <ac:spMkLst>
+            <pc:docMk/>
+            <pc:sldMk cId="1727161422" sldId="260"/>
+            <ac:spMk id="5" creationId="{B472B12A-5A6F-AB53-7508-BF57FB019B0F}"/>
+          </ac:spMkLst>
+        </pc:spChg>
+        <pc:spChg chg="mod topLvl">
+          <ac:chgData name="Cirino PIETRO ANDREA" userId="06373c25-59ec-41ba-8008-fd845f0b8aed" providerId="ADAL" clId="{32E6A678-EDFA-4583-91C2-27406E63FB24}" dt="2024-12-12T09:43:09.937" v="599" actId="1076"/>
+          <ac:spMkLst>
+            <pc:docMk/>
+            <pc:sldMk cId="1727161422" sldId="260"/>
+            <ac:spMk id="7" creationId="{8D3D6C99-C1FA-EF96-4223-DDCFFD300EF1}"/>
+          </ac:spMkLst>
+        </pc:spChg>
+        <pc:spChg chg="add del mod topLvl">
+          <ac:chgData name="Cirino PIETRO ANDREA" userId="06373c25-59ec-41ba-8008-fd845f0b8aed" providerId="ADAL" clId="{32E6A678-EDFA-4583-91C2-27406E63FB24}" dt="2024-12-12T10:18:00.559" v="678" actId="21"/>
+          <ac:spMkLst>
+            <pc:docMk/>
+            <pc:sldMk cId="1727161422" sldId="260"/>
+            <ac:spMk id="8" creationId="{00228CA4-22E0-8522-7FEC-C40776351E13}"/>
+          </ac:spMkLst>
+        </pc:spChg>
+        <pc:spChg chg="mod topLvl">
+          <ac:chgData name="Cirino PIETRO ANDREA" userId="06373c25-59ec-41ba-8008-fd845f0b8aed" providerId="ADAL" clId="{32E6A678-EDFA-4583-91C2-27406E63FB24}" dt="2024-12-12T09:43:09.937" v="599" actId="1076"/>
+          <ac:spMkLst>
+            <pc:docMk/>
+            <pc:sldMk cId="1727161422" sldId="260"/>
+            <ac:spMk id="9" creationId="{50631996-1CD7-1A52-3494-0FCC0B8868CB}"/>
+          </ac:spMkLst>
+        </pc:spChg>
+        <pc:spChg chg="del mod topLvl">
+          <ac:chgData name="Cirino PIETRO ANDREA" userId="06373c25-59ec-41ba-8008-fd845f0b8aed" providerId="ADAL" clId="{32E6A678-EDFA-4583-91C2-27406E63FB24}" dt="2024-12-12T09:26:23.458" v="487" actId="478"/>
+          <ac:spMkLst>
+            <pc:docMk/>
+            <pc:sldMk cId="1727161422" sldId="260"/>
+            <ac:spMk id="10" creationId="{16805B8E-B3DC-C209-3A84-6724154DF31B}"/>
+          </ac:spMkLst>
+        </pc:spChg>
+        <pc:spChg chg="del mod topLvl">
+          <ac:chgData name="Cirino PIETRO ANDREA" userId="06373c25-59ec-41ba-8008-fd845f0b8aed" providerId="ADAL" clId="{32E6A678-EDFA-4583-91C2-27406E63FB24}" dt="2024-12-12T09:42:54.196" v="596" actId="478"/>
+          <ac:spMkLst>
+            <pc:docMk/>
+            <pc:sldMk cId="1727161422" sldId="260"/>
+            <ac:spMk id="12" creationId="{6866B8F4-ED8F-E1C1-C425-BF55D5B791A3}"/>
+          </ac:spMkLst>
+        </pc:spChg>
+        <pc:grpChg chg="add del mod">
+          <ac:chgData name="Cirino PIETRO ANDREA" userId="06373c25-59ec-41ba-8008-fd845f0b8aed" providerId="ADAL" clId="{32E6A678-EDFA-4583-91C2-27406E63FB24}" dt="2024-12-12T09:26:21.265" v="486" actId="165"/>
+          <ac:grpSpMkLst>
+            <pc:docMk/>
+            <pc:sldMk cId="1727161422" sldId="260"/>
+            <ac:grpSpMk id="3" creationId="{817878A5-8EC7-1E2F-89FA-B7C05430FB00}"/>
+          </ac:grpSpMkLst>
+        </pc:grpChg>
+        <pc:cxnChg chg="mod topLvl">
+          <ac:chgData name="Cirino PIETRO ANDREA" userId="06373c25-59ec-41ba-8008-fd845f0b8aed" providerId="ADAL" clId="{32E6A678-EDFA-4583-91C2-27406E63FB24}" dt="2024-12-12T09:43:09.937" v="599" actId="1076"/>
+          <ac:cxnSpMkLst>
+            <pc:docMk/>
+            <pc:sldMk cId="1727161422" sldId="260"/>
+            <ac:cxnSpMk id="6" creationId="{9D66C4C5-C970-789B-6D28-B7226E419B67}"/>
+          </ac:cxnSpMkLst>
+        </pc:cxnChg>
+        <pc:cxnChg chg="add del mod topLvl">
+          <ac:chgData name="Cirino PIETRO ANDREA" userId="06373c25-59ec-41ba-8008-fd845f0b8aed" providerId="ADAL" clId="{32E6A678-EDFA-4583-91C2-27406E63FB24}" dt="2024-12-12T10:18:00.559" v="678" actId="21"/>
+          <ac:cxnSpMkLst>
+            <pc:docMk/>
+            <pc:sldMk cId="1727161422" sldId="260"/>
+            <ac:cxnSpMk id="11" creationId="{194AEFCF-81F7-C46E-BE02-D68FB59E6A2F}"/>
+          </ac:cxnSpMkLst>
+        </pc:cxnChg>
+      </pc:sldChg>
+      <pc:sldChg chg="addSp delSp modSp new mod">
+        <pc:chgData name="Cirino PIETRO ANDREA" userId="06373c25-59ec-41ba-8008-fd845f0b8aed" providerId="ADAL" clId="{32E6A678-EDFA-4583-91C2-27406E63FB24}" dt="2024-12-12T13:47:01.428" v="1113" actId="1076"/>
+        <pc:sldMkLst>
+          <pc:docMk/>
+          <pc:sldMk cId="2227496659" sldId="261"/>
+        </pc:sldMkLst>
+        <pc:spChg chg="mod">
+          <ac:chgData name="Cirino PIETRO ANDREA" userId="06373c25-59ec-41ba-8008-fd845f0b8aed" providerId="ADAL" clId="{32E6A678-EDFA-4583-91C2-27406E63FB24}" dt="2024-12-12T09:26:46.930" v="507" actId="20577"/>
+          <ac:spMkLst>
+            <pc:docMk/>
+            <pc:sldMk cId="2227496659" sldId="261"/>
+            <ac:spMk id="2" creationId="{8644636C-1135-59BA-034D-1B205D552D1D}"/>
+          </ac:spMkLst>
+        </pc:spChg>
+        <pc:spChg chg="add mod">
+          <ac:chgData name="Cirino PIETRO ANDREA" userId="06373c25-59ec-41ba-8008-fd845f0b8aed" providerId="ADAL" clId="{32E6A678-EDFA-4583-91C2-27406E63FB24}" dt="2024-12-12T09:36:36.404" v="516" actId="1076"/>
+          <ac:spMkLst>
+            <pc:docMk/>
+            <pc:sldMk cId="2227496659" sldId="261"/>
+            <ac:spMk id="3" creationId="{7DCE4185-F180-F9DA-34E3-8B799EC57236}"/>
+          </ac:spMkLst>
+        </pc:spChg>
+        <pc:spChg chg="add del mod">
+          <ac:chgData name="Cirino PIETRO ANDREA" userId="06373c25-59ec-41ba-8008-fd845f0b8aed" providerId="ADAL" clId="{32E6A678-EDFA-4583-91C2-27406E63FB24}" dt="2024-12-12T13:43:07.848" v="1041" actId="478"/>
+          <ac:spMkLst>
+            <pc:docMk/>
+            <pc:sldMk cId="2227496659" sldId="261"/>
+            <ac:spMk id="4" creationId="{64112402-120F-3156-57B7-FD33F9E27ADF}"/>
+          </ac:spMkLst>
+        </pc:spChg>
+        <pc:spChg chg="add del mod">
+          <ac:chgData name="Cirino PIETRO ANDREA" userId="06373c25-59ec-41ba-8008-fd845f0b8aed" providerId="ADAL" clId="{32E6A678-EDFA-4583-91C2-27406E63FB24}" dt="2024-12-12T13:43:07.848" v="1041" actId="478"/>
+          <ac:spMkLst>
+            <pc:docMk/>
+            <pc:sldMk cId="2227496659" sldId="261"/>
+            <ac:spMk id="5" creationId="{9677893F-BA2E-2E46-1CDD-6F9D7564FCF4}"/>
+          </ac:spMkLst>
+        </pc:spChg>
+        <pc:spChg chg="add del mod">
+          <ac:chgData name="Cirino PIETRO ANDREA" userId="06373c25-59ec-41ba-8008-fd845f0b8aed" providerId="ADAL" clId="{32E6A678-EDFA-4583-91C2-27406E63FB24}" dt="2024-12-12T13:43:07.848" v="1041" actId="478"/>
+          <ac:spMkLst>
+            <pc:docMk/>
+            <pc:sldMk cId="2227496659" sldId="261"/>
+            <ac:spMk id="7" creationId="{C98C85A9-AB7D-48FA-41AE-1FF2DD7DD7D2}"/>
+          </ac:spMkLst>
+        </pc:spChg>
+        <pc:spChg chg="add del mod">
+          <ac:chgData name="Cirino PIETRO ANDREA" userId="06373c25-59ec-41ba-8008-fd845f0b8aed" providerId="ADAL" clId="{32E6A678-EDFA-4583-91C2-27406E63FB24}" dt="2024-12-12T09:36:53.828" v="520" actId="478"/>
+          <ac:spMkLst>
+            <pc:docMk/>
+            <pc:sldMk cId="2227496659" sldId="261"/>
+            <ac:spMk id="8" creationId="{57BE6053-6A3A-5E9D-77C7-A043EB85BC71}"/>
+          </ac:spMkLst>
+        </pc:spChg>
+        <pc:spChg chg="add del mod">
+          <ac:chgData name="Cirino PIETRO ANDREA" userId="06373c25-59ec-41ba-8008-fd845f0b8aed" providerId="ADAL" clId="{32E6A678-EDFA-4583-91C2-27406E63FB24}" dt="2024-12-12T09:37:16.938" v="545" actId="478"/>
+          <ac:spMkLst>
+            <pc:docMk/>
+            <pc:sldMk cId="2227496659" sldId="261"/>
+            <ac:spMk id="9" creationId="{30182235-4EFF-AFBA-214E-B515C8852EAA}"/>
+          </ac:spMkLst>
+        </pc:spChg>
+        <pc:spChg chg="add del mod">
+          <ac:chgData name="Cirino PIETRO ANDREA" userId="06373c25-59ec-41ba-8008-fd845f0b8aed" providerId="ADAL" clId="{32E6A678-EDFA-4583-91C2-27406E63FB24}" dt="2024-12-12T09:36:43.769" v="518" actId="478"/>
+          <ac:spMkLst>
+            <pc:docMk/>
+            <pc:sldMk cId="2227496659" sldId="261"/>
+            <ac:spMk id="11" creationId="{A38697ED-26F0-937C-C273-F1A3D0882506}"/>
+          </ac:spMkLst>
+        </pc:spChg>
+        <pc:spChg chg="add mod">
+          <ac:chgData name="Cirino PIETRO ANDREA" userId="06373c25-59ec-41ba-8008-fd845f0b8aed" providerId="ADAL" clId="{32E6A678-EDFA-4583-91C2-27406E63FB24}" dt="2024-12-12T09:38:51.844" v="556" actId="571"/>
+          <ac:spMkLst>
+            <pc:docMk/>
+            <pc:sldMk cId="2227496659" sldId="261"/>
+            <ac:spMk id="14" creationId="{83917DA0-FF15-41C0-B774-B2F5AFE05433}"/>
+          </ac:spMkLst>
+        </pc:spChg>
+        <pc:spChg chg="add mod">
+          <ac:chgData name="Cirino PIETRO ANDREA" userId="06373c25-59ec-41ba-8008-fd845f0b8aed" providerId="ADAL" clId="{32E6A678-EDFA-4583-91C2-27406E63FB24}" dt="2024-12-12T09:38:51.844" v="556" actId="571"/>
+          <ac:spMkLst>
+            <pc:docMk/>
+            <pc:sldMk cId="2227496659" sldId="261"/>
+            <ac:spMk id="15" creationId="{EA52CC6B-9632-2EB1-A795-B237BC8AC757}"/>
+          </ac:spMkLst>
+        </pc:spChg>
+        <pc:spChg chg="add mod">
+          <ac:chgData name="Cirino PIETRO ANDREA" userId="06373c25-59ec-41ba-8008-fd845f0b8aed" providerId="ADAL" clId="{32E6A678-EDFA-4583-91C2-27406E63FB24}" dt="2024-12-12T09:38:51.844" v="556" actId="571"/>
+          <ac:spMkLst>
+            <pc:docMk/>
+            <pc:sldMk cId="2227496659" sldId="261"/>
+            <ac:spMk id="17" creationId="{462885DE-C20D-D79D-1F71-4363EBF06DD8}"/>
+          </ac:spMkLst>
+        </pc:spChg>
+        <pc:spChg chg="add del mod">
+          <ac:chgData name="Cirino PIETRO ANDREA" userId="06373c25-59ec-41ba-8008-fd845f0b8aed" providerId="ADAL" clId="{32E6A678-EDFA-4583-91C2-27406E63FB24}" dt="2024-12-12T09:39:41.713" v="558" actId="478"/>
+          <ac:spMkLst>
+            <pc:docMk/>
+            <pc:sldMk cId="2227496659" sldId="261"/>
+            <ac:spMk id="19" creationId="{ACE1B9F7-3826-0C1A-4051-B7574BE42278}"/>
+          </ac:spMkLst>
+        </pc:spChg>
+        <pc:spChg chg="add del mod">
+          <ac:chgData name="Cirino PIETRO ANDREA" userId="06373c25-59ec-41ba-8008-fd845f0b8aed" providerId="ADAL" clId="{32E6A678-EDFA-4583-91C2-27406E63FB24}" dt="2024-12-12T09:39:41.713" v="558" actId="478"/>
+          <ac:spMkLst>
+            <pc:docMk/>
+            <pc:sldMk cId="2227496659" sldId="261"/>
+            <ac:spMk id="20" creationId="{83B36CB5-32DC-8B08-D96C-DC20653AEB41}"/>
+          </ac:spMkLst>
+        </pc:spChg>
+        <pc:spChg chg="add del mod">
+          <ac:chgData name="Cirino PIETRO ANDREA" userId="06373c25-59ec-41ba-8008-fd845f0b8aed" providerId="ADAL" clId="{32E6A678-EDFA-4583-91C2-27406E63FB24}" dt="2024-12-12T09:39:41.713" v="558" actId="478"/>
+          <ac:spMkLst>
+            <pc:docMk/>
+            <pc:sldMk cId="2227496659" sldId="261"/>
+            <ac:spMk id="22" creationId="{BDA65153-F4CF-FC4C-791E-3FF5B8FB677B}"/>
+          </ac:spMkLst>
+        </pc:spChg>
+        <pc:spChg chg="add del mod">
+          <ac:chgData name="Cirino PIETRO ANDREA" userId="06373c25-59ec-41ba-8008-fd845f0b8aed" providerId="ADAL" clId="{32E6A678-EDFA-4583-91C2-27406E63FB24}" dt="2024-12-12T13:43:07.848" v="1041" actId="478"/>
+          <ac:spMkLst>
+            <pc:docMk/>
+            <pc:sldMk cId="2227496659" sldId="261"/>
+            <ac:spMk id="29" creationId="{F4B12B60-2268-E434-6929-C591008EBE80}"/>
+          </ac:spMkLst>
+        </pc:spChg>
+        <pc:spChg chg="add del mod">
+          <ac:chgData name="Cirino PIETRO ANDREA" userId="06373c25-59ec-41ba-8008-fd845f0b8aed" providerId="ADAL" clId="{32E6A678-EDFA-4583-91C2-27406E63FB24}" dt="2024-12-12T13:43:07.848" v="1041" actId="478"/>
+          <ac:spMkLst>
+            <pc:docMk/>
+            <pc:sldMk cId="2227496659" sldId="261"/>
+            <ac:spMk id="30" creationId="{81E736E7-DB8E-600E-F6F8-8345BD69BB4C}"/>
+          </ac:spMkLst>
+        </pc:spChg>
+        <pc:spChg chg="add del mod">
+          <ac:chgData name="Cirino PIETRO ANDREA" userId="06373c25-59ec-41ba-8008-fd845f0b8aed" providerId="ADAL" clId="{32E6A678-EDFA-4583-91C2-27406E63FB24}" dt="2024-12-12T09:40:53.718" v="578" actId="478"/>
+          <ac:spMkLst>
+            <pc:docMk/>
+            <pc:sldMk cId="2227496659" sldId="261"/>
+            <ac:spMk id="32" creationId="{9C8FDB38-27A4-FD70-2BE9-B49611C2FC2E}"/>
+          </ac:spMkLst>
+        </pc:spChg>
+        <pc:spChg chg="add del mod">
+          <ac:chgData name="Cirino PIETRO ANDREA" userId="06373c25-59ec-41ba-8008-fd845f0b8aed" providerId="ADAL" clId="{32E6A678-EDFA-4583-91C2-27406E63FB24}" dt="2024-12-12T13:43:07.848" v="1041" actId="478"/>
+          <ac:spMkLst>
+            <pc:docMk/>
+            <pc:sldMk cId="2227496659" sldId="261"/>
+            <ac:spMk id="35" creationId="{56ED1889-638E-5F74-4DE4-7A160E8F0AB2}"/>
+          </ac:spMkLst>
+        </pc:spChg>
+        <pc:spChg chg="add mod">
+          <ac:chgData name="Cirino PIETRO ANDREA" userId="06373c25-59ec-41ba-8008-fd845f0b8aed" providerId="ADAL" clId="{32E6A678-EDFA-4583-91C2-27406E63FB24}" dt="2024-12-12T13:47:01.428" v="1113" actId="1076"/>
+          <ac:spMkLst>
+            <pc:docMk/>
+            <pc:sldMk cId="2227496659" sldId="261"/>
+            <ac:spMk id="36" creationId="{5BA3C870-59ED-5A3C-C6E7-B54701822AC2}"/>
+          </ac:spMkLst>
+        </pc:spChg>
+        <pc:spChg chg="add mod">
+          <ac:chgData name="Cirino PIETRO ANDREA" userId="06373c25-59ec-41ba-8008-fd845f0b8aed" providerId="ADAL" clId="{32E6A678-EDFA-4583-91C2-27406E63FB24}" dt="2024-12-12T13:47:01.428" v="1113" actId="1076"/>
+          <ac:spMkLst>
+            <pc:docMk/>
+            <pc:sldMk cId="2227496659" sldId="261"/>
+            <ac:spMk id="37" creationId="{432CED07-11D5-46B3-D51B-AE22782DF222}"/>
+          </ac:spMkLst>
+        </pc:spChg>
+        <pc:spChg chg="add mod">
+          <ac:chgData name="Cirino PIETRO ANDREA" userId="06373c25-59ec-41ba-8008-fd845f0b8aed" providerId="ADAL" clId="{32E6A678-EDFA-4583-91C2-27406E63FB24}" dt="2024-12-12T13:47:01.428" v="1113" actId="1076"/>
+          <ac:spMkLst>
+            <pc:docMk/>
+            <pc:sldMk cId="2227496659" sldId="261"/>
+            <ac:spMk id="39" creationId="{36D1004F-D69A-D47C-0A18-1CA5FEFF8B5E}"/>
+          </ac:spMkLst>
+        </pc:spChg>
+        <pc:spChg chg="add mod">
+          <ac:chgData name="Cirino PIETRO ANDREA" userId="06373c25-59ec-41ba-8008-fd845f0b8aed" providerId="ADAL" clId="{32E6A678-EDFA-4583-91C2-27406E63FB24}" dt="2024-12-12T13:47:01.428" v="1113" actId="1076"/>
+          <ac:spMkLst>
+            <pc:docMk/>
+            <pc:sldMk cId="2227496659" sldId="261"/>
+            <ac:spMk id="40" creationId="{DABCFF8A-A1B1-BAC0-AAC3-410BF47F9F10}"/>
+          </ac:spMkLst>
+        </pc:spChg>
+        <pc:spChg chg="add mod">
+          <ac:chgData name="Cirino PIETRO ANDREA" userId="06373c25-59ec-41ba-8008-fd845f0b8aed" providerId="ADAL" clId="{32E6A678-EDFA-4583-91C2-27406E63FB24}" dt="2024-12-12T13:47:01.428" v="1113" actId="1076"/>
+          <ac:spMkLst>
+            <pc:docMk/>
+            <pc:sldMk cId="2227496659" sldId="261"/>
+            <ac:spMk id="41" creationId="{0FDB3A98-3AFD-4DBE-F304-0D57066E9B7C}"/>
+          </ac:spMkLst>
+        </pc:spChg>
+        <pc:spChg chg="add del mod">
+          <ac:chgData name="Cirino PIETRO ANDREA" userId="06373c25-59ec-41ba-8008-fd845f0b8aed" providerId="ADAL" clId="{32E6A678-EDFA-4583-91C2-27406E63FB24}" dt="2024-12-12T13:46:19.952" v="1106" actId="478"/>
+          <ac:spMkLst>
+            <pc:docMk/>
+            <pc:sldMk cId="2227496659" sldId="261"/>
+            <ac:spMk id="48" creationId="{A7DD5ACA-FA13-AF49-606E-73C2653E94E0}"/>
+          </ac:spMkLst>
+        </pc:spChg>
+        <pc:spChg chg="add del mod">
+          <ac:chgData name="Cirino PIETRO ANDREA" userId="06373c25-59ec-41ba-8008-fd845f0b8aed" providerId="ADAL" clId="{32E6A678-EDFA-4583-91C2-27406E63FB24}" dt="2024-12-12T13:47:01.428" v="1113" actId="1076"/>
+          <ac:spMkLst>
+            <pc:docMk/>
+            <pc:sldMk cId="2227496659" sldId="261"/>
+            <ac:spMk id="49" creationId="{4113B363-B5B0-B9C8-4299-D0858466AD7C}"/>
+          </ac:spMkLst>
+        </pc:spChg>
+        <pc:cxnChg chg="add del mod">
+          <ac:chgData name="Cirino PIETRO ANDREA" userId="06373c25-59ec-41ba-8008-fd845f0b8aed" providerId="ADAL" clId="{32E6A678-EDFA-4583-91C2-27406E63FB24}" dt="2024-12-12T13:43:07.848" v="1041" actId="478"/>
+          <ac:cxnSpMkLst>
+            <pc:docMk/>
+            <pc:sldMk cId="2227496659" sldId="261"/>
+            <ac:cxnSpMk id="6" creationId="{671BCD17-8707-FD1D-5611-F1DE360C4F5C}"/>
+          </ac:cxnSpMkLst>
+        </pc:cxnChg>
+        <pc:cxnChg chg="add del mod">
+          <ac:chgData name="Cirino PIETRO ANDREA" userId="06373c25-59ec-41ba-8008-fd845f0b8aed" providerId="ADAL" clId="{32E6A678-EDFA-4583-91C2-27406E63FB24}" dt="2024-12-12T13:43:07.848" v="1041" actId="478"/>
+          <ac:cxnSpMkLst>
+            <pc:docMk/>
+            <pc:sldMk cId="2227496659" sldId="261"/>
+            <ac:cxnSpMk id="10" creationId="{89667C0A-8C98-1A0A-EDD4-FAA8BF66FE65}"/>
+          </ac:cxnSpMkLst>
+        </pc:cxnChg>
+        <pc:cxnChg chg="add mod">
+          <ac:chgData name="Cirino PIETRO ANDREA" userId="06373c25-59ec-41ba-8008-fd845f0b8aed" providerId="ADAL" clId="{32E6A678-EDFA-4583-91C2-27406E63FB24}" dt="2024-12-12T09:38:51.844" v="556" actId="571"/>
+          <ac:cxnSpMkLst>
+            <pc:docMk/>
+            <pc:sldMk cId="2227496659" sldId="261"/>
+            <ac:cxnSpMk id="16" creationId="{E6D2EEBE-5B6F-AE59-ADB0-6B066ADEA715}"/>
+          </ac:cxnSpMkLst>
+        </pc:cxnChg>
+        <pc:cxnChg chg="add mod">
+          <ac:chgData name="Cirino PIETRO ANDREA" userId="06373c25-59ec-41ba-8008-fd845f0b8aed" providerId="ADAL" clId="{32E6A678-EDFA-4583-91C2-27406E63FB24}" dt="2024-12-12T09:38:51.844" v="556" actId="571"/>
+          <ac:cxnSpMkLst>
+            <pc:docMk/>
+            <pc:sldMk cId="2227496659" sldId="261"/>
+            <ac:cxnSpMk id="18" creationId="{EE753947-C3FA-9A2A-EB60-F2FDB631B2A5}"/>
+          </ac:cxnSpMkLst>
+        </pc:cxnChg>
+        <pc:cxnChg chg="add del mod">
+          <ac:chgData name="Cirino PIETRO ANDREA" userId="06373c25-59ec-41ba-8008-fd845f0b8aed" providerId="ADAL" clId="{32E6A678-EDFA-4583-91C2-27406E63FB24}" dt="2024-12-12T09:39:41.713" v="558" actId="478"/>
+          <ac:cxnSpMkLst>
+            <pc:docMk/>
+            <pc:sldMk cId="2227496659" sldId="261"/>
+            <ac:cxnSpMk id="21" creationId="{7788E239-697D-1032-19D7-22BE9FA90365}"/>
+          </ac:cxnSpMkLst>
+        </pc:cxnChg>
+        <pc:cxnChg chg="add del mod">
+          <ac:chgData name="Cirino PIETRO ANDREA" userId="06373c25-59ec-41ba-8008-fd845f0b8aed" providerId="ADAL" clId="{32E6A678-EDFA-4583-91C2-27406E63FB24}" dt="2024-12-12T09:39:41.713" v="558" actId="478"/>
+          <ac:cxnSpMkLst>
+            <pc:docMk/>
+            <pc:sldMk cId="2227496659" sldId="261"/>
+            <ac:cxnSpMk id="23" creationId="{8A94063D-3C65-9F06-9EF5-E3B9ADCA9618}"/>
+          </ac:cxnSpMkLst>
+        </pc:cxnChg>
+        <pc:cxnChg chg="add del mod">
+          <ac:chgData name="Cirino PIETRO ANDREA" userId="06373c25-59ec-41ba-8008-fd845f0b8aed" providerId="ADAL" clId="{32E6A678-EDFA-4583-91C2-27406E63FB24}" dt="2024-12-12T09:40:53.718" v="578" actId="478"/>
+          <ac:cxnSpMkLst>
+            <pc:docMk/>
+            <pc:sldMk cId="2227496659" sldId="261"/>
+            <ac:cxnSpMk id="31" creationId="{74631224-4A73-8847-072A-09020E168332}"/>
+          </ac:cxnSpMkLst>
+        </pc:cxnChg>
+        <pc:cxnChg chg="add del mod">
+          <ac:chgData name="Cirino PIETRO ANDREA" userId="06373c25-59ec-41ba-8008-fd845f0b8aed" providerId="ADAL" clId="{32E6A678-EDFA-4583-91C2-27406E63FB24}" dt="2024-12-12T13:43:07.848" v="1041" actId="478"/>
+          <ac:cxnSpMkLst>
+            <pc:docMk/>
+            <pc:sldMk cId="2227496659" sldId="261"/>
+            <ac:cxnSpMk id="33" creationId="{E73F4D10-A655-637B-4C13-F7E99340E849}"/>
+          </ac:cxnSpMkLst>
+        </pc:cxnChg>
+        <pc:cxnChg chg="add mod">
+          <ac:chgData name="Cirino PIETRO ANDREA" userId="06373c25-59ec-41ba-8008-fd845f0b8aed" providerId="ADAL" clId="{32E6A678-EDFA-4583-91C2-27406E63FB24}" dt="2024-12-12T13:47:01.428" v="1113" actId="1076"/>
+          <ac:cxnSpMkLst>
+            <pc:docMk/>
+            <pc:sldMk cId="2227496659" sldId="261"/>
+            <ac:cxnSpMk id="38" creationId="{CE7FE327-2915-A41E-479B-D26B63C971F9}"/>
+          </ac:cxnSpMkLst>
+        </pc:cxnChg>
+        <pc:cxnChg chg="add mod">
+          <ac:chgData name="Cirino PIETRO ANDREA" userId="06373c25-59ec-41ba-8008-fd845f0b8aed" providerId="ADAL" clId="{32E6A678-EDFA-4583-91C2-27406E63FB24}" dt="2024-12-12T13:47:01.428" v="1113" actId="1076"/>
+          <ac:cxnSpMkLst>
+            <pc:docMk/>
+            <pc:sldMk cId="2227496659" sldId="261"/>
+            <ac:cxnSpMk id="42" creationId="{719137EF-96D4-94BA-3FB7-A7C67193A146}"/>
+          </ac:cxnSpMkLst>
+        </pc:cxnChg>
+      </pc:sldChg>
+      <pc:sldChg chg="addSp delSp modSp add mod">
+        <pc:chgData name="Cirino PIETRO ANDREA" userId="06373c25-59ec-41ba-8008-fd845f0b8aed" providerId="ADAL" clId="{32E6A678-EDFA-4583-91C2-27406E63FB24}" dt="2024-12-12T13:47:38.043" v="1127" actId="20577"/>
+        <pc:sldMkLst>
+          <pc:docMk/>
+          <pc:sldMk cId="3375820087" sldId="262"/>
+        </pc:sldMkLst>
+        <pc:spChg chg="mod">
+          <ac:chgData name="Cirino PIETRO ANDREA" userId="06373c25-59ec-41ba-8008-fd845f0b8aed" providerId="ADAL" clId="{32E6A678-EDFA-4583-91C2-27406E63FB24}" dt="2024-12-12T09:43:31.448" v="611" actId="20577"/>
+          <ac:spMkLst>
+            <pc:docMk/>
+            <pc:sldMk cId="3375820087" sldId="262"/>
+            <ac:spMk id="2" creationId="{6E8D5665-5800-4EF9-B939-7F5A695818D4}"/>
+          </ac:spMkLst>
+        </pc:spChg>
+        <pc:spChg chg="add mod">
+          <ac:chgData name="Cirino PIETRO ANDREA" userId="06373c25-59ec-41ba-8008-fd845f0b8aed" providerId="ADAL" clId="{32E6A678-EDFA-4583-91C2-27406E63FB24}" dt="2024-12-12T10:19:21.833" v="694" actId="1076"/>
+          <ac:spMkLst>
+            <pc:docMk/>
+            <pc:sldMk cId="3375820087" sldId="262"/>
+            <ac:spMk id="3" creationId="{8CEA9288-B813-7531-3388-97E93E9C4053}"/>
+          </ac:spMkLst>
+        </pc:spChg>
+        <pc:spChg chg="del">
+          <ac:chgData name="Cirino PIETRO ANDREA" userId="06373c25-59ec-41ba-8008-fd845f0b8aed" providerId="ADAL" clId="{32E6A678-EDFA-4583-91C2-27406E63FB24}" dt="2024-12-12T09:43:58.271" v="612" actId="478"/>
+          <ac:spMkLst>
+            <pc:docMk/>
+            <pc:sldMk cId="3375820087" sldId="262"/>
+            <ac:spMk id="4" creationId="{2457C9FA-C840-A8F3-0396-7C383AF6DA3C}"/>
+          </ac:spMkLst>
+        </pc:spChg>
+        <pc:spChg chg="del">
+          <ac:chgData name="Cirino PIETRO ANDREA" userId="06373c25-59ec-41ba-8008-fd845f0b8aed" providerId="ADAL" clId="{32E6A678-EDFA-4583-91C2-27406E63FB24}" dt="2024-12-12T09:43:58.271" v="612" actId="478"/>
+          <ac:spMkLst>
+            <pc:docMk/>
+            <pc:sldMk cId="3375820087" sldId="262"/>
+            <ac:spMk id="5" creationId="{B472B12A-5A6F-AB53-7508-BF57FB019B0F}"/>
+          </ac:spMkLst>
+        </pc:spChg>
+        <pc:spChg chg="del">
+          <ac:chgData name="Cirino PIETRO ANDREA" userId="06373c25-59ec-41ba-8008-fd845f0b8aed" providerId="ADAL" clId="{32E6A678-EDFA-4583-91C2-27406E63FB24}" dt="2024-12-12T09:43:58.271" v="612" actId="478"/>
+          <ac:spMkLst>
+            <pc:docMk/>
+            <pc:sldMk cId="3375820087" sldId="262"/>
+            <ac:spMk id="7" creationId="{8D3D6C99-C1FA-EF96-4223-DDCFFD300EF1}"/>
+          </ac:spMkLst>
+        </pc:spChg>
+        <pc:spChg chg="del">
+          <ac:chgData name="Cirino PIETRO ANDREA" userId="06373c25-59ec-41ba-8008-fd845f0b8aed" providerId="ADAL" clId="{32E6A678-EDFA-4583-91C2-27406E63FB24}" dt="2024-12-12T09:43:58.271" v="612" actId="478"/>
+          <ac:spMkLst>
+            <pc:docMk/>
+            <pc:sldMk cId="3375820087" sldId="262"/>
+            <ac:spMk id="8" creationId="{00228CA4-22E0-8522-7FEC-C40776351E13}"/>
+          </ac:spMkLst>
+        </pc:spChg>
+        <pc:spChg chg="del">
+          <ac:chgData name="Cirino PIETRO ANDREA" userId="06373c25-59ec-41ba-8008-fd845f0b8aed" providerId="ADAL" clId="{32E6A678-EDFA-4583-91C2-27406E63FB24}" dt="2024-12-12T09:43:58.271" v="612" actId="478"/>
+          <ac:spMkLst>
+            <pc:docMk/>
+            <pc:sldMk cId="3375820087" sldId="262"/>
+            <ac:spMk id="9" creationId="{50631996-1CD7-1A52-3494-0FCC0B8868CB}"/>
+          </ac:spMkLst>
+        </pc:spChg>
+        <pc:spChg chg="add mod">
+          <ac:chgData name="Cirino PIETRO ANDREA" userId="06373c25-59ec-41ba-8008-fd845f0b8aed" providerId="ADAL" clId="{32E6A678-EDFA-4583-91C2-27406E63FB24}" dt="2024-12-12T10:19:21.833" v="694" actId="1076"/>
+          <ac:spMkLst>
+            <pc:docMk/>
+            <pc:sldMk cId="3375820087" sldId="262"/>
+            <ac:spMk id="12" creationId="{04D32040-B3AE-D9D8-A6CB-84211BFD71E0}"/>
+          </ac:spMkLst>
+        </pc:spChg>
+        <pc:spChg chg="add mod">
+          <ac:chgData name="Cirino PIETRO ANDREA" userId="06373c25-59ec-41ba-8008-fd845f0b8aed" providerId="ADAL" clId="{32E6A678-EDFA-4583-91C2-27406E63FB24}" dt="2024-12-12T10:19:21.833" v="694" actId="1076"/>
+          <ac:spMkLst>
+            <pc:docMk/>
+            <pc:sldMk cId="3375820087" sldId="262"/>
+            <ac:spMk id="13" creationId="{6B2A4548-1605-6AC7-C8D5-E25CD852A501}"/>
+          </ac:spMkLst>
+        </pc:spChg>
+        <pc:spChg chg="add mod">
+          <ac:chgData name="Cirino PIETRO ANDREA" userId="06373c25-59ec-41ba-8008-fd845f0b8aed" providerId="ADAL" clId="{32E6A678-EDFA-4583-91C2-27406E63FB24}" dt="2024-12-12T10:19:21.833" v="694" actId="1076"/>
+          <ac:spMkLst>
+            <pc:docMk/>
+            <pc:sldMk cId="3375820087" sldId="262"/>
+            <ac:spMk id="16" creationId="{48E210E0-685F-641A-51C9-43F4FEA000EC}"/>
+          </ac:spMkLst>
+        </pc:spChg>
+        <pc:spChg chg="add del mod">
+          <ac:chgData name="Cirino PIETRO ANDREA" userId="06373c25-59ec-41ba-8008-fd845f0b8aed" providerId="ADAL" clId="{32E6A678-EDFA-4583-91C2-27406E63FB24}" dt="2024-12-12T10:19:21.833" v="694" actId="1076"/>
+          <ac:spMkLst>
+            <pc:docMk/>
+            <pc:sldMk cId="3375820087" sldId="262"/>
+            <ac:spMk id="17" creationId="{E6B9E8AD-F0B3-1B67-7B9B-16D91EA226FD}"/>
+          </ac:spMkLst>
+        </pc:spChg>
+        <pc:spChg chg="add del mod">
+          <ac:chgData name="Cirino PIETRO ANDREA" userId="06373c25-59ec-41ba-8008-fd845f0b8aed" providerId="ADAL" clId="{32E6A678-EDFA-4583-91C2-27406E63FB24}" dt="2024-12-12T13:47:27.318" v="1114" actId="478"/>
+          <ac:spMkLst>
+            <pc:docMk/>
+            <pc:sldMk cId="3375820087" sldId="262"/>
+            <ac:spMk id="18" creationId="{758E5506-7475-CA91-C365-94FDA5FE4D8A}"/>
+          </ac:spMkLst>
+        </pc:spChg>
+        <pc:spChg chg="add mod">
+          <ac:chgData name="Cirino PIETRO ANDREA" userId="06373c25-59ec-41ba-8008-fd845f0b8aed" providerId="ADAL" clId="{32E6A678-EDFA-4583-91C2-27406E63FB24}" dt="2024-12-12T10:19:21.833" v="694" actId="1076"/>
+          <ac:spMkLst>
+            <pc:docMk/>
+            <pc:sldMk cId="3375820087" sldId="262"/>
+            <ac:spMk id="19" creationId="{DFF93177-E6A2-747C-88ED-7110CF0D527A}"/>
+          </ac:spMkLst>
+        </pc:spChg>
+        <pc:spChg chg="add del mod">
+          <ac:chgData name="Cirino PIETRO ANDREA" userId="06373c25-59ec-41ba-8008-fd845f0b8aed" providerId="ADAL" clId="{32E6A678-EDFA-4583-91C2-27406E63FB24}" dt="2024-12-12T09:44:09.596" v="615" actId="478"/>
+          <ac:spMkLst>
+            <pc:docMk/>
+            <pc:sldMk cId="3375820087" sldId="262"/>
+            <ac:spMk id="20" creationId="{83280B49-E573-2453-B2DF-A00DA96CA318}"/>
+          </ac:spMkLst>
+        </pc:spChg>
+        <pc:spChg chg="add mod">
+          <ac:chgData name="Cirino PIETRO ANDREA" userId="06373c25-59ec-41ba-8008-fd845f0b8aed" providerId="ADAL" clId="{32E6A678-EDFA-4583-91C2-27406E63FB24}" dt="2024-12-12T10:19:24.198" v="697" actId="1076"/>
+          <ac:spMkLst>
+            <pc:docMk/>
+            <pc:sldMk cId="3375820087" sldId="262"/>
+            <ac:spMk id="22" creationId="{11C4611E-2021-0FE1-D9B7-E27975299EC3}"/>
+          </ac:spMkLst>
+        </pc:spChg>
+        <pc:spChg chg="add mod">
+          <ac:chgData name="Cirino PIETRO ANDREA" userId="06373c25-59ec-41ba-8008-fd845f0b8aed" providerId="ADAL" clId="{32E6A678-EDFA-4583-91C2-27406E63FB24}" dt="2024-12-12T10:19:24.198" v="697" actId="1076"/>
+          <ac:spMkLst>
+            <pc:docMk/>
+            <pc:sldMk cId="3375820087" sldId="262"/>
+            <ac:spMk id="23" creationId="{ABF82C4E-321F-6DED-3891-A419474361EB}"/>
+          </ac:spMkLst>
+        </pc:spChg>
+        <pc:spChg chg="add mod">
+          <ac:chgData name="Cirino PIETRO ANDREA" userId="06373c25-59ec-41ba-8008-fd845f0b8aed" providerId="ADAL" clId="{32E6A678-EDFA-4583-91C2-27406E63FB24}" dt="2024-12-12T13:47:38.043" v="1127" actId="20577"/>
+          <ac:spMkLst>
+            <pc:docMk/>
+            <pc:sldMk cId="3375820087" sldId="262"/>
+            <ac:spMk id="27" creationId="{3C28ED15-3FF1-C7A1-1DED-7A2938A0FC05}"/>
+          </ac:spMkLst>
+        </pc:spChg>
+        <pc:cxnChg chg="del mod">
+          <ac:chgData name="Cirino PIETRO ANDREA" userId="06373c25-59ec-41ba-8008-fd845f0b8aed" providerId="ADAL" clId="{32E6A678-EDFA-4583-91C2-27406E63FB24}" dt="2024-12-12T09:43:58.271" v="612" actId="478"/>
+          <ac:cxnSpMkLst>
+            <pc:docMk/>
+            <pc:sldMk cId="3375820087" sldId="262"/>
+            <ac:cxnSpMk id="6" creationId="{9D66C4C5-C970-789B-6D28-B7226E419B67}"/>
+          </ac:cxnSpMkLst>
+        </pc:cxnChg>
+        <pc:cxnChg chg="add del mod">
+          <ac:chgData name="Cirino PIETRO ANDREA" userId="06373c25-59ec-41ba-8008-fd845f0b8aed" providerId="ADAL" clId="{32E6A678-EDFA-4583-91C2-27406E63FB24}" dt="2024-12-12T10:19:21.833" v="694" actId="1076"/>
+          <ac:cxnSpMkLst>
+            <pc:docMk/>
+            <pc:sldMk cId="3375820087" sldId="262"/>
+            <ac:cxnSpMk id="10" creationId="{411F71FD-E677-2917-78D3-B691F8A9CF8D}"/>
+          </ac:cxnSpMkLst>
+        </pc:cxnChg>
+        <pc:cxnChg chg="del mod">
+          <ac:chgData name="Cirino PIETRO ANDREA" userId="06373c25-59ec-41ba-8008-fd845f0b8aed" providerId="ADAL" clId="{32E6A678-EDFA-4583-91C2-27406E63FB24}" dt="2024-12-12T09:43:58.271" v="612" actId="478"/>
+          <ac:cxnSpMkLst>
+            <pc:docMk/>
+            <pc:sldMk cId="3375820087" sldId="262"/>
+            <ac:cxnSpMk id="11" creationId="{194AEFCF-81F7-C46E-BE02-D68FB59E6A2F}"/>
+          </ac:cxnSpMkLst>
+        </pc:cxnChg>
+        <pc:cxnChg chg="add del mod">
+          <ac:chgData name="Cirino PIETRO ANDREA" userId="06373c25-59ec-41ba-8008-fd845f0b8aed" providerId="ADAL" clId="{32E6A678-EDFA-4583-91C2-27406E63FB24}" dt="2024-12-12T10:19:21.833" v="694" actId="1076"/>
+          <ac:cxnSpMkLst>
+            <pc:docMk/>
+            <pc:sldMk cId="3375820087" sldId="262"/>
+            <ac:cxnSpMk id="14" creationId="{170EE7B7-87E8-391B-0E2E-99EBB341E983}"/>
+          </ac:cxnSpMkLst>
+        </pc:cxnChg>
+        <pc:cxnChg chg="add mod">
+          <ac:chgData name="Cirino PIETRO ANDREA" userId="06373c25-59ec-41ba-8008-fd845f0b8aed" providerId="ADAL" clId="{32E6A678-EDFA-4583-91C2-27406E63FB24}" dt="2024-12-12T10:19:21.833" v="694" actId="1076"/>
+          <ac:cxnSpMkLst>
+            <pc:docMk/>
+            <pc:sldMk cId="3375820087" sldId="262"/>
+            <ac:cxnSpMk id="15" creationId="{A59465F7-84B5-B17A-C361-C9E12A28B9FD}"/>
+          </ac:cxnSpMkLst>
+        </pc:cxnChg>
+        <pc:cxnChg chg="add mod">
+          <ac:chgData name="Cirino PIETRO ANDREA" userId="06373c25-59ec-41ba-8008-fd845f0b8aed" providerId="ADAL" clId="{32E6A678-EDFA-4583-91C2-27406E63FB24}" dt="2024-12-12T10:19:24.198" v="697" actId="1076"/>
+          <ac:cxnSpMkLst>
+            <pc:docMk/>
+            <pc:sldMk cId="3375820087" sldId="262"/>
+            <ac:cxnSpMk id="24" creationId="{006979EA-6606-597D-9127-62025F76F7A1}"/>
+          </ac:cxnSpMkLst>
+        </pc:cxnChg>
+      </pc:sldChg>
+      <pc:sldChg chg="modSp add mod">
+        <pc:chgData name="Cirino PIETRO ANDREA" userId="06373c25-59ec-41ba-8008-fd845f0b8aed" providerId="ADAL" clId="{32E6A678-EDFA-4583-91C2-27406E63FB24}" dt="2024-12-12T13:47:49.051" v="1138" actId="20577"/>
+        <pc:sldMkLst>
+          <pc:docMk/>
+          <pc:sldMk cId="554375994" sldId="263"/>
+        </pc:sldMkLst>
+        <pc:spChg chg="mod">
+          <ac:chgData name="Cirino PIETRO ANDREA" userId="06373c25-59ec-41ba-8008-fd845f0b8aed" providerId="ADAL" clId="{32E6A678-EDFA-4583-91C2-27406E63FB24}" dt="2024-12-12T09:55:36.024" v="640" actId="20577"/>
+          <ac:spMkLst>
+            <pc:docMk/>
+            <pc:sldMk cId="554375994" sldId="263"/>
+            <ac:spMk id="2" creationId="{6E8D5665-5800-4EF9-B939-7F5A695818D4}"/>
+          </ac:spMkLst>
+        </pc:spChg>
+        <pc:spChg chg="mod">
+          <ac:chgData name="Cirino PIETRO ANDREA" userId="06373c25-59ec-41ba-8008-fd845f0b8aed" providerId="ADAL" clId="{32E6A678-EDFA-4583-91C2-27406E63FB24}" dt="2024-12-12T09:55:50.606" v="642" actId="1076"/>
+          <ac:spMkLst>
+            <pc:docMk/>
+            <pc:sldMk cId="554375994" sldId="263"/>
+            <ac:spMk id="3" creationId="{8CEA9288-B813-7531-3388-97E93E9C4053}"/>
+          </ac:spMkLst>
+        </pc:spChg>
+        <pc:spChg chg="mod">
+          <ac:chgData name="Cirino PIETRO ANDREA" userId="06373c25-59ec-41ba-8008-fd845f0b8aed" providerId="ADAL" clId="{32E6A678-EDFA-4583-91C2-27406E63FB24}" dt="2024-12-12T09:55:50.606" v="642" actId="1076"/>
+          <ac:spMkLst>
+            <pc:docMk/>
+            <pc:sldMk cId="554375994" sldId="263"/>
+            <ac:spMk id="12" creationId="{04D32040-B3AE-D9D8-A6CB-84211BFD71E0}"/>
+          </ac:spMkLst>
+        </pc:spChg>
+        <pc:spChg chg="mod">
+          <ac:chgData name="Cirino PIETRO ANDREA" userId="06373c25-59ec-41ba-8008-fd845f0b8aed" providerId="ADAL" clId="{32E6A678-EDFA-4583-91C2-27406E63FB24}" dt="2024-12-12T09:55:50.606" v="642" actId="1076"/>
+          <ac:spMkLst>
+            <pc:docMk/>
+            <pc:sldMk cId="554375994" sldId="263"/>
+            <ac:spMk id="13" creationId="{6B2A4548-1605-6AC7-C8D5-E25CD852A501}"/>
+          </ac:spMkLst>
+        </pc:spChg>
+        <pc:spChg chg="mod">
+          <ac:chgData name="Cirino PIETRO ANDREA" userId="06373c25-59ec-41ba-8008-fd845f0b8aed" providerId="ADAL" clId="{32E6A678-EDFA-4583-91C2-27406E63FB24}" dt="2024-12-12T09:55:50.606" v="642" actId="1076"/>
+          <ac:spMkLst>
+            <pc:docMk/>
+            <pc:sldMk cId="554375994" sldId="263"/>
+            <ac:spMk id="16" creationId="{48E210E0-685F-641A-51C9-43F4FEA000EC}"/>
+          </ac:spMkLst>
+        </pc:spChg>
+        <pc:spChg chg="mod">
+          <ac:chgData name="Cirino PIETRO ANDREA" userId="06373c25-59ec-41ba-8008-fd845f0b8aed" providerId="ADAL" clId="{32E6A678-EDFA-4583-91C2-27406E63FB24}" dt="2024-12-12T09:55:50.606" v="642" actId="1076"/>
+          <ac:spMkLst>
+            <pc:docMk/>
+            <pc:sldMk cId="554375994" sldId="263"/>
+            <ac:spMk id="17" creationId="{E6B9E8AD-F0B3-1B67-7B9B-16D91EA226FD}"/>
+          </ac:spMkLst>
+        </pc:spChg>
+        <pc:spChg chg="mod">
+          <ac:chgData name="Cirino PIETRO ANDREA" userId="06373c25-59ec-41ba-8008-fd845f0b8aed" providerId="ADAL" clId="{32E6A678-EDFA-4583-91C2-27406E63FB24}" dt="2024-12-12T13:47:49.051" v="1138" actId="20577"/>
+          <ac:spMkLst>
+            <pc:docMk/>
+            <pc:sldMk cId="554375994" sldId="263"/>
+            <ac:spMk id="18" creationId="{758E5506-7475-CA91-C365-94FDA5FE4D8A}"/>
+          </ac:spMkLst>
+        </pc:spChg>
+        <pc:spChg chg="mod">
+          <ac:chgData name="Cirino PIETRO ANDREA" userId="06373c25-59ec-41ba-8008-fd845f0b8aed" providerId="ADAL" clId="{32E6A678-EDFA-4583-91C2-27406E63FB24}" dt="2024-12-12T09:55:50.606" v="642" actId="1076"/>
+          <ac:spMkLst>
+            <pc:docMk/>
+            <pc:sldMk cId="554375994" sldId="263"/>
+            <ac:spMk id="19" creationId="{DFF93177-E6A2-747C-88ED-7110CF0D527A}"/>
+          </ac:spMkLst>
+        </pc:spChg>
+        <pc:cxnChg chg="mod">
+          <ac:chgData name="Cirino PIETRO ANDREA" userId="06373c25-59ec-41ba-8008-fd845f0b8aed" providerId="ADAL" clId="{32E6A678-EDFA-4583-91C2-27406E63FB24}" dt="2024-12-12T09:55:50.606" v="642" actId="1076"/>
+          <ac:cxnSpMkLst>
+            <pc:docMk/>
+            <pc:sldMk cId="554375994" sldId="263"/>
+            <ac:cxnSpMk id="10" creationId="{411F71FD-E677-2917-78D3-B691F8A9CF8D}"/>
+          </ac:cxnSpMkLst>
+        </pc:cxnChg>
+        <pc:cxnChg chg="mod">
+          <ac:chgData name="Cirino PIETRO ANDREA" userId="06373c25-59ec-41ba-8008-fd845f0b8aed" providerId="ADAL" clId="{32E6A678-EDFA-4583-91C2-27406E63FB24}" dt="2024-12-12T09:55:50.606" v="642" actId="1076"/>
+          <ac:cxnSpMkLst>
+            <pc:docMk/>
+            <pc:sldMk cId="554375994" sldId="263"/>
+            <ac:cxnSpMk id="14" creationId="{170EE7B7-87E8-391B-0E2E-99EBB341E983}"/>
+          </ac:cxnSpMkLst>
+        </pc:cxnChg>
+        <pc:cxnChg chg="mod">
+          <ac:chgData name="Cirino PIETRO ANDREA" userId="06373c25-59ec-41ba-8008-fd845f0b8aed" providerId="ADAL" clId="{32E6A678-EDFA-4583-91C2-27406E63FB24}" dt="2024-12-12T09:55:50.606" v="642" actId="1076"/>
+          <ac:cxnSpMkLst>
+            <pc:docMk/>
+            <pc:sldMk cId="554375994" sldId="263"/>
+            <ac:cxnSpMk id="15" creationId="{A59465F7-84B5-B17A-C361-C9E12A28B9FD}"/>
+          </ac:cxnSpMkLst>
+        </pc:cxnChg>
+      </pc:sldChg>
+      <pc:sldChg chg="addSp delSp modSp new mod ord">
+        <pc:chgData name="Cirino PIETRO ANDREA" userId="06373c25-59ec-41ba-8008-fd845f0b8aed" providerId="ADAL" clId="{32E6A678-EDFA-4583-91C2-27406E63FB24}" dt="2024-12-12T10:22:07.979" v="699"/>
+        <pc:sldMkLst>
+          <pc:docMk/>
+          <pc:sldMk cId="2182553740" sldId="264"/>
+        </pc:sldMkLst>
+        <pc:spChg chg="mod">
+          <ac:chgData name="Cirino PIETRO ANDREA" userId="06373c25-59ec-41ba-8008-fd845f0b8aed" providerId="ADAL" clId="{32E6A678-EDFA-4583-91C2-27406E63FB24}" dt="2024-12-12T09:58:16.756" v="650"/>
+          <ac:spMkLst>
+            <pc:docMk/>
+            <pc:sldMk cId="2182553740" sldId="264"/>
+            <ac:spMk id="2" creationId="{AF1EE7DD-448D-6ADA-5C3C-015F275C4AB9}"/>
+          </ac:spMkLst>
+        </pc:spChg>
+        <pc:picChg chg="add mod">
+          <ac:chgData name="Cirino PIETRO ANDREA" userId="06373c25-59ec-41ba-8008-fd845f0b8aed" providerId="ADAL" clId="{32E6A678-EDFA-4583-91C2-27406E63FB24}" dt="2024-12-12T09:58:20.607" v="651" actId="1076"/>
+          <ac:picMkLst>
+            <pc:docMk/>
+            <pc:sldMk cId="2182553740" sldId="264"/>
+            <ac:picMk id="4" creationId="{A018D457-665C-6406-19B8-CBE4FE7C91D2}"/>
+          </ac:picMkLst>
+        </pc:picChg>
+        <pc:picChg chg="add del mod">
+          <ac:chgData name="Cirino PIETRO ANDREA" userId="06373c25-59ec-41ba-8008-fd845f0b8aed" providerId="ADAL" clId="{32E6A678-EDFA-4583-91C2-27406E63FB24}" dt="2024-12-12T09:57:10.096" v="646" actId="478"/>
+          <ac:picMkLst>
+            <pc:docMk/>
+            <pc:sldMk cId="2182553740" sldId="264"/>
+            <ac:picMk id="1026" creationId="{73E9ACF5-8DBB-F129-4F29-149AD4AFE20D}"/>
+          </ac:picMkLst>
+        </pc:picChg>
+      </pc:sldChg>
+      <pc:sldChg chg="addSp delSp modSp new mod addAnim delAnim modAnim">
+        <pc:chgData name="Cirino PIETRO ANDREA" userId="06373c25-59ec-41ba-8008-fd845f0b8aed" providerId="ADAL" clId="{32E6A678-EDFA-4583-91C2-27406E63FB24}" dt="2024-12-12T13:55:13.836" v="1157" actId="1076"/>
+        <pc:sldMkLst>
+          <pc:docMk/>
+          <pc:sldMk cId="736381694" sldId="265"/>
+        </pc:sldMkLst>
+        <pc:spChg chg="mod">
+          <ac:chgData name="Cirino PIETRO ANDREA" userId="06373c25-59ec-41ba-8008-fd845f0b8aed" providerId="ADAL" clId="{32E6A678-EDFA-4583-91C2-27406E63FB24}" dt="2024-12-12T13:55:05.372" v="1156" actId="20577"/>
+          <ac:spMkLst>
+            <pc:docMk/>
+            <pc:sldMk cId="736381694" sldId="265"/>
+            <ac:spMk id="2" creationId="{5EAC5149-9917-371C-1A4E-54B19531B1CE}"/>
+          </ac:spMkLst>
+        </pc:spChg>
+        <pc:spChg chg="add mod topLvl">
+          <ac:chgData name="Cirino PIETRO ANDREA" userId="06373c25-59ec-41ba-8008-fd845f0b8aed" providerId="ADAL" clId="{32E6A678-EDFA-4583-91C2-27406E63FB24}" dt="2024-12-12T13:55:13.836" v="1157" actId="1076"/>
+          <ac:spMkLst>
+            <pc:docMk/>
+            <pc:sldMk cId="736381694" sldId="265"/>
+            <ac:spMk id="3" creationId="{3508AC98-AF83-79F9-22D4-CE7E77D32E33}"/>
+          </ac:spMkLst>
+        </pc:spChg>
+        <pc:spChg chg="add del mod">
+          <ac:chgData name="Cirino PIETRO ANDREA" userId="06373c25-59ec-41ba-8008-fd845f0b8aed" providerId="ADAL" clId="{32E6A678-EDFA-4583-91C2-27406E63FB24}" dt="2024-12-12T13:55:13.836" v="1157" actId="1076"/>
+          <ac:spMkLst>
+            <pc:docMk/>
+            <pc:sldMk cId="736381694" sldId="265"/>
+            <ac:spMk id="18" creationId="{0045B1A4-4B1A-B434-8E73-A92A92D776CE}"/>
+          </ac:spMkLst>
+        </pc:spChg>
+        <pc:spChg chg="add mod">
+          <ac:chgData name="Cirino PIETRO ANDREA" userId="06373c25-59ec-41ba-8008-fd845f0b8aed" providerId="ADAL" clId="{32E6A678-EDFA-4583-91C2-27406E63FB24}" dt="2024-12-12T13:55:13.836" v="1157" actId="1076"/>
+          <ac:spMkLst>
+            <pc:docMk/>
+            <pc:sldMk cId="736381694" sldId="265"/>
+            <ac:spMk id="19" creationId="{81D2184D-60CB-88DD-60B7-B4EE03B505A9}"/>
+          </ac:spMkLst>
+        </pc:spChg>
+        <pc:spChg chg="add mod">
+          <ac:chgData name="Cirino PIETRO ANDREA" userId="06373c25-59ec-41ba-8008-fd845f0b8aed" providerId="ADAL" clId="{32E6A678-EDFA-4583-91C2-27406E63FB24}" dt="2024-12-12T13:55:13.836" v="1157" actId="1076"/>
+          <ac:spMkLst>
+            <pc:docMk/>
+            <pc:sldMk cId="736381694" sldId="265"/>
+            <ac:spMk id="21" creationId="{6012F152-8A97-EAED-FDFE-E6CECE6374D5}"/>
+          </ac:spMkLst>
+        </pc:spChg>
+        <pc:spChg chg="add mod">
+          <ac:chgData name="Cirino PIETRO ANDREA" userId="06373c25-59ec-41ba-8008-fd845f0b8aed" providerId="ADAL" clId="{32E6A678-EDFA-4583-91C2-27406E63FB24}" dt="2024-12-12T13:55:13.836" v="1157" actId="1076"/>
+          <ac:spMkLst>
+            <pc:docMk/>
+            <pc:sldMk cId="736381694" sldId="265"/>
+            <ac:spMk id="26" creationId="{DE679F20-15D6-AAEC-7D51-AC66492CE4D5}"/>
+          </ac:spMkLst>
+        </pc:spChg>
+        <pc:grpChg chg="add del mod">
+          <ac:chgData name="Cirino PIETRO ANDREA" userId="06373c25-59ec-41ba-8008-fd845f0b8aed" providerId="ADAL" clId="{32E6A678-EDFA-4583-91C2-27406E63FB24}" dt="2024-12-12T13:28:52.386" v="925" actId="165"/>
+          <ac:grpSpMkLst>
+            <pc:docMk/>
+            <pc:sldMk cId="736381694" sldId="265"/>
+            <ac:grpSpMk id="17" creationId="{B7DF5EC3-E1EE-9AFB-BBFE-2F016A8BF57D}"/>
+          </ac:grpSpMkLst>
+        </pc:grpChg>
+        <pc:picChg chg="add del mod">
+          <ac:chgData name="Cirino PIETRO ANDREA" userId="06373c25-59ec-41ba-8008-fd845f0b8aed" providerId="ADAL" clId="{32E6A678-EDFA-4583-91C2-27406E63FB24}" dt="2024-12-12T13:26:22.748" v="876" actId="478"/>
+          <ac:picMkLst>
+            <pc:docMk/>
+            <pc:sldMk cId="736381694" sldId="265"/>
+            <ac:picMk id="4" creationId="{6AACD22A-F4FE-C82C-C9BB-728FF47C6043}"/>
+          </ac:picMkLst>
+        </pc:picChg>
+        <pc:picChg chg="add del mod">
+          <ac:chgData name="Cirino PIETRO ANDREA" userId="06373c25-59ec-41ba-8008-fd845f0b8aed" providerId="ADAL" clId="{32E6A678-EDFA-4583-91C2-27406E63FB24}" dt="2024-12-12T13:26:22.215" v="875" actId="478"/>
+          <ac:picMkLst>
+            <pc:docMk/>
+            <pc:sldMk cId="736381694" sldId="265"/>
+            <ac:picMk id="5" creationId="{0F8A9BED-F47E-50A1-62DB-55E75FAD8FF1}"/>
+          </ac:picMkLst>
+        </pc:picChg>
+        <pc:picChg chg="add mod topLvl modCrop">
+          <ac:chgData name="Cirino PIETRO ANDREA" userId="06373c25-59ec-41ba-8008-fd845f0b8aed" providerId="ADAL" clId="{32E6A678-EDFA-4583-91C2-27406E63FB24}" dt="2024-12-12T13:55:13.836" v="1157" actId="1076"/>
+          <ac:picMkLst>
+            <pc:docMk/>
+            <pc:sldMk cId="736381694" sldId="265"/>
+            <ac:picMk id="6" creationId="{A8849140-6356-2A5B-7838-BDCBA8EFCB0C}"/>
+          </ac:picMkLst>
+        </pc:picChg>
+        <pc:picChg chg="add del mod">
+          <ac:chgData name="Cirino PIETRO ANDREA" userId="06373c25-59ec-41ba-8008-fd845f0b8aed" providerId="ADAL" clId="{32E6A678-EDFA-4583-91C2-27406E63FB24}" dt="2024-12-12T13:26:23.185" v="877" actId="478"/>
+          <ac:picMkLst>
+            <pc:docMk/>
+            <pc:sldMk cId="736381694" sldId="265"/>
+            <ac:picMk id="7" creationId="{BB9C6E0C-0312-4813-F066-F6693D658BCC}"/>
+          </ac:picMkLst>
+        </pc:picChg>
+        <pc:picChg chg="add mod topLvl modCrop">
+          <ac:chgData name="Cirino PIETRO ANDREA" userId="06373c25-59ec-41ba-8008-fd845f0b8aed" providerId="ADAL" clId="{32E6A678-EDFA-4583-91C2-27406E63FB24}" dt="2024-12-12T13:55:13.836" v="1157" actId="1076"/>
+          <ac:picMkLst>
+            <pc:docMk/>
+            <pc:sldMk cId="736381694" sldId="265"/>
+            <ac:picMk id="8" creationId="{DCA510E7-D813-03D4-814F-A626DFAA0D37}"/>
+          </ac:picMkLst>
+        </pc:picChg>
+        <pc:picChg chg="add mod topLvl">
+          <ac:chgData name="Cirino PIETRO ANDREA" userId="06373c25-59ec-41ba-8008-fd845f0b8aed" providerId="ADAL" clId="{32E6A678-EDFA-4583-91C2-27406E63FB24}" dt="2024-12-12T13:55:13.836" v="1157" actId="1076"/>
+          <ac:picMkLst>
+            <pc:docMk/>
+            <pc:sldMk cId="736381694" sldId="265"/>
+            <ac:picMk id="9" creationId="{0CD3BF1A-6F26-EBC8-0FCB-18BF70A7C4B4}"/>
+          </ac:picMkLst>
+        </pc:picChg>
+        <pc:picChg chg="add mod topLvl modCrop">
+          <ac:chgData name="Cirino PIETRO ANDREA" userId="06373c25-59ec-41ba-8008-fd845f0b8aed" providerId="ADAL" clId="{32E6A678-EDFA-4583-91C2-27406E63FB24}" dt="2024-12-12T13:55:13.836" v="1157" actId="1076"/>
+          <ac:picMkLst>
+            <pc:docMk/>
+            <pc:sldMk cId="736381694" sldId="265"/>
+            <ac:picMk id="10" creationId="{3ACEBF20-D195-574C-4D27-5433C5E55875}"/>
+          </ac:picMkLst>
+        </pc:picChg>
+        <pc:picChg chg="add mod topLvl modCrop">
+          <ac:chgData name="Cirino PIETRO ANDREA" userId="06373c25-59ec-41ba-8008-fd845f0b8aed" providerId="ADAL" clId="{32E6A678-EDFA-4583-91C2-27406E63FB24}" dt="2024-12-12T13:55:13.836" v="1157" actId="1076"/>
+          <ac:picMkLst>
+            <pc:docMk/>
+            <pc:sldMk cId="736381694" sldId="265"/>
+            <ac:picMk id="11" creationId="{52219BD4-1353-C3DE-6BFC-28414F5615B9}"/>
+          </ac:picMkLst>
+        </pc:picChg>
+        <pc:picChg chg="add mod topLvl">
+          <ac:chgData name="Cirino PIETRO ANDREA" userId="06373c25-59ec-41ba-8008-fd845f0b8aed" providerId="ADAL" clId="{32E6A678-EDFA-4583-91C2-27406E63FB24}" dt="2024-12-12T13:55:13.836" v="1157" actId="1076"/>
+          <ac:picMkLst>
+            <pc:docMk/>
+            <pc:sldMk cId="736381694" sldId="265"/>
+            <ac:picMk id="12" creationId="{97F01FCB-9288-2435-25E2-EDBA7564EB62}"/>
+          </ac:picMkLst>
+        </pc:picChg>
+        <pc:picChg chg="add mod topLvl modCrop">
+          <ac:chgData name="Cirino PIETRO ANDREA" userId="06373c25-59ec-41ba-8008-fd845f0b8aed" providerId="ADAL" clId="{32E6A678-EDFA-4583-91C2-27406E63FB24}" dt="2024-12-12T13:55:13.836" v="1157" actId="1076"/>
+          <ac:picMkLst>
+            <pc:docMk/>
+            <pc:sldMk cId="736381694" sldId="265"/>
+            <ac:picMk id="13" creationId="{407F245F-C81A-0E77-9E9D-114FDDFF7741}"/>
+          </ac:picMkLst>
+        </pc:picChg>
+        <pc:picChg chg="add mod topLvl modCrop">
+          <ac:chgData name="Cirino PIETRO ANDREA" userId="06373c25-59ec-41ba-8008-fd845f0b8aed" providerId="ADAL" clId="{32E6A678-EDFA-4583-91C2-27406E63FB24}" dt="2024-12-12T13:55:13.836" v="1157" actId="1076"/>
+          <ac:picMkLst>
+            <pc:docMk/>
+            <pc:sldMk cId="736381694" sldId="265"/>
+            <ac:picMk id="14" creationId="{ADA1CBF7-F933-D1A6-ADF5-D2A86F09AFB5}"/>
+          </ac:picMkLst>
+        </pc:picChg>
+        <pc:picChg chg="add mod topLvl modCrop">
+          <ac:chgData name="Cirino PIETRO ANDREA" userId="06373c25-59ec-41ba-8008-fd845f0b8aed" providerId="ADAL" clId="{32E6A678-EDFA-4583-91C2-27406E63FB24}" dt="2024-12-12T13:55:13.836" v="1157" actId="1076"/>
+          <ac:picMkLst>
+            <pc:docMk/>
+            <pc:sldMk cId="736381694" sldId="265"/>
+            <ac:picMk id="15" creationId="{4251DB4A-F3AB-F382-2A68-66DBD8E9006D}"/>
+          </ac:picMkLst>
+        </pc:picChg>
+        <pc:picChg chg="add mod topLvl modCrop">
+          <ac:chgData name="Cirino PIETRO ANDREA" userId="06373c25-59ec-41ba-8008-fd845f0b8aed" providerId="ADAL" clId="{32E6A678-EDFA-4583-91C2-27406E63FB24}" dt="2024-12-12T13:55:13.836" v="1157" actId="1076"/>
+          <ac:picMkLst>
+            <pc:docMk/>
+            <pc:sldMk cId="736381694" sldId="265"/>
+            <ac:picMk id="16" creationId="{75597F1F-3161-D8E6-386E-78EC74A8CDCD}"/>
+          </ac:picMkLst>
+        </pc:picChg>
+        <pc:cxnChg chg="add mod">
+          <ac:chgData name="Cirino PIETRO ANDREA" userId="06373c25-59ec-41ba-8008-fd845f0b8aed" providerId="ADAL" clId="{32E6A678-EDFA-4583-91C2-27406E63FB24}" dt="2024-12-12T13:55:13.836" v="1157" actId="1076"/>
+          <ac:cxnSpMkLst>
+            <pc:docMk/>
+            <pc:sldMk cId="736381694" sldId="265"/>
+            <ac:cxnSpMk id="20" creationId="{9166C955-C9EA-E1CB-6884-EE7C463B5A24}"/>
+          </ac:cxnSpMkLst>
+        </pc:cxnChg>
+        <pc:cxnChg chg="add mod">
+          <ac:chgData name="Cirino PIETRO ANDREA" userId="06373c25-59ec-41ba-8008-fd845f0b8aed" providerId="ADAL" clId="{32E6A678-EDFA-4583-91C2-27406E63FB24}" dt="2024-12-12T13:55:13.836" v="1157" actId="1076"/>
+          <ac:cxnSpMkLst>
+            <pc:docMk/>
+            <pc:sldMk cId="736381694" sldId="265"/>
+            <ac:cxnSpMk id="22" creationId="{D6F874CE-4A8E-7687-5EA8-F8A6ED6743B7}"/>
+          </ac:cxnSpMkLst>
+        </pc:cxnChg>
+        <pc:cxnChg chg="add mod">
+          <ac:chgData name="Cirino PIETRO ANDREA" userId="06373c25-59ec-41ba-8008-fd845f0b8aed" providerId="ADAL" clId="{32E6A678-EDFA-4583-91C2-27406E63FB24}" dt="2024-12-12T13:55:13.836" v="1157" actId="1076"/>
+          <ac:cxnSpMkLst>
+            <pc:docMk/>
+            <pc:sldMk cId="736381694" sldId="265"/>
+            <ac:cxnSpMk id="27" creationId="{B6A6B652-8DA8-E4B4-9F99-D4401BBAB96A}"/>
+          </ac:cxnSpMkLst>
+        </pc:cxnChg>
+      </pc:sldChg>
+      <pc:sldChg chg="modSp add del modAnim">
+        <pc:chgData name="Cirino PIETRO ANDREA" userId="06373c25-59ec-41ba-8008-fd845f0b8aed" providerId="ADAL" clId="{32E6A678-EDFA-4583-91C2-27406E63FB24}" dt="2024-12-12T13:55:20.304" v="1159" actId="47"/>
+        <pc:sldMkLst>
+          <pc:docMk/>
+          <pc:sldMk cId="941920837" sldId="266"/>
+        </pc:sldMkLst>
+        <pc:spChg chg="mod">
+          <ac:chgData name="Cirino PIETRO ANDREA" userId="06373c25-59ec-41ba-8008-fd845f0b8aed" providerId="ADAL" clId="{32E6A678-EDFA-4583-91C2-27406E63FB24}" dt="2024-12-12T13:41:28.210" v="986" actId="20577"/>
+          <ac:spMkLst>
+            <pc:docMk/>
+            <pc:sldMk cId="941920837" sldId="266"/>
+            <ac:spMk id="21" creationId="{6012F152-8A97-EAED-FDFE-E6CECE6374D5}"/>
+          </ac:spMkLst>
+        </pc:spChg>
+        <pc:spChg chg="mod">
+          <ac:chgData name="Cirino PIETRO ANDREA" userId="06373c25-59ec-41ba-8008-fd845f0b8aed" providerId="ADAL" clId="{32E6A678-EDFA-4583-91C2-27406E63FB24}" dt="2024-12-12T13:41:25.155" v="983" actId="20577"/>
+          <ac:spMkLst>
+            <pc:docMk/>
+            <pc:sldMk cId="941920837" sldId="266"/>
+            <ac:spMk id="26" creationId="{DE679F20-15D6-AAEC-7D51-AC66492CE4D5}"/>
+          </ac:spMkLst>
+        </pc:spChg>
+        <pc:cxnChg chg="mod">
+          <ac:chgData name="Cirino PIETRO ANDREA" userId="06373c25-59ec-41ba-8008-fd845f0b8aed" providerId="ADAL" clId="{32E6A678-EDFA-4583-91C2-27406E63FB24}" dt="2024-12-12T13:41:28.210" v="986" actId="20577"/>
+          <ac:cxnSpMkLst>
+            <pc:docMk/>
+            <pc:sldMk cId="941920837" sldId="266"/>
+            <ac:cxnSpMk id="20" creationId="{9166C955-C9EA-E1CB-6884-EE7C463B5A24}"/>
+          </ac:cxnSpMkLst>
+        </pc:cxnChg>
+        <pc:cxnChg chg="mod">
+          <ac:chgData name="Cirino PIETRO ANDREA" userId="06373c25-59ec-41ba-8008-fd845f0b8aed" providerId="ADAL" clId="{32E6A678-EDFA-4583-91C2-27406E63FB24}" dt="2024-12-12T13:41:25.155" v="983" actId="20577"/>
+          <ac:cxnSpMkLst>
+            <pc:docMk/>
+            <pc:sldMk cId="941920837" sldId="266"/>
+            <ac:cxnSpMk id="27" creationId="{B6A6B652-8DA8-E4B4-9F99-D4401BBAB96A}"/>
+          </ac:cxnSpMkLst>
+        </pc:cxnChg>
+      </pc:sldChg>
+      <pc:sldChg chg="modSp add modAnim">
+        <pc:chgData name="Cirino PIETRO ANDREA" userId="06373c25-59ec-41ba-8008-fd845f0b8aed" providerId="ADAL" clId="{32E6A678-EDFA-4583-91C2-27406E63FB24}" dt="2024-12-12T13:55:31.285" v="1166" actId="20577"/>
+        <pc:sldMkLst>
+          <pc:docMk/>
+          <pc:sldMk cId="141958032" sldId="267"/>
+        </pc:sldMkLst>
+        <pc:spChg chg="mod">
+          <ac:chgData name="Cirino PIETRO ANDREA" userId="06373c25-59ec-41ba-8008-fd845f0b8aed" providerId="ADAL" clId="{32E6A678-EDFA-4583-91C2-27406E63FB24}" dt="2024-12-12T13:55:31.285" v="1166" actId="20577"/>
+          <ac:spMkLst>
+            <pc:docMk/>
+            <pc:sldMk cId="141958032" sldId="267"/>
+            <ac:spMk id="21" creationId="{6012F152-8A97-EAED-FDFE-E6CECE6374D5}"/>
+          </ac:spMkLst>
+        </pc:spChg>
+        <pc:spChg chg="mod">
+          <ac:chgData name="Cirino PIETRO ANDREA" userId="06373c25-59ec-41ba-8008-fd845f0b8aed" providerId="ADAL" clId="{32E6A678-EDFA-4583-91C2-27406E63FB24}" dt="2024-12-12T13:55:28.460" v="1163" actId="20577"/>
+          <ac:spMkLst>
+            <pc:docMk/>
+            <pc:sldMk cId="141958032" sldId="267"/>
+            <ac:spMk id="26" creationId="{DE679F20-15D6-AAEC-7D51-AC66492CE4D5}"/>
+          </ac:spMkLst>
+        </pc:spChg>
+        <pc:cxnChg chg="mod">
+          <ac:chgData name="Cirino PIETRO ANDREA" userId="06373c25-59ec-41ba-8008-fd845f0b8aed" providerId="ADAL" clId="{32E6A678-EDFA-4583-91C2-27406E63FB24}" dt="2024-12-12T13:55:31.285" v="1166" actId="20577"/>
+          <ac:cxnSpMkLst>
+            <pc:docMk/>
+            <pc:sldMk cId="141958032" sldId="267"/>
+            <ac:cxnSpMk id="20" creationId="{9166C955-C9EA-E1CB-6884-EE7C463B5A24}"/>
+          </ac:cxnSpMkLst>
+        </pc:cxnChg>
+        <pc:cxnChg chg="mod">
+          <ac:chgData name="Cirino PIETRO ANDREA" userId="06373c25-59ec-41ba-8008-fd845f0b8aed" providerId="ADAL" clId="{32E6A678-EDFA-4583-91C2-27406E63FB24}" dt="2024-12-12T13:55:28.460" v="1163" actId="20577"/>
+          <ac:cxnSpMkLst>
+            <pc:docMk/>
+            <pc:sldMk cId="141958032" sldId="267"/>
+            <ac:cxnSpMk id="27" creationId="{B6A6B652-8DA8-E4B4-9F99-D4401BBAB96A}"/>
+          </ac:cxnSpMkLst>
+        </pc:cxnChg>
+      </pc:sldChg>
+      <pc:sldChg chg="addSp delSp modSp add del mod">
+        <pc:chgData name="Cirino PIETRO ANDREA" userId="06373c25-59ec-41ba-8008-fd845f0b8aed" providerId="ADAL" clId="{32E6A678-EDFA-4583-91C2-27406E63FB24}" dt="2024-12-12T13:46:57.371" v="1112" actId="47"/>
+        <pc:sldMkLst>
+          <pc:docMk/>
+          <pc:sldMk cId="3686736091" sldId="267"/>
+        </pc:sldMkLst>
+        <pc:spChg chg="mod">
+          <ac:chgData name="Cirino PIETRO ANDREA" userId="06373c25-59ec-41ba-8008-fd845f0b8aed" providerId="ADAL" clId="{32E6A678-EDFA-4583-91C2-27406E63FB24}" dt="2024-12-12T13:42:59.835" v="1040" actId="20577"/>
+          <ac:spMkLst>
+            <pc:docMk/>
+            <pc:sldMk cId="3686736091" sldId="267"/>
+            <ac:spMk id="2" creationId="{5EAC5149-9917-371C-1A4E-54B19531B1CE}"/>
+          </ac:spMkLst>
+        </pc:spChg>
+        <pc:spChg chg="del">
+          <ac:chgData name="Cirino PIETRO ANDREA" userId="06373c25-59ec-41ba-8008-fd845f0b8aed" providerId="ADAL" clId="{32E6A678-EDFA-4583-91C2-27406E63FB24}" dt="2024-12-12T13:41:50.786" v="988" actId="478"/>
+          <ac:spMkLst>
+            <pc:docMk/>
+            <pc:sldMk cId="3686736091" sldId="267"/>
+            <ac:spMk id="3" creationId="{3508AC98-AF83-79F9-22D4-CE7E77D32E33}"/>
+          </ac:spMkLst>
+        </pc:spChg>
+        <pc:spChg chg="add del mod">
+          <ac:chgData name="Cirino PIETRO ANDREA" userId="06373c25-59ec-41ba-8008-fd845f0b8aed" providerId="ADAL" clId="{32E6A678-EDFA-4583-91C2-27406E63FB24}" dt="2024-12-12T13:43:57.485" v="1049" actId="21"/>
+          <ac:spMkLst>
+            <pc:docMk/>
+            <pc:sldMk cId="3686736091" sldId="267"/>
+            <ac:spMk id="4" creationId="{4113B363-B5B0-B9C8-4299-D0858466AD7C}"/>
+          </ac:spMkLst>
+        </pc:spChg>
+        <pc:spChg chg="del">
+          <ac:chgData name="Cirino PIETRO ANDREA" userId="06373c25-59ec-41ba-8008-fd845f0b8aed" providerId="ADAL" clId="{32E6A678-EDFA-4583-91C2-27406E63FB24}" dt="2024-12-12T13:41:50.786" v="988" actId="478"/>
+          <ac:spMkLst>
+            <pc:docMk/>
+            <pc:sldMk cId="3686736091" sldId="267"/>
+            <ac:spMk id="18" creationId="{0045B1A4-4B1A-B434-8E73-A92A92D776CE}"/>
+          </ac:spMkLst>
+        </pc:spChg>
+        <pc:spChg chg="del">
+          <ac:chgData name="Cirino PIETRO ANDREA" userId="06373c25-59ec-41ba-8008-fd845f0b8aed" providerId="ADAL" clId="{32E6A678-EDFA-4583-91C2-27406E63FB24}" dt="2024-12-12T13:41:50.786" v="988" actId="478"/>
+          <ac:spMkLst>
+            <pc:docMk/>
+            <pc:sldMk cId="3686736091" sldId="267"/>
+            <ac:spMk id="19" creationId="{81D2184D-60CB-88DD-60B7-B4EE03B505A9}"/>
+          </ac:spMkLst>
+        </pc:spChg>
+        <pc:spChg chg="del">
+          <ac:chgData name="Cirino PIETRO ANDREA" userId="06373c25-59ec-41ba-8008-fd845f0b8aed" providerId="ADAL" clId="{32E6A678-EDFA-4583-91C2-27406E63FB24}" dt="2024-12-12T13:41:50.786" v="988" actId="478"/>
+          <ac:spMkLst>
+            <pc:docMk/>
+            <pc:sldMk cId="3686736091" sldId="267"/>
+            <ac:spMk id="21" creationId="{6012F152-8A97-EAED-FDFE-E6CECE6374D5}"/>
+          </ac:spMkLst>
+        </pc:spChg>
+        <pc:spChg chg="del">
+          <ac:chgData name="Cirino PIETRO ANDREA" userId="06373c25-59ec-41ba-8008-fd845f0b8aed" providerId="ADAL" clId="{32E6A678-EDFA-4583-91C2-27406E63FB24}" dt="2024-12-12T13:41:50.786" v="988" actId="478"/>
+          <ac:spMkLst>
+            <pc:docMk/>
+            <pc:sldMk cId="3686736091" sldId="267"/>
+            <ac:spMk id="26" creationId="{DE679F20-15D6-AAEC-7D51-AC66492CE4D5}"/>
+          </ac:spMkLst>
+        </pc:spChg>
+        <pc:picChg chg="del">
+          <ac:chgData name="Cirino PIETRO ANDREA" userId="06373c25-59ec-41ba-8008-fd845f0b8aed" providerId="ADAL" clId="{32E6A678-EDFA-4583-91C2-27406E63FB24}" dt="2024-12-12T13:41:50.786" v="988" actId="478"/>
+          <ac:picMkLst>
+            <pc:docMk/>
+            <pc:sldMk cId="3686736091" sldId="267"/>
+            <ac:picMk id="6" creationId="{A8849140-6356-2A5B-7838-BDCBA8EFCB0C}"/>
+          </ac:picMkLst>
+        </pc:picChg>
+        <pc:picChg chg="del">
+          <ac:chgData name="Cirino PIETRO ANDREA" userId="06373c25-59ec-41ba-8008-fd845f0b8aed" providerId="ADAL" clId="{32E6A678-EDFA-4583-91C2-27406E63FB24}" dt="2024-12-12T13:41:50.786" v="988" actId="478"/>
+          <ac:picMkLst>
+            <pc:docMk/>
+            <pc:sldMk cId="3686736091" sldId="267"/>
+            <ac:picMk id="8" creationId="{DCA510E7-D813-03D4-814F-A626DFAA0D37}"/>
+          </ac:picMkLst>
+        </pc:picChg>
+        <pc:picChg chg="del">
+          <ac:chgData name="Cirino PIETRO ANDREA" userId="06373c25-59ec-41ba-8008-fd845f0b8aed" providerId="ADAL" clId="{32E6A678-EDFA-4583-91C2-27406E63FB24}" dt="2024-12-12T13:41:50.786" v="988" actId="478"/>
+          <ac:picMkLst>
+            <pc:docMk/>
+            <pc:sldMk cId="3686736091" sldId="267"/>
+            <ac:picMk id="9" creationId="{0CD3BF1A-6F26-EBC8-0FCB-18BF70A7C4B4}"/>
+          </ac:picMkLst>
+        </pc:picChg>
+        <pc:picChg chg="del">
+          <ac:chgData name="Cirino PIETRO ANDREA" userId="06373c25-59ec-41ba-8008-fd845f0b8aed" providerId="ADAL" clId="{32E6A678-EDFA-4583-91C2-27406E63FB24}" dt="2024-12-12T13:41:50.786" v="988" actId="478"/>
+          <ac:picMkLst>
+            <pc:docMk/>
+            <pc:sldMk cId="3686736091" sldId="267"/>
+            <ac:picMk id="10" creationId="{3ACEBF20-D195-574C-4D27-5433C5E55875}"/>
+          </ac:picMkLst>
+        </pc:picChg>
+        <pc:picChg chg="del">
+          <ac:chgData name="Cirino PIETRO ANDREA" userId="06373c25-59ec-41ba-8008-fd845f0b8aed" providerId="ADAL" clId="{32E6A678-EDFA-4583-91C2-27406E63FB24}" dt="2024-12-12T13:41:50.786" v="988" actId="478"/>
+          <ac:picMkLst>
+            <pc:docMk/>
+            <pc:sldMk cId="3686736091" sldId="267"/>
+            <ac:picMk id="11" creationId="{52219BD4-1353-C3DE-6BFC-28414F5615B9}"/>
+          </ac:picMkLst>
+        </pc:picChg>
+        <pc:picChg chg="del">
+          <ac:chgData name="Cirino PIETRO ANDREA" userId="06373c25-59ec-41ba-8008-fd845f0b8aed" providerId="ADAL" clId="{32E6A678-EDFA-4583-91C2-27406E63FB24}" dt="2024-12-12T13:41:50.786" v="988" actId="478"/>
+          <ac:picMkLst>
+            <pc:docMk/>
+            <pc:sldMk cId="3686736091" sldId="267"/>
+            <ac:picMk id="12" creationId="{97F01FCB-9288-2435-25E2-EDBA7564EB62}"/>
+          </ac:picMkLst>
+        </pc:picChg>
+        <pc:picChg chg="del">
+          <ac:chgData name="Cirino PIETRO ANDREA" userId="06373c25-59ec-41ba-8008-fd845f0b8aed" providerId="ADAL" clId="{32E6A678-EDFA-4583-91C2-27406E63FB24}" dt="2024-12-12T13:41:50.786" v="988" actId="478"/>
+          <ac:picMkLst>
+            <pc:docMk/>
+            <pc:sldMk cId="3686736091" sldId="267"/>
+            <ac:picMk id="13" creationId="{407F245F-C81A-0E77-9E9D-114FDDFF7741}"/>
+          </ac:picMkLst>
+        </pc:picChg>
+        <pc:picChg chg="del">
+          <ac:chgData name="Cirino PIETRO ANDREA" userId="06373c25-59ec-41ba-8008-fd845f0b8aed" providerId="ADAL" clId="{32E6A678-EDFA-4583-91C2-27406E63FB24}" dt="2024-12-12T13:41:50.786" v="988" actId="478"/>
+          <ac:picMkLst>
+            <pc:docMk/>
+            <pc:sldMk cId="3686736091" sldId="267"/>
+            <ac:picMk id="14" creationId="{ADA1CBF7-F933-D1A6-ADF5-D2A86F09AFB5}"/>
+          </ac:picMkLst>
+        </pc:picChg>
+        <pc:picChg chg="del">
+          <ac:chgData name="Cirino PIETRO ANDREA" userId="06373c25-59ec-41ba-8008-fd845f0b8aed" providerId="ADAL" clId="{32E6A678-EDFA-4583-91C2-27406E63FB24}" dt="2024-12-12T13:41:50.786" v="988" actId="478"/>
+          <ac:picMkLst>
+            <pc:docMk/>
+            <pc:sldMk cId="3686736091" sldId="267"/>
+            <ac:picMk id="15" creationId="{4251DB4A-F3AB-F382-2A68-66DBD8E9006D}"/>
+          </ac:picMkLst>
+        </pc:picChg>
+        <pc:picChg chg="del">
+          <ac:chgData name="Cirino PIETRO ANDREA" userId="06373c25-59ec-41ba-8008-fd845f0b8aed" providerId="ADAL" clId="{32E6A678-EDFA-4583-91C2-27406E63FB24}" dt="2024-12-12T13:41:50.786" v="988" actId="478"/>
+          <ac:picMkLst>
+            <pc:docMk/>
+            <pc:sldMk cId="3686736091" sldId="267"/>
+            <ac:picMk id="16" creationId="{75597F1F-3161-D8E6-386E-78EC74A8CDCD}"/>
+          </ac:picMkLst>
+        </pc:picChg>
+        <pc:cxnChg chg="del mod">
+          <ac:chgData name="Cirino PIETRO ANDREA" userId="06373c25-59ec-41ba-8008-fd845f0b8aed" providerId="ADAL" clId="{32E6A678-EDFA-4583-91C2-27406E63FB24}" dt="2024-12-12T13:41:50.786" v="988" actId="478"/>
+          <ac:cxnSpMkLst>
+            <pc:docMk/>
+            <pc:sldMk cId="3686736091" sldId="267"/>
+            <ac:cxnSpMk id="20" creationId="{9166C955-C9EA-E1CB-6884-EE7C463B5A24}"/>
+          </ac:cxnSpMkLst>
+        </pc:cxnChg>
+        <pc:cxnChg chg="del mod">
+          <ac:chgData name="Cirino PIETRO ANDREA" userId="06373c25-59ec-41ba-8008-fd845f0b8aed" providerId="ADAL" clId="{32E6A678-EDFA-4583-91C2-27406E63FB24}" dt="2024-12-12T13:41:50.786" v="988" actId="478"/>
+          <ac:cxnSpMkLst>
+            <pc:docMk/>
+            <pc:sldMk cId="3686736091" sldId="267"/>
+            <ac:cxnSpMk id="22" creationId="{D6F874CE-4A8E-7687-5EA8-F8A6ED6743B7}"/>
+          </ac:cxnSpMkLst>
+        </pc:cxnChg>
+        <pc:cxnChg chg="del mod">
+          <ac:chgData name="Cirino PIETRO ANDREA" userId="06373c25-59ec-41ba-8008-fd845f0b8aed" providerId="ADAL" clId="{32E6A678-EDFA-4583-91C2-27406E63FB24}" dt="2024-12-12T13:41:50.786" v="988" actId="478"/>
+          <ac:cxnSpMkLst>
+            <pc:docMk/>
+            <pc:sldMk cId="3686736091" sldId="267"/>
+            <ac:cxnSpMk id="27" creationId="{B6A6B652-8DA8-E4B4-9F99-D4401BBAB96A}"/>
+          </ac:cxnSpMkLst>
+        </pc:cxnChg>
+      </pc:sldChg>
+    </pc:docChg>
+  </pc:docChgLst>
   <pc:docChgLst>
     <pc:chgData name="Cirino PIETRO ANDREA" userId="06373c25-59ec-41ba-8008-fd845f0b8aed" providerId="ADAL" clId="{7880F794-69C3-4155-9E8F-5FDB9AA22E57}"/>
     <pc:docChg chg="undo redo custSel addSld delSld modSld sldOrd">
@@ -8810,1338 +10142,6 @@
       </pc:sldChg>
     </pc:docChg>
   </pc:docChgLst>
-  <pc:docChgLst>
-    <pc:chgData name="Cirino PIETRO ANDREA" userId="06373c25-59ec-41ba-8008-fd845f0b8aed" providerId="ADAL" clId="{32E6A678-EDFA-4583-91C2-27406E63FB24}"/>
-    <pc:docChg chg="undo redo custSel addSld delSld modSld sldOrd">
-      <pc:chgData name="Cirino PIETRO ANDREA" userId="06373c25-59ec-41ba-8008-fd845f0b8aed" providerId="ADAL" clId="{32E6A678-EDFA-4583-91C2-27406E63FB24}" dt="2024-12-12T13:55:31.285" v="1166" actId="20577"/>
-      <pc:docMkLst>
-        <pc:docMk/>
-      </pc:docMkLst>
-      <pc:sldChg chg="modSp del mod modAnim">
-        <pc:chgData name="Cirino PIETRO ANDREA" userId="06373c25-59ec-41ba-8008-fd845f0b8aed" providerId="ADAL" clId="{32E6A678-EDFA-4583-91C2-27406E63FB24}" dt="2024-12-12T13:49:56.507" v="1139" actId="2696"/>
-        <pc:sldMkLst>
-          <pc:docMk/>
-          <pc:sldMk cId="227675421" sldId="257"/>
-        </pc:sldMkLst>
-        <pc:spChg chg="mod">
-          <ac:chgData name="Cirino PIETRO ANDREA" userId="06373c25-59ec-41ba-8008-fd845f0b8aed" providerId="ADAL" clId="{32E6A678-EDFA-4583-91C2-27406E63FB24}" dt="2024-12-12T09:38:16.207" v="552" actId="403"/>
-          <ac:spMkLst>
-            <pc:docMk/>
-            <pc:sldMk cId="227675421" sldId="257"/>
-            <ac:spMk id="10" creationId="{B8176469-D873-E496-B178-18EB2377CC9B}"/>
-          </ac:spMkLst>
-        </pc:spChg>
-        <pc:spChg chg="mod">
-          <ac:chgData name="Cirino PIETRO ANDREA" userId="06373c25-59ec-41ba-8008-fd845f0b8aed" providerId="ADAL" clId="{32E6A678-EDFA-4583-91C2-27406E63FB24}" dt="2024-12-12T09:38:11.258" v="551" actId="403"/>
-          <ac:spMkLst>
-            <pc:docMk/>
-            <pc:sldMk cId="227675421" sldId="257"/>
-            <ac:spMk id="11" creationId="{129CE396-6F8A-3330-0F73-D9381AD48637}"/>
-          </ac:spMkLst>
-        </pc:spChg>
-        <pc:spChg chg="mod">
-          <ac:chgData name="Cirino PIETRO ANDREA" userId="06373c25-59ec-41ba-8008-fd845f0b8aed" providerId="ADAL" clId="{32E6A678-EDFA-4583-91C2-27406E63FB24}" dt="2024-12-12T09:38:19.895" v="553" actId="403"/>
-          <ac:spMkLst>
-            <pc:docMk/>
-            <pc:sldMk cId="227675421" sldId="257"/>
-            <ac:spMk id="12" creationId="{EF6B45BB-27E2-4D4F-5959-FBBB368B3A78}"/>
-          </ac:spMkLst>
-        </pc:spChg>
-      </pc:sldChg>
-      <pc:sldChg chg="add">
-        <pc:chgData name="Cirino PIETRO ANDREA" userId="06373c25-59ec-41ba-8008-fd845f0b8aed" providerId="ADAL" clId="{32E6A678-EDFA-4583-91C2-27406E63FB24}" dt="2024-12-12T13:49:59.298" v="1140"/>
-        <pc:sldMkLst>
-          <pc:docMk/>
-          <pc:sldMk cId="3379866906" sldId="257"/>
-        </pc:sldMkLst>
-      </pc:sldChg>
-      <pc:sldChg chg="modSp mod modAnim">
-        <pc:chgData name="Cirino PIETRO ANDREA" userId="06373c25-59ec-41ba-8008-fd845f0b8aed" providerId="ADAL" clId="{32E6A678-EDFA-4583-91C2-27406E63FB24}" dt="2024-12-12T13:50:52.604" v="1146" actId="14100"/>
-        <pc:sldMkLst>
-          <pc:docMk/>
-          <pc:sldMk cId="3533674180" sldId="258"/>
-        </pc:sldMkLst>
-        <pc:spChg chg="mod">
-          <ac:chgData name="Cirino PIETRO ANDREA" userId="06373c25-59ec-41ba-8008-fd845f0b8aed" providerId="ADAL" clId="{32E6A678-EDFA-4583-91C2-27406E63FB24}" dt="2024-12-12T13:50:48.357" v="1145" actId="1076"/>
-          <ac:spMkLst>
-            <pc:docMk/>
-            <pc:sldMk cId="3533674180" sldId="258"/>
-            <ac:spMk id="27" creationId="{D4E334E5-6832-C049-77DB-25491BAD1D78}"/>
-          </ac:spMkLst>
-        </pc:spChg>
-        <pc:spChg chg="mod">
-          <ac:chgData name="Cirino PIETRO ANDREA" userId="06373c25-59ec-41ba-8008-fd845f0b8aed" providerId="ADAL" clId="{32E6A678-EDFA-4583-91C2-27406E63FB24}" dt="2024-12-12T09:38:27.815" v="554" actId="403"/>
-          <ac:spMkLst>
-            <pc:docMk/>
-            <pc:sldMk cId="3533674180" sldId="258"/>
-            <ac:spMk id="32" creationId="{55B9D055-5B82-3AE9-A710-E8EE94EB512C}"/>
-          </ac:spMkLst>
-        </pc:spChg>
-        <pc:spChg chg="mod">
-          <ac:chgData name="Cirino PIETRO ANDREA" userId="06373c25-59ec-41ba-8008-fd845f0b8aed" providerId="ADAL" clId="{32E6A678-EDFA-4583-91C2-27406E63FB24}" dt="2024-12-12T13:50:48.357" v="1145" actId="1076"/>
-          <ac:spMkLst>
-            <pc:docMk/>
-            <pc:sldMk cId="3533674180" sldId="258"/>
-            <ac:spMk id="33" creationId="{CC9E98DF-6293-2208-B5C6-65BB03FBAACF}"/>
-          </ac:spMkLst>
-        </pc:spChg>
-        <pc:spChg chg="mod">
-          <ac:chgData name="Cirino PIETRO ANDREA" userId="06373c25-59ec-41ba-8008-fd845f0b8aed" providerId="ADAL" clId="{32E6A678-EDFA-4583-91C2-27406E63FB24}" dt="2024-12-12T13:18:13.046" v="758" actId="1076"/>
-          <ac:spMkLst>
-            <pc:docMk/>
-            <pc:sldMk cId="3533674180" sldId="258"/>
-            <ac:spMk id="34" creationId="{9453DD13-CA27-2D3E-38F2-7C50A1323D76}"/>
-          </ac:spMkLst>
-        </pc:spChg>
-        <pc:spChg chg="mod">
-          <ac:chgData name="Cirino PIETRO ANDREA" userId="06373c25-59ec-41ba-8008-fd845f0b8aed" providerId="ADAL" clId="{32E6A678-EDFA-4583-91C2-27406E63FB24}" dt="2024-12-12T13:18:13.046" v="758" actId="1076"/>
-          <ac:spMkLst>
-            <pc:docMk/>
-            <pc:sldMk cId="3533674180" sldId="258"/>
-            <ac:spMk id="35" creationId="{86B49569-072B-0553-3F7D-0F378ED00487}"/>
-          </ac:spMkLst>
-        </pc:spChg>
-        <pc:spChg chg="mod">
-          <ac:chgData name="Cirino PIETRO ANDREA" userId="06373c25-59ec-41ba-8008-fd845f0b8aed" providerId="ADAL" clId="{32E6A678-EDFA-4583-91C2-27406E63FB24}" dt="2024-12-12T13:50:31.068" v="1141" actId="1076"/>
-          <ac:spMkLst>
-            <pc:docMk/>
-            <pc:sldMk cId="3533674180" sldId="258"/>
-            <ac:spMk id="47" creationId="{8D197BAC-0563-EF38-CC4C-37152E39260C}"/>
-          </ac:spMkLst>
-        </pc:spChg>
-        <pc:spChg chg="mod">
-          <ac:chgData name="Cirino PIETRO ANDREA" userId="06373c25-59ec-41ba-8008-fd845f0b8aed" providerId="ADAL" clId="{32E6A678-EDFA-4583-91C2-27406E63FB24}" dt="2024-12-12T13:50:31.068" v="1141" actId="1076"/>
-          <ac:spMkLst>
-            <pc:docMk/>
-            <pc:sldMk cId="3533674180" sldId="258"/>
-            <ac:spMk id="49" creationId="{5E279998-245E-202F-7703-087C09D33778}"/>
-          </ac:spMkLst>
-        </pc:spChg>
-        <pc:spChg chg="mod">
-          <ac:chgData name="Cirino PIETRO ANDREA" userId="06373c25-59ec-41ba-8008-fd845f0b8aed" providerId="ADAL" clId="{32E6A678-EDFA-4583-91C2-27406E63FB24}" dt="2024-12-12T13:50:31.068" v="1141" actId="1076"/>
-          <ac:spMkLst>
-            <pc:docMk/>
-            <pc:sldMk cId="3533674180" sldId="258"/>
-            <ac:spMk id="62" creationId="{7617321F-3398-BC41-9A02-59EB77165C70}"/>
-          </ac:spMkLst>
-        </pc:spChg>
-        <pc:spChg chg="mod">
-          <ac:chgData name="Cirino PIETRO ANDREA" userId="06373c25-59ec-41ba-8008-fd845f0b8aed" providerId="ADAL" clId="{32E6A678-EDFA-4583-91C2-27406E63FB24}" dt="2024-12-12T13:50:31.068" v="1141" actId="1076"/>
-          <ac:spMkLst>
-            <pc:docMk/>
-            <pc:sldMk cId="3533674180" sldId="258"/>
-            <ac:spMk id="63" creationId="{B2914909-D375-8C49-C92E-21DB269EB479}"/>
-          </ac:spMkLst>
-        </pc:spChg>
-        <pc:spChg chg="mod">
-          <ac:chgData name="Cirino PIETRO ANDREA" userId="06373c25-59ec-41ba-8008-fd845f0b8aed" providerId="ADAL" clId="{32E6A678-EDFA-4583-91C2-27406E63FB24}" dt="2024-12-12T13:22:15.290" v="839" actId="14100"/>
-          <ac:spMkLst>
-            <pc:docMk/>
-            <pc:sldMk cId="3533674180" sldId="258"/>
-            <ac:spMk id="68" creationId="{D1E78129-C086-A7FB-F0AF-3E4A03389D83}"/>
-          </ac:spMkLst>
-        </pc:spChg>
-        <pc:spChg chg="mod">
-          <ac:chgData name="Cirino PIETRO ANDREA" userId="06373c25-59ec-41ba-8008-fd845f0b8aed" providerId="ADAL" clId="{32E6A678-EDFA-4583-91C2-27406E63FB24}" dt="2024-12-12T13:22:11.299" v="838" actId="1076"/>
-          <ac:spMkLst>
-            <pc:docMk/>
-            <pc:sldMk cId="3533674180" sldId="258"/>
-            <ac:spMk id="69" creationId="{65CBAEB7-A4E1-91DE-90EB-85A2CEAFD698}"/>
-          </ac:spMkLst>
-        </pc:spChg>
-        <pc:picChg chg="mod">
-          <ac:chgData name="Cirino PIETRO ANDREA" userId="06373c25-59ec-41ba-8008-fd845f0b8aed" providerId="ADAL" clId="{32E6A678-EDFA-4583-91C2-27406E63FB24}" dt="2024-12-12T13:50:48.357" v="1145" actId="1076"/>
-          <ac:picMkLst>
-            <pc:docMk/>
-            <pc:sldMk cId="3533674180" sldId="258"/>
-            <ac:picMk id="4" creationId="{85E71167-2E4D-12F2-B981-A95DFE81DA9B}"/>
-          </ac:picMkLst>
-        </pc:picChg>
-        <pc:cxnChg chg="mod">
-          <ac:chgData name="Cirino PIETRO ANDREA" userId="06373c25-59ec-41ba-8008-fd845f0b8aed" providerId="ADAL" clId="{32E6A678-EDFA-4583-91C2-27406E63FB24}" dt="2024-12-12T13:50:48.357" v="1145" actId="1076"/>
-          <ac:cxnSpMkLst>
-            <pc:docMk/>
-            <pc:sldMk cId="3533674180" sldId="258"/>
-            <ac:cxnSpMk id="28" creationId="{5C409096-47C3-FBC8-6181-494FF8723D22}"/>
-          </ac:cxnSpMkLst>
-        </pc:cxnChg>
-        <pc:cxnChg chg="mod">
-          <ac:chgData name="Cirino PIETRO ANDREA" userId="06373c25-59ec-41ba-8008-fd845f0b8aed" providerId="ADAL" clId="{32E6A678-EDFA-4583-91C2-27406E63FB24}" dt="2024-12-12T13:50:35.769" v="1143" actId="14100"/>
-          <ac:cxnSpMkLst>
-            <pc:docMk/>
-            <pc:sldMk cId="3533674180" sldId="258"/>
-            <ac:cxnSpMk id="37" creationId="{048EDA98-6187-C5FA-4AEE-23E1F28BA407}"/>
-          </ac:cxnSpMkLst>
-        </pc:cxnChg>
-        <pc:cxnChg chg="mod">
-          <ac:chgData name="Cirino PIETRO ANDREA" userId="06373c25-59ec-41ba-8008-fd845f0b8aed" providerId="ADAL" clId="{32E6A678-EDFA-4583-91C2-27406E63FB24}" dt="2024-12-12T13:50:52.604" v="1146" actId="14100"/>
-          <ac:cxnSpMkLst>
-            <pc:docMk/>
-            <pc:sldMk cId="3533674180" sldId="258"/>
-            <ac:cxnSpMk id="42" creationId="{9B7BACD0-1FF4-97F5-1E14-9E6D49E51D4E}"/>
-          </ac:cxnSpMkLst>
-        </pc:cxnChg>
-      </pc:sldChg>
-      <pc:sldChg chg="addSp modSp new mod">
-        <pc:chgData name="Cirino PIETRO ANDREA" userId="06373c25-59ec-41ba-8008-fd845f0b8aed" providerId="ADAL" clId="{32E6A678-EDFA-4583-91C2-27406E63FB24}" dt="2024-12-12T10:22:38.360" v="702" actId="207"/>
-        <pc:sldMkLst>
-          <pc:docMk/>
-          <pc:sldMk cId="734970520" sldId="259"/>
-        </pc:sldMkLst>
-        <pc:spChg chg="mod">
-          <ac:chgData name="Cirino PIETRO ANDREA" userId="06373c25-59ec-41ba-8008-fd845f0b8aed" providerId="ADAL" clId="{32E6A678-EDFA-4583-91C2-27406E63FB24}" dt="2024-12-12T09:02:41.010" v="26" actId="20577"/>
-          <ac:spMkLst>
-            <pc:docMk/>
-            <pc:sldMk cId="734970520" sldId="259"/>
-            <ac:spMk id="2" creationId="{D360C568-D1A3-E166-4DD2-F6C92F1DD170}"/>
-          </ac:spMkLst>
-        </pc:spChg>
-        <pc:graphicFrameChg chg="add mod modGraphic">
-          <ac:chgData name="Cirino PIETRO ANDREA" userId="06373c25-59ec-41ba-8008-fd845f0b8aed" providerId="ADAL" clId="{32E6A678-EDFA-4583-91C2-27406E63FB24}" dt="2024-12-12T10:22:38.360" v="702" actId="207"/>
-          <ac:graphicFrameMkLst>
-            <pc:docMk/>
-            <pc:sldMk cId="734970520" sldId="259"/>
-            <ac:graphicFrameMk id="3" creationId="{C83C6637-CBAA-D6AC-BD62-A47FC3503C73}"/>
-          </ac:graphicFrameMkLst>
-        </pc:graphicFrameChg>
-      </pc:sldChg>
-      <pc:sldChg chg="addSp delSp modSp new mod">
-        <pc:chgData name="Cirino PIETRO ANDREA" userId="06373c25-59ec-41ba-8008-fd845f0b8aed" providerId="ADAL" clId="{32E6A678-EDFA-4583-91C2-27406E63FB24}" dt="2024-12-12T10:18:00.559" v="678" actId="21"/>
-        <pc:sldMkLst>
-          <pc:docMk/>
-          <pc:sldMk cId="1727161422" sldId="260"/>
-        </pc:sldMkLst>
-        <pc:spChg chg="mod">
-          <ac:chgData name="Cirino PIETRO ANDREA" userId="06373c25-59ec-41ba-8008-fd845f0b8aed" providerId="ADAL" clId="{32E6A678-EDFA-4583-91C2-27406E63FB24}" dt="2024-12-12T09:43:01.910" v="598" actId="1076"/>
-          <ac:spMkLst>
-            <pc:docMk/>
-            <pc:sldMk cId="1727161422" sldId="260"/>
-            <ac:spMk id="2" creationId="{6E8D5665-5800-4EF9-B939-7F5A695818D4}"/>
-          </ac:spMkLst>
-        </pc:spChg>
-        <pc:spChg chg="add del mod topLvl">
-          <ac:chgData name="Cirino PIETRO ANDREA" userId="06373c25-59ec-41ba-8008-fd845f0b8aed" providerId="ADAL" clId="{32E6A678-EDFA-4583-91C2-27406E63FB24}" dt="2024-12-12T10:18:00.559" v="678" actId="21"/>
-          <ac:spMkLst>
-            <pc:docMk/>
-            <pc:sldMk cId="1727161422" sldId="260"/>
-            <ac:spMk id="4" creationId="{2457C9FA-C840-A8F3-0396-7C383AF6DA3C}"/>
-          </ac:spMkLst>
-        </pc:spChg>
-        <pc:spChg chg="mod topLvl">
-          <ac:chgData name="Cirino PIETRO ANDREA" userId="06373c25-59ec-41ba-8008-fd845f0b8aed" providerId="ADAL" clId="{32E6A678-EDFA-4583-91C2-27406E63FB24}" dt="2024-12-12T09:43:15.248" v="600" actId="207"/>
-          <ac:spMkLst>
-            <pc:docMk/>
-            <pc:sldMk cId="1727161422" sldId="260"/>
-            <ac:spMk id="5" creationId="{B472B12A-5A6F-AB53-7508-BF57FB019B0F}"/>
-          </ac:spMkLst>
-        </pc:spChg>
-        <pc:spChg chg="mod topLvl">
-          <ac:chgData name="Cirino PIETRO ANDREA" userId="06373c25-59ec-41ba-8008-fd845f0b8aed" providerId="ADAL" clId="{32E6A678-EDFA-4583-91C2-27406E63FB24}" dt="2024-12-12T09:43:09.937" v="599" actId="1076"/>
-          <ac:spMkLst>
-            <pc:docMk/>
-            <pc:sldMk cId="1727161422" sldId="260"/>
-            <ac:spMk id="7" creationId="{8D3D6C99-C1FA-EF96-4223-DDCFFD300EF1}"/>
-          </ac:spMkLst>
-        </pc:spChg>
-        <pc:spChg chg="add del mod topLvl">
-          <ac:chgData name="Cirino PIETRO ANDREA" userId="06373c25-59ec-41ba-8008-fd845f0b8aed" providerId="ADAL" clId="{32E6A678-EDFA-4583-91C2-27406E63FB24}" dt="2024-12-12T10:18:00.559" v="678" actId="21"/>
-          <ac:spMkLst>
-            <pc:docMk/>
-            <pc:sldMk cId="1727161422" sldId="260"/>
-            <ac:spMk id="8" creationId="{00228CA4-22E0-8522-7FEC-C40776351E13}"/>
-          </ac:spMkLst>
-        </pc:spChg>
-        <pc:spChg chg="mod topLvl">
-          <ac:chgData name="Cirino PIETRO ANDREA" userId="06373c25-59ec-41ba-8008-fd845f0b8aed" providerId="ADAL" clId="{32E6A678-EDFA-4583-91C2-27406E63FB24}" dt="2024-12-12T09:43:09.937" v="599" actId="1076"/>
-          <ac:spMkLst>
-            <pc:docMk/>
-            <pc:sldMk cId="1727161422" sldId="260"/>
-            <ac:spMk id="9" creationId="{50631996-1CD7-1A52-3494-0FCC0B8868CB}"/>
-          </ac:spMkLst>
-        </pc:spChg>
-        <pc:spChg chg="del mod topLvl">
-          <ac:chgData name="Cirino PIETRO ANDREA" userId="06373c25-59ec-41ba-8008-fd845f0b8aed" providerId="ADAL" clId="{32E6A678-EDFA-4583-91C2-27406E63FB24}" dt="2024-12-12T09:26:23.458" v="487" actId="478"/>
-          <ac:spMkLst>
-            <pc:docMk/>
-            <pc:sldMk cId="1727161422" sldId="260"/>
-            <ac:spMk id="10" creationId="{16805B8E-B3DC-C209-3A84-6724154DF31B}"/>
-          </ac:spMkLst>
-        </pc:spChg>
-        <pc:spChg chg="del mod topLvl">
-          <ac:chgData name="Cirino PIETRO ANDREA" userId="06373c25-59ec-41ba-8008-fd845f0b8aed" providerId="ADAL" clId="{32E6A678-EDFA-4583-91C2-27406E63FB24}" dt="2024-12-12T09:42:54.196" v="596" actId="478"/>
-          <ac:spMkLst>
-            <pc:docMk/>
-            <pc:sldMk cId="1727161422" sldId="260"/>
-            <ac:spMk id="12" creationId="{6866B8F4-ED8F-E1C1-C425-BF55D5B791A3}"/>
-          </ac:spMkLst>
-        </pc:spChg>
-        <pc:grpChg chg="add del mod">
-          <ac:chgData name="Cirino PIETRO ANDREA" userId="06373c25-59ec-41ba-8008-fd845f0b8aed" providerId="ADAL" clId="{32E6A678-EDFA-4583-91C2-27406E63FB24}" dt="2024-12-12T09:26:21.265" v="486" actId="165"/>
-          <ac:grpSpMkLst>
-            <pc:docMk/>
-            <pc:sldMk cId="1727161422" sldId="260"/>
-            <ac:grpSpMk id="3" creationId="{817878A5-8EC7-1E2F-89FA-B7C05430FB00}"/>
-          </ac:grpSpMkLst>
-        </pc:grpChg>
-        <pc:cxnChg chg="mod topLvl">
-          <ac:chgData name="Cirino PIETRO ANDREA" userId="06373c25-59ec-41ba-8008-fd845f0b8aed" providerId="ADAL" clId="{32E6A678-EDFA-4583-91C2-27406E63FB24}" dt="2024-12-12T09:43:09.937" v="599" actId="1076"/>
-          <ac:cxnSpMkLst>
-            <pc:docMk/>
-            <pc:sldMk cId="1727161422" sldId="260"/>
-            <ac:cxnSpMk id="6" creationId="{9D66C4C5-C970-789B-6D28-B7226E419B67}"/>
-          </ac:cxnSpMkLst>
-        </pc:cxnChg>
-        <pc:cxnChg chg="add del mod topLvl">
-          <ac:chgData name="Cirino PIETRO ANDREA" userId="06373c25-59ec-41ba-8008-fd845f0b8aed" providerId="ADAL" clId="{32E6A678-EDFA-4583-91C2-27406E63FB24}" dt="2024-12-12T10:18:00.559" v="678" actId="21"/>
-          <ac:cxnSpMkLst>
-            <pc:docMk/>
-            <pc:sldMk cId="1727161422" sldId="260"/>
-            <ac:cxnSpMk id="11" creationId="{194AEFCF-81F7-C46E-BE02-D68FB59E6A2F}"/>
-          </ac:cxnSpMkLst>
-        </pc:cxnChg>
-      </pc:sldChg>
-      <pc:sldChg chg="addSp delSp modSp new mod">
-        <pc:chgData name="Cirino PIETRO ANDREA" userId="06373c25-59ec-41ba-8008-fd845f0b8aed" providerId="ADAL" clId="{32E6A678-EDFA-4583-91C2-27406E63FB24}" dt="2024-12-12T13:47:01.428" v="1113" actId="1076"/>
-        <pc:sldMkLst>
-          <pc:docMk/>
-          <pc:sldMk cId="2227496659" sldId="261"/>
-        </pc:sldMkLst>
-        <pc:spChg chg="mod">
-          <ac:chgData name="Cirino PIETRO ANDREA" userId="06373c25-59ec-41ba-8008-fd845f0b8aed" providerId="ADAL" clId="{32E6A678-EDFA-4583-91C2-27406E63FB24}" dt="2024-12-12T09:26:46.930" v="507" actId="20577"/>
-          <ac:spMkLst>
-            <pc:docMk/>
-            <pc:sldMk cId="2227496659" sldId="261"/>
-            <ac:spMk id="2" creationId="{8644636C-1135-59BA-034D-1B205D552D1D}"/>
-          </ac:spMkLst>
-        </pc:spChg>
-        <pc:spChg chg="add mod">
-          <ac:chgData name="Cirino PIETRO ANDREA" userId="06373c25-59ec-41ba-8008-fd845f0b8aed" providerId="ADAL" clId="{32E6A678-EDFA-4583-91C2-27406E63FB24}" dt="2024-12-12T09:36:36.404" v="516" actId="1076"/>
-          <ac:spMkLst>
-            <pc:docMk/>
-            <pc:sldMk cId="2227496659" sldId="261"/>
-            <ac:spMk id="3" creationId="{7DCE4185-F180-F9DA-34E3-8B799EC57236}"/>
-          </ac:spMkLst>
-        </pc:spChg>
-        <pc:spChg chg="add del mod">
-          <ac:chgData name="Cirino PIETRO ANDREA" userId="06373c25-59ec-41ba-8008-fd845f0b8aed" providerId="ADAL" clId="{32E6A678-EDFA-4583-91C2-27406E63FB24}" dt="2024-12-12T13:43:07.848" v="1041" actId="478"/>
-          <ac:spMkLst>
-            <pc:docMk/>
-            <pc:sldMk cId="2227496659" sldId="261"/>
-            <ac:spMk id="4" creationId="{64112402-120F-3156-57B7-FD33F9E27ADF}"/>
-          </ac:spMkLst>
-        </pc:spChg>
-        <pc:spChg chg="add del mod">
-          <ac:chgData name="Cirino PIETRO ANDREA" userId="06373c25-59ec-41ba-8008-fd845f0b8aed" providerId="ADAL" clId="{32E6A678-EDFA-4583-91C2-27406E63FB24}" dt="2024-12-12T13:43:07.848" v="1041" actId="478"/>
-          <ac:spMkLst>
-            <pc:docMk/>
-            <pc:sldMk cId="2227496659" sldId="261"/>
-            <ac:spMk id="5" creationId="{9677893F-BA2E-2E46-1CDD-6F9D7564FCF4}"/>
-          </ac:spMkLst>
-        </pc:spChg>
-        <pc:spChg chg="add del mod">
-          <ac:chgData name="Cirino PIETRO ANDREA" userId="06373c25-59ec-41ba-8008-fd845f0b8aed" providerId="ADAL" clId="{32E6A678-EDFA-4583-91C2-27406E63FB24}" dt="2024-12-12T13:43:07.848" v="1041" actId="478"/>
-          <ac:spMkLst>
-            <pc:docMk/>
-            <pc:sldMk cId="2227496659" sldId="261"/>
-            <ac:spMk id="7" creationId="{C98C85A9-AB7D-48FA-41AE-1FF2DD7DD7D2}"/>
-          </ac:spMkLst>
-        </pc:spChg>
-        <pc:spChg chg="add del mod">
-          <ac:chgData name="Cirino PIETRO ANDREA" userId="06373c25-59ec-41ba-8008-fd845f0b8aed" providerId="ADAL" clId="{32E6A678-EDFA-4583-91C2-27406E63FB24}" dt="2024-12-12T09:36:53.828" v="520" actId="478"/>
-          <ac:spMkLst>
-            <pc:docMk/>
-            <pc:sldMk cId="2227496659" sldId="261"/>
-            <ac:spMk id="8" creationId="{57BE6053-6A3A-5E9D-77C7-A043EB85BC71}"/>
-          </ac:spMkLst>
-        </pc:spChg>
-        <pc:spChg chg="add del mod">
-          <ac:chgData name="Cirino PIETRO ANDREA" userId="06373c25-59ec-41ba-8008-fd845f0b8aed" providerId="ADAL" clId="{32E6A678-EDFA-4583-91C2-27406E63FB24}" dt="2024-12-12T09:37:16.938" v="545" actId="478"/>
-          <ac:spMkLst>
-            <pc:docMk/>
-            <pc:sldMk cId="2227496659" sldId="261"/>
-            <ac:spMk id="9" creationId="{30182235-4EFF-AFBA-214E-B515C8852EAA}"/>
-          </ac:spMkLst>
-        </pc:spChg>
-        <pc:spChg chg="add del mod">
-          <ac:chgData name="Cirino PIETRO ANDREA" userId="06373c25-59ec-41ba-8008-fd845f0b8aed" providerId="ADAL" clId="{32E6A678-EDFA-4583-91C2-27406E63FB24}" dt="2024-12-12T09:36:43.769" v="518" actId="478"/>
-          <ac:spMkLst>
-            <pc:docMk/>
-            <pc:sldMk cId="2227496659" sldId="261"/>
-            <ac:spMk id="11" creationId="{A38697ED-26F0-937C-C273-F1A3D0882506}"/>
-          </ac:spMkLst>
-        </pc:spChg>
-        <pc:spChg chg="add mod">
-          <ac:chgData name="Cirino PIETRO ANDREA" userId="06373c25-59ec-41ba-8008-fd845f0b8aed" providerId="ADAL" clId="{32E6A678-EDFA-4583-91C2-27406E63FB24}" dt="2024-12-12T09:38:51.844" v="556" actId="571"/>
-          <ac:spMkLst>
-            <pc:docMk/>
-            <pc:sldMk cId="2227496659" sldId="261"/>
-            <ac:spMk id="14" creationId="{83917DA0-FF15-41C0-B774-B2F5AFE05433}"/>
-          </ac:spMkLst>
-        </pc:spChg>
-        <pc:spChg chg="add mod">
-          <ac:chgData name="Cirino PIETRO ANDREA" userId="06373c25-59ec-41ba-8008-fd845f0b8aed" providerId="ADAL" clId="{32E6A678-EDFA-4583-91C2-27406E63FB24}" dt="2024-12-12T09:38:51.844" v="556" actId="571"/>
-          <ac:spMkLst>
-            <pc:docMk/>
-            <pc:sldMk cId="2227496659" sldId="261"/>
-            <ac:spMk id="15" creationId="{EA52CC6B-9632-2EB1-A795-B237BC8AC757}"/>
-          </ac:spMkLst>
-        </pc:spChg>
-        <pc:spChg chg="add mod">
-          <ac:chgData name="Cirino PIETRO ANDREA" userId="06373c25-59ec-41ba-8008-fd845f0b8aed" providerId="ADAL" clId="{32E6A678-EDFA-4583-91C2-27406E63FB24}" dt="2024-12-12T09:38:51.844" v="556" actId="571"/>
-          <ac:spMkLst>
-            <pc:docMk/>
-            <pc:sldMk cId="2227496659" sldId="261"/>
-            <ac:spMk id="17" creationId="{462885DE-C20D-D79D-1F71-4363EBF06DD8}"/>
-          </ac:spMkLst>
-        </pc:spChg>
-        <pc:spChg chg="add del mod">
-          <ac:chgData name="Cirino PIETRO ANDREA" userId="06373c25-59ec-41ba-8008-fd845f0b8aed" providerId="ADAL" clId="{32E6A678-EDFA-4583-91C2-27406E63FB24}" dt="2024-12-12T09:39:41.713" v="558" actId="478"/>
-          <ac:spMkLst>
-            <pc:docMk/>
-            <pc:sldMk cId="2227496659" sldId="261"/>
-            <ac:spMk id="19" creationId="{ACE1B9F7-3826-0C1A-4051-B7574BE42278}"/>
-          </ac:spMkLst>
-        </pc:spChg>
-        <pc:spChg chg="add del mod">
-          <ac:chgData name="Cirino PIETRO ANDREA" userId="06373c25-59ec-41ba-8008-fd845f0b8aed" providerId="ADAL" clId="{32E6A678-EDFA-4583-91C2-27406E63FB24}" dt="2024-12-12T09:39:41.713" v="558" actId="478"/>
-          <ac:spMkLst>
-            <pc:docMk/>
-            <pc:sldMk cId="2227496659" sldId="261"/>
-            <ac:spMk id="20" creationId="{83B36CB5-32DC-8B08-D96C-DC20653AEB41}"/>
-          </ac:spMkLst>
-        </pc:spChg>
-        <pc:spChg chg="add del mod">
-          <ac:chgData name="Cirino PIETRO ANDREA" userId="06373c25-59ec-41ba-8008-fd845f0b8aed" providerId="ADAL" clId="{32E6A678-EDFA-4583-91C2-27406E63FB24}" dt="2024-12-12T09:39:41.713" v="558" actId="478"/>
-          <ac:spMkLst>
-            <pc:docMk/>
-            <pc:sldMk cId="2227496659" sldId="261"/>
-            <ac:spMk id="22" creationId="{BDA65153-F4CF-FC4C-791E-3FF5B8FB677B}"/>
-          </ac:spMkLst>
-        </pc:spChg>
-        <pc:spChg chg="add del mod">
-          <ac:chgData name="Cirino PIETRO ANDREA" userId="06373c25-59ec-41ba-8008-fd845f0b8aed" providerId="ADAL" clId="{32E6A678-EDFA-4583-91C2-27406E63FB24}" dt="2024-12-12T13:43:07.848" v="1041" actId="478"/>
-          <ac:spMkLst>
-            <pc:docMk/>
-            <pc:sldMk cId="2227496659" sldId="261"/>
-            <ac:spMk id="29" creationId="{F4B12B60-2268-E434-6929-C591008EBE80}"/>
-          </ac:spMkLst>
-        </pc:spChg>
-        <pc:spChg chg="add del mod">
-          <ac:chgData name="Cirino PIETRO ANDREA" userId="06373c25-59ec-41ba-8008-fd845f0b8aed" providerId="ADAL" clId="{32E6A678-EDFA-4583-91C2-27406E63FB24}" dt="2024-12-12T13:43:07.848" v="1041" actId="478"/>
-          <ac:spMkLst>
-            <pc:docMk/>
-            <pc:sldMk cId="2227496659" sldId="261"/>
-            <ac:spMk id="30" creationId="{81E736E7-DB8E-600E-F6F8-8345BD69BB4C}"/>
-          </ac:spMkLst>
-        </pc:spChg>
-        <pc:spChg chg="add del mod">
-          <ac:chgData name="Cirino PIETRO ANDREA" userId="06373c25-59ec-41ba-8008-fd845f0b8aed" providerId="ADAL" clId="{32E6A678-EDFA-4583-91C2-27406E63FB24}" dt="2024-12-12T09:40:53.718" v="578" actId="478"/>
-          <ac:spMkLst>
-            <pc:docMk/>
-            <pc:sldMk cId="2227496659" sldId="261"/>
-            <ac:spMk id="32" creationId="{9C8FDB38-27A4-FD70-2BE9-B49611C2FC2E}"/>
-          </ac:spMkLst>
-        </pc:spChg>
-        <pc:spChg chg="add del mod">
-          <ac:chgData name="Cirino PIETRO ANDREA" userId="06373c25-59ec-41ba-8008-fd845f0b8aed" providerId="ADAL" clId="{32E6A678-EDFA-4583-91C2-27406E63FB24}" dt="2024-12-12T13:43:07.848" v="1041" actId="478"/>
-          <ac:spMkLst>
-            <pc:docMk/>
-            <pc:sldMk cId="2227496659" sldId="261"/>
-            <ac:spMk id="35" creationId="{56ED1889-638E-5F74-4DE4-7A160E8F0AB2}"/>
-          </ac:spMkLst>
-        </pc:spChg>
-        <pc:spChg chg="add mod">
-          <ac:chgData name="Cirino PIETRO ANDREA" userId="06373c25-59ec-41ba-8008-fd845f0b8aed" providerId="ADAL" clId="{32E6A678-EDFA-4583-91C2-27406E63FB24}" dt="2024-12-12T13:47:01.428" v="1113" actId="1076"/>
-          <ac:spMkLst>
-            <pc:docMk/>
-            <pc:sldMk cId="2227496659" sldId="261"/>
-            <ac:spMk id="36" creationId="{5BA3C870-59ED-5A3C-C6E7-B54701822AC2}"/>
-          </ac:spMkLst>
-        </pc:spChg>
-        <pc:spChg chg="add mod">
-          <ac:chgData name="Cirino PIETRO ANDREA" userId="06373c25-59ec-41ba-8008-fd845f0b8aed" providerId="ADAL" clId="{32E6A678-EDFA-4583-91C2-27406E63FB24}" dt="2024-12-12T13:47:01.428" v="1113" actId="1076"/>
-          <ac:spMkLst>
-            <pc:docMk/>
-            <pc:sldMk cId="2227496659" sldId="261"/>
-            <ac:spMk id="37" creationId="{432CED07-11D5-46B3-D51B-AE22782DF222}"/>
-          </ac:spMkLst>
-        </pc:spChg>
-        <pc:spChg chg="add mod">
-          <ac:chgData name="Cirino PIETRO ANDREA" userId="06373c25-59ec-41ba-8008-fd845f0b8aed" providerId="ADAL" clId="{32E6A678-EDFA-4583-91C2-27406E63FB24}" dt="2024-12-12T13:47:01.428" v="1113" actId="1076"/>
-          <ac:spMkLst>
-            <pc:docMk/>
-            <pc:sldMk cId="2227496659" sldId="261"/>
-            <ac:spMk id="39" creationId="{36D1004F-D69A-D47C-0A18-1CA5FEFF8B5E}"/>
-          </ac:spMkLst>
-        </pc:spChg>
-        <pc:spChg chg="add mod">
-          <ac:chgData name="Cirino PIETRO ANDREA" userId="06373c25-59ec-41ba-8008-fd845f0b8aed" providerId="ADAL" clId="{32E6A678-EDFA-4583-91C2-27406E63FB24}" dt="2024-12-12T13:47:01.428" v="1113" actId="1076"/>
-          <ac:spMkLst>
-            <pc:docMk/>
-            <pc:sldMk cId="2227496659" sldId="261"/>
-            <ac:spMk id="40" creationId="{DABCFF8A-A1B1-BAC0-AAC3-410BF47F9F10}"/>
-          </ac:spMkLst>
-        </pc:spChg>
-        <pc:spChg chg="add mod">
-          <ac:chgData name="Cirino PIETRO ANDREA" userId="06373c25-59ec-41ba-8008-fd845f0b8aed" providerId="ADAL" clId="{32E6A678-EDFA-4583-91C2-27406E63FB24}" dt="2024-12-12T13:47:01.428" v="1113" actId="1076"/>
-          <ac:spMkLst>
-            <pc:docMk/>
-            <pc:sldMk cId="2227496659" sldId="261"/>
-            <ac:spMk id="41" creationId="{0FDB3A98-3AFD-4DBE-F304-0D57066E9B7C}"/>
-          </ac:spMkLst>
-        </pc:spChg>
-        <pc:spChg chg="add del mod">
-          <ac:chgData name="Cirino PIETRO ANDREA" userId="06373c25-59ec-41ba-8008-fd845f0b8aed" providerId="ADAL" clId="{32E6A678-EDFA-4583-91C2-27406E63FB24}" dt="2024-12-12T13:46:19.952" v="1106" actId="478"/>
-          <ac:spMkLst>
-            <pc:docMk/>
-            <pc:sldMk cId="2227496659" sldId="261"/>
-            <ac:spMk id="48" creationId="{A7DD5ACA-FA13-AF49-606E-73C2653E94E0}"/>
-          </ac:spMkLst>
-        </pc:spChg>
-        <pc:spChg chg="add del mod">
-          <ac:chgData name="Cirino PIETRO ANDREA" userId="06373c25-59ec-41ba-8008-fd845f0b8aed" providerId="ADAL" clId="{32E6A678-EDFA-4583-91C2-27406E63FB24}" dt="2024-12-12T13:47:01.428" v="1113" actId="1076"/>
-          <ac:spMkLst>
-            <pc:docMk/>
-            <pc:sldMk cId="2227496659" sldId="261"/>
-            <ac:spMk id="49" creationId="{4113B363-B5B0-B9C8-4299-D0858466AD7C}"/>
-          </ac:spMkLst>
-        </pc:spChg>
-        <pc:cxnChg chg="add del mod">
-          <ac:chgData name="Cirino PIETRO ANDREA" userId="06373c25-59ec-41ba-8008-fd845f0b8aed" providerId="ADAL" clId="{32E6A678-EDFA-4583-91C2-27406E63FB24}" dt="2024-12-12T13:43:07.848" v="1041" actId="478"/>
-          <ac:cxnSpMkLst>
-            <pc:docMk/>
-            <pc:sldMk cId="2227496659" sldId="261"/>
-            <ac:cxnSpMk id="6" creationId="{671BCD17-8707-FD1D-5611-F1DE360C4F5C}"/>
-          </ac:cxnSpMkLst>
-        </pc:cxnChg>
-        <pc:cxnChg chg="add del mod">
-          <ac:chgData name="Cirino PIETRO ANDREA" userId="06373c25-59ec-41ba-8008-fd845f0b8aed" providerId="ADAL" clId="{32E6A678-EDFA-4583-91C2-27406E63FB24}" dt="2024-12-12T13:43:07.848" v="1041" actId="478"/>
-          <ac:cxnSpMkLst>
-            <pc:docMk/>
-            <pc:sldMk cId="2227496659" sldId="261"/>
-            <ac:cxnSpMk id="10" creationId="{89667C0A-8C98-1A0A-EDD4-FAA8BF66FE65}"/>
-          </ac:cxnSpMkLst>
-        </pc:cxnChg>
-        <pc:cxnChg chg="add mod">
-          <ac:chgData name="Cirino PIETRO ANDREA" userId="06373c25-59ec-41ba-8008-fd845f0b8aed" providerId="ADAL" clId="{32E6A678-EDFA-4583-91C2-27406E63FB24}" dt="2024-12-12T09:38:51.844" v="556" actId="571"/>
-          <ac:cxnSpMkLst>
-            <pc:docMk/>
-            <pc:sldMk cId="2227496659" sldId="261"/>
-            <ac:cxnSpMk id="16" creationId="{E6D2EEBE-5B6F-AE59-ADB0-6B066ADEA715}"/>
-          </ac:cxnSpMkLst>
-        </pc:cxnChg>
-        <pc:cxnChg chg="add mod">
-          <ac:chgData name="Cirino PIETRO ANDREA" userId="06373c25-59ec-41ba-8008-fd845f0b8aed" providerId="ADAL" clId="{32E6A678-EDFA-4583-91C2-27406E63FB24}" dt="2024-12-12T09:38:51.844" v="556" actId="571"/>
-          <ac:cxnSpMkLst>
-            <pc:docMk/>
-            <pc:sldMk cId="2227496659" sldId="261"/>
-            <ac:cxnSpMk id="18" creationId="{EE753947-C3FA-9A2A-EB60-F2FDB631B2A5}"/>
-          </ac:cxnSpMkLst>
-        </pc:cxnChg>
-        <pc:cxnChg chg="add del mod">
-          <ac:chgData name="Cirino PIETRO ANDREA" userId="06373c25-59ec-41ba-8008-fd845f0b8aed" providerId="ADAL" clId="{32E6A678-EDFA-4583-91C2-27406E63FB24}" dt="2024-12-12T09:39:41.713" v="558" actId="478"/>
-          <ac:cxnSpMkLst>
-            <pc:docMk/>
-            <pc:sldMk cId="2227496659" sldId="261"/>
-            <ac:cxnSpMk id="21" creationId="{7788E239-697D-1032-19D7-22BE9FA90365}"/>
-          </ac:cxnSpMkLst>
-        </pc:cxnChg>
-        <pc:cxnChg chg="add del mod">
-          <ac:chgData name="Cirino PIETRO ANDREA" userId="06373c25-59ec-41ba-8008-fd845f0b8aed" providerId="ADAL" clId="{32E6A678-EDFA-4583-91C2-27406E63FB24}" dt="2024-12-12T09:39:41.713" v="558" actId="478"/>
-          <ac:cxnSpMkLst>
-            <pc:docMk/>
-            <pc:sldMk cId="2227496659" sldId="261"/>
-            <ac:cxnSpMk id="23" creationId="{8A94063D-3C65-9F06-9EF5-E3B9ADCA9618}"/>
-          </ac:cxnSpMkLst>
-        </pc:cxnChg>
-        <pc:cxnChg chg="add del mod">
-          <ac:chgData name="Cirino PIETRO ANDREA" userId="06373c25-59ec-41ba-8008-fd845f0b8aed" providerId="ADAL" clId="{32E6A678-EDFA-4583-91C2-27406E63FB24}" dt="2024-12-12T09:40:53.718" v="578" actId="478"/>
-          <ac:cxnSpMkLst>
-            <pc:docMk/>
-            <pc:sldMk cId="2227496659" sldId="261"/>
-            <ac:cxnSpMk id="31" creationId="{74631224-4A73-8847-072A-09020E168332}"/>
-          </ac:cxnSpMkLst>
-        </pc:cxnChg>
-        <pc:cxnChg chg="add del mod">
-          <ac:chgData name="Cirino PIETRO ANDREA" userId="06373c25-59ec-41ba-8008-fd845f0b8aed" providerId="ADAL" clId="{32E6A678-EDFA-4583-91C2-27406E63FB24}" dt="2024-12-12T13:43:07.848" v="1041" actId="478"/>
-          <ac:cxnSpMkLst>
-            <pc:docMk/>
-            <pc:sldMk cId="2227496659" sldId="261"/>
-            <ac:cxnSpMk id="33" creationId="{E73F4D10-A655-637B-4C13-F7E99340E849}"/>
-          </ac:cxnSpMkLst>
-        </pc:cxnChg>
-        <pc:cxnChg chg="add mod">
-          <ac:chgData name="Cirino PIETRO ANDREA" userId="06373c25-59ec-41ba-8008-fd845f0b8aed" providerId="ADAL" clId="{32E6A678-EDFA-4583-91C2-27406E63FB24}" dt="2024-12-12T13:47:01.428" v="1113" actId="1076"/>
-          <ac:cxnSpMkLst>
-            <pc:docMk/>
-            <pc:sldMk cId="2227496659" sldId="261"/>
-            <ac:cxnSpMk id="38" creationId="{CE7FE327-2915-A41E-479B-D26B63C971F9}"/>
-          </ac:cxnSpMkLst>
-        </pc:cxnChg>
-        <pc:cxnChg chg="add mod">
-          <ac:chgData name="Cirino PIETRO ANDREA" userId="06373c25-59ec-41ba-8008-fd845f0b8aed" providerId="ADAL" clId="{32E6A678-EDFA-4583-91C2-27406E63FB24}" dt="2024-12-12T13:47:01.428" v="1113" actId="1076"/>
-          <ac:cxnSpMkLst>
-            <pc:docMk/>
-            <pc:sldMk cId="2227496659" sldId="261"/>
-            <ac:cxnSpMk id="42" creationId="{719137EF-96D4-94BA-3FB7-A7C67193A146}"/>
-          </ac:cxnSpMkLst>
-        </pc:cxnChg>
-      </pc:sldChg>
-      <pc:sldChg chg="addSp delSp modSp add mod">
-        <pc:chgData name="Cirino PIETRO ANDREA" userId="06373c25-59ec-41ba-8008-fd845f0b8aed" providerId="ADAL" clId="{32E6A678-EDFA-4583-91C2-27406E63FB24}" dt="2024-12-12T13:47:38.043" v="1127" actId="20577"/>
-        <pc:sldMkLst>
-          <pc:docMk/>
-          <pc:sldMk cId="3375820087" sldId="262"/>
-        </pc:sldMkLst>
-        <pc:spChg chg="mod">
-          <ac:chgData name="Cirino PIETRO ANDREA" userId="06373c25-59ec-41ba-8008-fd845f0b8aed" providerId="ADAL" clId="{32E6A678-EDFA-4583-91C2-27406E63FB24}" dt="2024-12-12T09:43:31.448" v="611" actId="20577"/>
-          <ac:spMkLst>
-            <pc:docMk/>
-            <pc:sldMk cId="3375820087" sldId="262"/>
-            <ac:spMk id="2" creationId="{6E8D5665-5800-4EF9-B939-7F5A695818D4}"/>
-          </ac:spMkLst>
-        </pc:spChg>
-        <pc:spChg chg="add mod">
-          <ac:chgData name="Cirino PIETRO ANDREA" userId="06373c25-59ec-41ba-8008-fd845f0b8aed" providerId="ADAL" clId="{32E6A678-EDFA-4583-91C2-27406E63FB24}" dt="2024-12-12T10:19:21.833" v="694" actId="1076"/>
-          <ac:spMkLst>
-            <pc:docMk/>
-            <pc:sldMk cId="3375820087" sldId="262"/>
-            <ac:spMk id="3" creationId="{8CEA9288-B813-7531-3388-97E93E9C4053}"/>
-          </ac:spMkLst>
-        </pc:spChg>
-        <pc:spChg chg="del">
-          <ac:chgData name="Cirino PIETRO ANDREA" userId="06373c25-59ec-41ba-8008-fd845f0b8aed" providerId="ADAL" clId="{32E6A678-EDFA-4583-91C2-27406E63FB24}" dt="2024-12-12T09:43:58.271" v="612" actId="478"/>
-          <ac:spMkLst>
-            <pc:docMk/>
-            <pc:sldMk cId="3375820087" sldId="262"/>
-            <ac:spMk id="4" creationId="{2457C9FA-C840-A8F3-0396-7C383AF6DA3C}"/>
-          </ac:spMkLst>
-        </pc:spChg>
-        <pc:spChg chg="del">
-          <ac:chgData name="Cirino PIETRO ANDREA" userId="06373c25-59ec-41ba-8008-fd845f0b8aed" providerId="ADAL" clId="{32E6A678-EDFA-4583-91C2-27406E63FB24}" dt="2024-12-12T09:43:58.271" v="612" actId="478"/>
-          <ac:spMkLst>
-            <pc:docMk/>
-            <pc:sldMk cId="3375820087" sldId="262"/>
-            <ac:spMk id="5" creationId="{B472B12A-5A6F-AB53-7508-BF57FB019B0F}"/>
-          </ac:spMkLst>
-        </pc:spChg>
-        <pc:spChg chg="del">
-          <ac:chgData name="Cirino PIETRO ANDREA" userId="06373c25-59ec-41ba-8008-fd845f0b8aed" providerId="ADAL" clId="{32E6A678-EDFA-4583-91C2-27406E63FB24}" dt="2024-12-12T09:43:58.271" v="612" actId="478"/>
-          <ac:spMkLst>
-            <pc:docMk/>
-            <pc:sldMk cId="3375820087" sldId="262"/>
-            <ac:spMk id="7" creationId="{8D3D6C99-C1FA-EF96-4223-DDCFFD300EF1}"/>
-          </ac:spMkLst>
-        </pc:spChg>
-        <pc:spChg chg="del">
-          <ac:chgData name="Cirino PIETRO ANDREA" userId="06373c25-59ec-41ba-8008-fd845f0b8aed" providerId="ADAL" clId="{32E6A678-EDFA-4583-91C2-27406E63FB24}" dt="2024-12-12T09:43:58.271" v="612" actId="478"/>
-          <ac:spMkLst>
-            <pc:docMk/>
-            <pc:sldMk cId="3375820087" sldId="262"/>
-            <ac:spMk id="8" creationId="{00228CA4-22E0-8522-7FEC-C40776351E13}"/>
-          </ac:spMkLst>
-        </pc:spChg>
-        <pc:spChg chg="del">
-          <ac:chgData name="Cirino PIETRO ANDREA" userId="06373c25-59ec-41ba-8008-fd845f0b8aed" providerId="ADAL" clId="{32E6A678-EDFA-4583-91C2-27406E63FB24}" dt="2024-12-12T09:43:58.271" v="612" actId="478"/>
-          <ac:spMkLst>
-            <pc:docMk/>
-            <pc:sldMk cId="3375820087" sldId="262"/>
-            <ac:spMk id="9" creationId="{50631996-1CD7-1A52-3494-0FCC0B8868CB}"/>
-          </ac:spMkLst>
-        </pc:spChg>
-        <pc:spChg chg="add mod">
-          <ac:chgData name="Cirino PIETRO ANDREA" userId="06373c25-59ec-41ba-8008-fd845f0b8aed" providerId="ADAL" clId="{32E6A678-EDFA-4583-91C2-27406E63FB24}" dt="2024-12-12T10:19:21.833" v="694" actId="1076"/>
-          <ac:spMkLst>
-            <pc:docMk/>
-            <pc:sldMk cId="3375820087" sldId="262"/>
-            <ac:spMk id="12" creationId="{04D32040-B3AE-D9D8-A6CB-84211BFD71E0}"/>
-          </ac:spMkLst>
-        </pc:spChg>
-        <pc:spChg chg="add mod">
-          <ac:chgData name="Cirino PIETRO ANDREA" userId="06373c25-59ec-41ba-8008-fd845f0b8aed" providerId="ADAL" clId="{32E6A678-EDFA-4583-91C2-27406E63FB24}" dt="2024-12-12T10:19:21.833" v="694" actId="1076"/>
-          <ac:spMkLst>
-            <pc:docMk/>
-            <pc:sldMk cId="3375820087" sldId="262"/>
-            <ac:spMk id="13" creationId="{6B2A4548-1605-6AC7-C8D5-E25CD852A501}"/>
-          </ac:spMkLst>
-        </pc:spChg>
-        <pc:spChg chg="add mod">
-          <ac:chgData name="Cirino PIETRO ANDREA" userId="06373c25-59ec-41ba-8008-fd845f0b8aed" providerId="ADAL" clId="{32E6A678-EDFA-4583-91C2-27406E63FB24}" dt="2024-12-12T10:19:21.833" v="694" actId="1076"/>
-          <ac:spMkLst>
-            <pc:docMk/>
-            <pc:sldMk cId="3375820087" sldId="262"/>
-            <ac:spMk id="16" creationId="{48E210E0-685F-641A-51C9-43F4FEA000EC}"/>
-          </ac:spMkLst>
-        </pc:spChg>
-        <pc:spChg chg="add del mod">
-          <ac:chgData name="Cirino PIETRO ANDREA" userId="06373c25-59ec-41ba-8008-fd845f0b8aed" providerId="ADAL" clId="{32E6A678-EDFA-4583-91C2-27406E63FB24}" dt="2024-12-12T10:19:21.833" v="694" actId="1076"/>
-          <ac:spMkLst>
-            <pc:docMk/>
-            <pc:sldMk cId="3375820087" sldId="262"/>
-            <ac:spMk id="17" creationId="{E6B9E8AD-F0B3-1B67-7B9B-16D91EA226FD}"/>
-          </ac:spMkLst>
-        </pc:spChg>
-        <pc:spChg chg="add del mod">
-          <ac:chgData name="Cirino PIETRO ANDREA" userId="06373c25-59ec-41ba-8008-fd845f0b8aed" providerId="ADAL" clId="{32E6A678-EDFA-4583-91C2-27406E63FB24}" dt="2024-12-12T13:47:27.318" v="1114" actId="478"/>
-          <ac:spMkLst>
-            <pc:docMk/>
-            <pc:sldMk cId="3375820087" sldId="262"/>
-            <ac:spMk id="18" creationId="{758E5506-7475-CA91-C365-94FDA5FE4D8A}"/>
-          </ac:spMkLst>
-        </pc:spChg>
-        <pc:spChg chg="add mod">
-          <ac:chgData name="Cirino PIETRO ANDREA" userId="06373c25-59ec-41ba-8008-fd845f0b8aed" providerId="ADAL" clId="{32E6A678-EDFA-4583-91C2-27406E63FB24}" dt="2024-12-12T10:19:21.833" v="694" actId="1076"/>
-          <ac:spMkLst>
-            <pc:docMk/>
-            <pc:sldMk cId="3375820087" sldId="262"/>
-            <ac:spMk id="19" creationId="{DFF93177-E6A2-747C-88ED-7110CF0D527A}"/>
-          </ac:spMkLst>
-        </pc:spChg>
-        <pc:spChg chg="add del mod">
-          <ac:chgData name="Cirino PIETRO ANDREA" userId="06373c25-59ec-41ba-8008-fd845f0b8aed" providerId="ADAL" clId="{32E6A678-EDFA-4583-91C2-27406E63FB24}" dt="2024-12-12T09:44:09.596" v="615" actId="478"/>
-          <ac:spMkLst>
-            <pc:docMk/>
-            <pc:sldMk cId="3375820087" sldId="262"/>
-            <ac:spMk id="20" creationId="{83280B49-E573-2453-B2DF-A00DA96CA318}"/>
-          </ac:spMkLst>
-        </pc:spChg>
-        <pc:spChg chg="add mod">
-          <ac:chgData name="Cirino PIETRO ANDREA" userId="06373c25-59ec-41ba-8008-fd845f0b8aed" providerId="ADAL" clId="{32E6A678-EDFA-4583-91C2-27406E63FB24}" dt="2024-12-12T10:19:24.198" v="697" actId="1076"/>
-          <ac:spMkLst>
-            <pc:docMk/>
-            <pc:sldMk cId="3375820087" sldId="262"/>
-            <ac:spMk id="22" creationId="{11C4611E-2021-0FE1-D9B7-E27975299EC3}"/>
-          </ac:spMkLst>
-        </pc:spChg>
-        <pc:spChg chg="add mod">
-          <ac:chgData name="Cirino PIETRO ANDREA" userId="06373c25-59ec-41ba-8008-fd845f0b8aed" providerId="ADAL" clId="{32E6A678-EDFA-4583-91C2-27406E63FB24}" dt="2024-12-12T10:19:24.198" v="697" actId="1076"/>
-          <ac:spMkLst>
-            <pc:docMk/>
-            <pc:sldMk cId="3375820087" sldId="262"/>
-            <ac:spMk id="23" creationId="{ABF82C4E-321F-6DED-3891-A419474361EB}"/>
-          </ac:spMkLst>
-        </pc:spChg>
-        <pc:spChg chg="add mod">
-          <ac:chgData name="Cirino PIETRO ANDREA" userId="06373c25-59ec-41ba-8008-fd845f0b8aed" providerId="ADAL" clId="{32E6A678-EDFA-4583-91C2-27406E63FB24}" dt="2024-12-12T13:47:38.043" v="1127" actId="20577"/>
-          <ac:spMkLst>
-            <pc:docMk/>
-            <pc:sldMk cId="3375820087" sldId="262"/>
-            <ac:spMk id="27" creationId="{3C28ED15-3FF1-C7A1-1DED-7A2938A0FC05}"/>
-          </ac:spMkLst>
-        </pc:spChg>
-        <pc:cxnChg chg="del mod">
-          <ac:chgData name="Cirino PIETRO ANDREA" userId="06373c25-59ec-41ba-8008-fd845f0b8aed" providerId="ADAL" clId="{32E6A678-EDFA-4583-91C2-27406E63FB24}" dt="2024-12-12T09:43:58.271" v="612" actId="478"/>
-          <ac:cxnSpMkLst>
-            <pc:docMk/>
-            <pc:sldMk cId="3375820087" sldId="262"/>
-            <ac:cxnSpMk id="6" creationId="{9D66C4C5-C970-789B-6D28-B7226E419B67}"/>
-          </ac:cxnSpMkLst>
-        </pc:cxnChg>
-        <pc:cxnChg chg="add del mod">
-          <ac:chgData name="Cirino PIETRO ANDREA" userId="06373c25-59ec-41ba-8008-fd845f0b8aed" providerId="ADAL" clId="{32E6A678-EDFA-4583-91C2-27406E63FB24}" dt="2024-12-12T10:19:21.833" v="694" actId="1076"/>
-          <ac:cxnSpMkLst>
-            <pc:docMk/>
-            <pc:sldMk cId="3375820087" sldId="262"/>
-            <ac:cxnSpMk id="10" creationId="{411F71FD-E677-2917-78D3-B691F8A9CF8D}"/>
-          </ac:cxnSpMkLst>
-        </pc:cxnChg>
-        <pc:cxnChg chg="del mod">
-          <ac:chgData name="Cirino PIETRO ANDREA" userId="06373c25-59ec-41ba-8008-fd845f0b8aed" providerId="ADAL" clId="{32E6A678-EDFA-4583-91C2-27406E63FB24}" dt="2024-12-12T09:43:58.271" v="612" actId="478"/>
-          <ac:cxnSpMkLst>
-            <pc:docMk/>
-            <pc:sldMk cId="3375820087" sldId="262"/>
-            <ac:cxnSpMk id="11" creationId="{194AEFCF-81F7-C46E-BE02-D68FB59E6A2F}"/>
-          </ac:cxnSpMkLst>
-        </pc:cxnChg>
-        <pc:cxnChg chg="add del mod">
-          <ac:chgData name="Cirino PIETRO ANDREA" userId="06373c25-59ec-41ba-8008-fd845f0b8aed" providerId="ADAL" clId="{32E6A678-EDFA-4583-91C2-27406E63FB24}" dt="2024-12-12T10:19:21.833" v="694" actId="1076"/>
-          <ac:cxnSpMkLst>
-            <pc:docMk/>
-            <pc:sldMk cId="3375820087" sldId="262"/>
-            <ac:cxnSpMk id="14" creationId="{170EE7B7-87E8-391B-0E2E-99EBB341E983}"/>
-          </ac:cxnSpMkLst>
-        </pc:cxnChg>
-        <pc:cxnChg chg="add mod">
-          <ac:chgData name="Cirino PIETRO ANDREA" userId="06373c25-59ec-41ba-8008-fd845f0b8aed" providerId="ADAL" clId="{32E6A678-EDFA-4583-91C2-27406E63FB24}" dt="2024-12-12T10:19:21.833" v="694" actId="1076"/>
-          <ac:cxnSpMkLst>
-            <pc:docMk/>
-            <pc:sldMk cId="3375820087" sldId="262"/>
-            <ac:cxnSpMk id="15" creationId="{A59465F7-84B5-B17A-C361-C9E12A28B9FD}"/>
-          </ac:cxnSpMkLst>
-        </pc:cxnChg>
-        <pc:cxnChg chg="add mod">
-          <ac:chgData name="Cirino PIETRO ANDREA" userId="06373c25-59ec-41ba-8008-fd845f0b8aed" providerId="ADAL" clId="{32E6A678-EDFA-4583-91C2-27406E63FB24}" dt="2024-12-12T10:19:24.198" v="697" actId="1076"/>
-          <ac:cxnSpMkLst>
-            <pc:docMk/>
-            <pc:sldMk cId="3375820087" sldId="262"/>
-            <ac:cxnSpMk id="24" creationId="{006979EA-6606-597D-9127-62025F76F7A1}"/>
-          </ac:cxnSpMkLst>
-        </pc:cxnChg>
-      </pc:sldChg>
-      <pc:sldChg chg="modSp add mod">
-        <pc:chgData name="Cirino PIETRO ANDREA" userId="06373c25-59ec-41ba-8008-fd845f0b8aed" providerId="ADAL" clId="{32E6A678-EDFA-4583-91C2-27406E63FB24}" dt="2024-12-12T13:47:49.051" v="1138" actId="20577"/>
-        <pc:sldMkLst>
-          <pc:docMk/>
-          <pc:sldMk cId="554375994" sldId="263"/>
-        </pc:sldMkLst>
-        <pc:spChg chg="mod">
-          <ac:chgData name="Cirino PIETRO ANDREA" userId="06373c25-59ec-41ba-8008-fd845f0b8aed" providerId="ADAL" clId="{32E6A678-EDFA-4583-91C2-27406E63FB24}" dt="2024-12-12T09:55:36.024" v="640" actId="20577"/>
-          <ac:spMkLst>
-            <pc:docMk/>
-            <pc:sldMk cId="554375994" sldId="263"/>
-            <ac:spMk id="2" creationId="{6E8D5665-5800-4EF9-B939-7F5A695818D4}"/>
-          </ac:spMkLst>
-        </pc:spChg>
-        <pc:spChg chg="mod">
-          <ac:chgData name="Cirino PIETRO ANDREA" userId="06373c25-59ec-41ba-8008-fd845f0b8aed" providerId="ADAL" clId="{32E6A678-EDFA-4583-91C2-27406E63FB24}" dt="2024-12-12T09:55:50.606" v="642" actId="1076"/>
-          <ac:spMkLst>
-            <pc:docMk/>
-            <pc:sldMk cId="554375994" sldId="263"/>
-            <ac:spMk id="3" creationId="{8CEA9288-B813-7531-3388-97E93E9C4053}"/>
-          </ac:spMkLst>
-        </pc:spChg>
-        <pc:spChg chg="mod">
-          <ac:chgData name="Cirino PIETRO ANDREA" userId="06373c25-59ec-41ba-8008-fd845f0b8aed" providerId="ADAL" clId="{32E6A678-EDFA-4583-91C2-27406E63FB24}" dt="2024-12-12T09:55:50.606" v="642" actId="1076"/>
-          <ac:spMkLst>
-            <pc:docMk/>
-            <pc:sldMk cId="554375994" sldId="263"/>
-            <ac:spMk id="12" creationId="{04D32040-B3AE-D9D8-A6CB-84211BFD71E0}"/>
-          </ac:spMkLst>
-        </pc:spChg>
-        <pc:spChg chg="mod">
-          <ac:chgData name="Cirino PIETRO ANDREA" userId="06373c25-59ec-41ba-8008-fd845f0b8aed" providerId="ADAL" clId="{32E6A678-EDFA-4583-91C2-27406E63FB24}" dt="2024-12-12T09:55:50.606" v="642" actId="1076"/>
-          <ac:spMkLst>
-            <pc:docMk/>
-            <pc:sldMk cId="554375994" sldId="263"/>
-            <ac:spMk id="13" creationId="{6B2A4548-1605-6AC7-C8D5-E25CD852A501}"/>
-          </ac:spMkLst>
-        </pc:spChg>
-        <pc:spChg chg="mod">
-          <ac:chgData name="Cirino PIETRO ANDREA" userId="06373c25-59ec-41ba-8008-fd845f0b8aed" providerId="ADAL" clId="{32E6A678-EDFA-4583-91C2-27406E63FB24}" dt="2024-12-12T09:55:50.606" v="642" actId="1076"/>
-          <ac:spMkLst>
-            <pc:docMk/>
-            <pc:sldMk cId="554375994" sldId="263"/>
-            <ac:spMk id="16" creationId="{48E210E0-685F-641A-51C9-43F4FEA000EC}"/>
-          </ac:spMkLst>
-        </pc:spChg>
-        <pc:spChg chg="mod">
-          <ac:chgData name="Cirino PIETRO ANDREA" userId="06373c25-59ec-41ba-8008-fd845f0b8aed" providerId="ADAL" clId="{32E6A678-EDFA-4583-91C2-27406E63FB24}" dt="2024-12-12T09:55:50.606" v="642" actId="1076"/>
-          <ac:spMkLst>
-            <pc:docMk/>
-            <pc:sldMk cId="554375994" sldId="263"/>
-            <ac:spMk id="17" creationId="{E6B9E8AD-F0B3-1B67-7B9B-16D91EA226FD}"/>
-          </ac:spMkLst>
-        </pc:spChg>
-        <pc:spChg chg="mod">
-          <ac:chgData name="Cirino PIETRO ANDREA" userId="06373c25-59ec-41ba-8008-fd845f0b8aed" providerId="ADAL" clId="{32E6A678-EDFA-4583-91C2-27406E63FB24}" dt="2024-12-12T13:47:49.051" v="1138" actId="20577"/>
-          <ac:spMkLst>
-            <pc:docMk/>
-            <pc:sldMk cId="554375994" sldId="263"/>
-            <ac:spMk id="18" creationId="{758E5506-7475-CA91-C365-94FDA5FE4D8A}"/>
-          </ac:spMkLst>
-        </pc:spChg>
-        <pc:spChg chg="mod">
-          <ac:chgData name="Cirino PIETRO ANDREA" userId="06373c25-59ec-41ba-8008-fd845f0b8aed" providerId="ADAL" clId="{32E6A678-EDFA-4583-91C2-27406E63FB24}" dt="2024-12-12T09:55:50.606" v="642" actId="1076"/>
-          <ac:spMkLst>
-            <pc:docMk/>
-            <pc:sldMk cId="554375994" sldId="263"/>
-            <ac:spMk id="19" creationId="{DFF93177-E6A2-747C-88ED-7110CF0D527A}"/>
-          </ac:spMkLst>
-        </pc:spChg>
-        <pc:cxnChg chg="mod">
-          <ac:chgData name="Cirino PIETRO ANDREA" userId="06373c25-59ec-41ba-8008-fd845f0b8aed" providerId="ADAL" clId="{32E6A678-EDFA-4583-91C2-27406E63FB24}" dt="2024-12-12T09:55:50.606" v="642" actId="1076"/>
-          <ac:cxnSpMkLst>
-            <pc:docMk/>
-            <pc:sldMk cId="554375994" sldId="263"/>
-            <ac:cxnSpMk id="10" creationId="{411F71FD-E677-2917-78D3-B691F8A9CF8D}"/>
-          </ac:cxnSpMkLst>
-        </pc:cxnChg>
-        <pc:cxnChg chg="mod">
-          <ac:chgData name="Cirino PIETRO ANDREA" userId="06373c25-59ec-41ba-8008-fd845f0b8aed" providerId="ADAL" clId="{32E6A678-EDFA-4583-91C2-27406E63FB24}" dt="2024-12-12T09:55:50.606" v="642" actId="1076"/>
-          <ac:cxnSpMkLst>
-            <pc:docMk/>
-            <pc:sldMk cId="554375994" sldId="263"/>
-            <ac:cxnSpMk id="14" creationId="{170EE7B7-87E8-391B-0E2E-99EBB341E983}"/>
-          </ac:cxnSpMkLst>
-        </pc:cxnChg>
-        <pc:cxnChg chg="mod">
-          <ac:chgData name="Cirino PIETRO ANDREA" userId="06373c25-59ec-41ba-8008-fd845f0b8aed" providerId="ADAL" clId="{32E6A678-EDFA-4583-91C2-27406E63FB24}" dt="2024-12-12T09:55:50.606" v="642" actId="1076"/>
-          <ac:cxnSpMkLst>
-            <pc:docMk/>
-            <pc:sldMk cId="554375994" sldId="263"/>
-            <ac:cxnSpMk id="15" creationId="{A59465F7-84B5-B17A-C361-C9E12A28B9FD}"/>
-          </ac:cxnSpMkLst>
-        </pc:cxnChg>
-      </pc:sldChg>
-      <pc:sldChg chg="addSp delSp modSp new mod ord">
-        <pc:chgData name="Cirino PIETRO ANDREA" userId="06373c25-59ec-41ba-8008-fd845f0b8aed" providerId="ADAL" clId="{32E6A678-EDFA-4583-91C2-27406E63FB24}" dt="2024-12-12T10:22:07.979" v="699"/>
-        <pc:sldMkLst>
-          <pc:docMk/>
-          <pc:sldMk cId="2182553740" sldId="264"/>
-        </pc:sldMkLst>
-        <pc:spChg chg="mod">
-          <ac:chgData name="Cirino PIETRO ANDREA" userId="06373c25-59ec-41ba-8008-fd845f0b8aed" providerId="ADAL" clId="{32E6A678-EDFA-4583-91C2-27406E63FB24}" dt="2024-12-12T09:58:16.756" v="650"/>
-          <ac:spMkLst>
-            <pc:docMk/>
-            <pc:sldMk cId="2182553740" sldId="264"/>
-            <ac:spMk id="2" creationId="{AF1EE7DD-448D-6ADA-5C3C-015F275C4AB9}"/>
-          </ac:spMkLst>
-        </pc:spChg>
-        <pc:picChg chg="add mod">
-          <ac:chgData name="Cirino PIETRO ANDREA" userId="06373c25-59ec-41ba-8008-fd845f0b8aed" providerId="ADAL" clId="{32E6A678-EDFA-4583-91C2-27406E63FB24}" dt="2024-12-12T09:58:20.607" v="651" actId="1076"/>
-          <ac:picMkLst>
-            <pc:docMk/>
-            <pc:sldMk cId="2182553740" sldId="264"/>
-            <ac:picMk id="4" creationId="{A018D457-665C-6406-19B8-CBE4FE7C91D2}"/>
-          </ac:picMkLst>
-        </pc:picChg>
-        <pc:picChg chg="add del mod">
-          <ac:chgData name="Cirino PIETRO ANDREA" userId="06373c25-59ec-41ba-8008-fd845f0b8aed" providerId="ADAL" clId="{32E6A678-EDFA-4583-91C2-27406E63FB24}" dt="2024-12-12T09:57:10.096" v="646" actId="478"/>
-          <ac:picMkLst>
-            <pc:docMk/>
-            <pc:sldMk cId="2182553740" sldId="264"/>
-            <ac:picMk id="1026" creationId="{73E9ACF5-8DBB-F129-4F29-149AD4AFE20D}"/>
-          </ac:picMkLst>
-        </pc:picChg>
-      </pc:sldChg>
-      <pc:sldChg chg="addSp delSp modSp new mod addAnim delAnim modAnim">
-        <pc:chgData name="Cirino PIETRO ANDREA" userId="06373c25-59ec-41ba-8008-fd845f0b8aed" providerId="ADAL" clId="{32E6A678-EDFA-4583-91C2-27406E63FB24}" dt="2024-12-12T13:55:13.836" v="1157" actId="1076"/>
-        <pc:sldMkLst>
-          <pc:docMk/>
-          <pc:sldMk cId="736381694" sldId="265"/>
-        </pc:sldMkLst>
-        <pc:spChg chg="mod">
-          <ac:chgData name="Cirino PIETRO ANDREA" userId="06373c25-59ec-41ba-8008-fd845f0b8aed" providerId="ADAL" clId="{32E6A678-EDFA-4583-91C2-27406E63FB24}" dt="2024-12-12T13:55:05.372" v="1156" actId="20577"/>
-          <ac:spMkLst>
-            <pc:docMk/>
-            <pc:sldMk cId="736381694" sldId="265"/>
-            <ac:spMk id="2" creationId="{5EAC5149-9917-371C-1A4E-54B19531B1CE}"/>
-          </ac:spMkLst>
-        </pc:spChg>
-        <pc:spChg chg="add mod topLvl">
-          <ac:chgData name="Cirino PIETRO ANDREA" userId="06373c25-59ec-41ba-8008-fd845f0b8aed" providerId="ADAL" clId="{32E6A678-EDFA-4583-91C2-27406E63FB24}" dt="2024-12-12T13:55:13.836" v="1157" actId="1076"/>
-          <ac:spMkLst>
-            <pc:docMk/>
-            <pc:sldMk cId="736381694" sldId="265"/>
-            <ac:spMk id="3" creationId="{3508AC98-AF83-79F9-22D4-CE7E77D32E33}"/>
-          </ac:spMkLst>
-        </pc:spChg>
-        <pc:spChg chg="add del mod">
-          <ac:chgData name="Cirino PIETRO ANDREA" userId="06373c25-59ec-41ba-8008-fd845f0b8aed" providerId="ADAL" clId="{32E6A678-EDFA-4583-91C2-27406E63FB24}" dt="2024-12-12T13:55:13.836" v="1157" actId="1076"/>
-          <ac:spMkLst>
-            <pc:docMk/>
-            <pc:sldMk cId="736381694" sldId="265"/>
-            <ac:spMk id="18" creationId="{0045B1A4-4B1A-B434-8E73-A92A92D776CE}"/>
-          </ac:spMkLst>
-        </pc:spChg>
-        <pc:spChg chg="add mod">
-          <ac:chgData name="Cirino PIETRO ANDREA" userId="06373c25-59ec-41ba-8008-fd845f0b8aed" providerId="ADAL" clId="{32E6A678-EDFA-4583-91C2-27406E63FB24}" dt="2024-12-12T13:55:13.836" v="1157" actId="1076"/>
-          <ac:spMkLst>
-            <pc:docMk/>
-            <pc:sldMk cId="736381694" sldId="265"/>
-            <ac:spMk id="19" creationId="{81D2184D-60CB-88DD-60B7-B4EE03B505A9}"/>
-          </ac:spMkLst>
-        </pc:spChg>
-        <pc:spChg chg="add mod">
-          <ac:chgData name="Cirino PIETRO ANDREA" userId="06373c25-59ec-41ba-8008-fd845f0b8aed" providerId="ADAL" clId="{32E6A678-EDFA-4583-91C2-27406E63FB24}" dt="2024-12-12T13:55:13.836" v="1157" actId="1076"/>
-          <ac:spMkLst>
-            <pc:docMk/>
-            <pc:sldMk cId="736381694" sldId="265"/>
-            <ac:spMk id="21" creationId="{6012F152-8A97-EAED-FDFE-E6CECE6374D5}"/>
-          </ac:spMkLst>
-        </pc:spChg>
-        <pc:spChg chg="add mod">
-          <ac:chgData name="Cirino PIETRO ANDREA" userId="06373c25-59ec-41ba-8008-fd845f0b8aed" providerId="ADAL" clId="{32E6A678-EDFA-4583-91C2-27406E63FB24}" dt="2024-12-12T13:55:13.836" v="1157" actId="1076"/>
-          <ac:spMkLst>
-            <pc:docMk/>
-            <pc:sldMk cId="736381694" sldId="265"/>
-            <ac:spMk id="26" creationId="{DE679F20-15D6-AAEC-7D51-AC66492CE4D5}"/>
-          </ac:spMkLst>
-        </pc:spChg>
-        <pc:grpChg chg="add del mod">
-          <ac:chgData name="Cirino PIETRO ANDREA" userId="06373c25-59ec-41ba-8008-fd845f0b8aed" providerId="ADAL" clId="{32E6A678-EDFA-4583-91C2-27406E63FB24}" dt="2024-12-12T13:28:52.386" v="925" actId="165"/>
-          <ac:grpSpMkLst>
-            <pc:docMk/>
-            <pc:sldMk cId="736381694" sldId="265"/>
-            <ac:grpSpMk id="17" creationId="{B7DF5EC3-E1EE-9AFB-BBFE-2F016A8BF57D}"/>
-          </ac:grpSpMkLst>
-        </pc:grpChg>
-        <pc:picChg chg="add del mod">
-          <ac:chgData name="Cirino PIETRO ANDREA" userId="06373c25-59ec-41ba-8008-fd845f0b8aed" providerId="ADAL" clId="{32E6A678-EDFA-4583-91C2-27406E63FB24}" dt="2024-12-12T13:26:22.748" v="876" actId="478"/>
-          <ac:picMkLst>
-            <pc:docMk/>
-            <pc:sldMk cId="736381694" sldId="265"/>
-            <ac:picMk id="4" creationId="{6AACD22A-F4FE-C82C-C9BB-728FF47C6043}"/>
-          </ac:picMkLst>
-        </pc:picChg>
-        <pc:picChg chg="add del mod">
-          <ac:chgData name="Cirino PIETRO ANDREA" userId="06373c25-59ec-41ba-8008-fd845f0b8aed" providerId="ADAL" clId="{32E6A678-EDFA-4583-91C2-27406E63FB24}" dt="2024-12-12T13:26:22.215" v="875" actId="478"/>
-          <ac:picMkLst>
-            <pc:docMk/>
-            <pc:sldMk cId="736381694" sldId="265"/>
-            <ac:picMk id="5" creationId="{0F8A9BED-F47E-50A1-62DB-55E75FAD8FF1}"/>
-          </ac:picMkLst>
-        </pc:picChg>
-        <pc:picChg chg="add mod topLvl modCrop">
-          <ac:chgData name="Cirino PIETRO ANDREA" userId="06373c25-59ec-41ba-8008-fd845f0b8aed" providerId="ADAL" clId="{32E6A678-EDFA-4583-91C2-27406E63FB24}" dt="2024-12-12T13:55:13.836" v="1157" actId="1076"/>
-          <ac:picMkLst>
-            <pc:docMk/>
-            <pc:sldMk cId="736381694" sldId="265"/>
-            <ac:picMk id="6" creationId="{A8849140-6356-2A5B-7838-BDCBA8EFCB0C}"/>
-          </ac:picMkLst>
-        </pc:picChg>
-        <pc:picChg chg="add del mod">
-          <ac:chgData name="Cirino PIETRO ANDREA" userId="06373c25-59ec-41ba-8008-fd845f0b8aed" providerId="ADAL" clId="{32E6A678-EDFA-4583-91C2-27406E63FB24}" dt="2024-12-12T13:26:23.185" v="877" actId="478"/>
-          <ac:picMkLst>
-            <pc:docMk/>
-            <pc:sldMk cId="736381694" sldId="265"/>
-            <ac:picMk id="7" creationId="{BB9C6E0C-0312-4813-F066-F6693D658BCC}"/>
-          </ac:picMkLst>
-        </pc:picChg>
-        <pc:picChg chg="add mod topLvl modCrop">
-          <ac:chgData name="Cirino PIETRO ANDREA" userId="06373c25-59ec-41ba-8008-fd845f0b8aed" providerId="ADAL" clId="{32E6A678-EDFA-4583-91C2-27406E63FB24}" dt="2024-12-12T13:55:13.836" v="1157" actId="1076"/>
-          <ac:picMkLst>
-            <pc:docMk/>
-            <pc:sldMk cId="736381694" sldId="265"/>
-            <ac:picMk id="8" creationId="{DCA510E7-D813-03D4-814F-A626DFAA0D37}"/>
-          </ac:picMkLst>
-        </pc:picChg>
-        <pc:picChg chg="add mod topLvl">
-          <ac:chgData name="Cirino PIETRO ANDREA" userId="06373c25-59ec-41ba-8008-fd845f0b8aed" providerId="ADAL" clId="{32E6A678-EDFA-4583-91C2-27406E63FB24}" dt="2024-12-12T13:55:13.836" v="1157" actId="1076"/>
-          <ac:picMkLst>
-            <pc:docMk/>
-            <pc:sldMk cId="736381694" sldId="265"/>
-            <ac:picMk id="9" creationId="{0CD3BF1A-6F26-EBC8-0FCB-18BF70A7C4B4}"/>
-          </ac:picMkLst>
-        </pc:picChg>
-        <pc:picChg chg="add mod topLvl modCrop">
-          <ac:chgData name="Cirino PIETRO ANDREA" userId="06373c25-59ec-41ba-8008-fd845f0b8aed" providerId="ADAL" clId="{32E6A678-EDFA-4583-91C2-27406E63FB24}" dt="2024-12-12T13:55:13.836" v="1157" actId="1076"/>
-          <ac:picMkLst>
-            <pc:docMk/>
-            <pc:sldMk cId="736381694" sldId="265"/>
-            <ac:picMk id="10" creationId="{3ACEBF20-D195-574C-4D27-5433C5E55875}"/>
-          </ac:picMkLst>
-        </pc:picChg>
-        <pc:picChg chg="add mod topLvl modCrop">
-          <ac:chgData name="Cirino PIETRO ANDREA" userId="06373c25-59ec-41ba-8008-fd845f0b8aed" providerId="ADAL" clId="{32E6A678-EDFA-4583-91C2-27406E63FB24}" dt="2024-12-12T13:55:13.836" v="1157" actId="1076"/>
-          <ac:picMkLst>
-            <pc:docMk/>
-            <pc:sldMk cId="736381694" sldId="265"/>
-            <ac:picMk id="11" creationId="{52219BD4-1353-C3DE-6BFC-28414F5615B9}"/>
-          </ac:picMkLst>
-        </pc:picChg>
-        <pc:picChg chg="add mod topLvl">
-          <ac:chgData name="Cirino PIETRO ANDREA" userId="06373c25-59ec-41ba-8008-fd845f0b8aed" providerId="ADAL" clId="{32E6A678-EDFA-4583-91C2-27406E63FB24}" dt="2024-12-12T13:55:13.836" v="1157" actId="1076"/>
-          <ac:picMkLst>
-            <pc:docMk/>
-            <pc:sldMk cId="736381694" sldId="265"/>
-            <ac:picMk id="12" creationId="{97F01FCB-9288-2435-25E2-EDBA7564EB62}"/>
-          </ac:picMkLst>
-        </pc:picChg>
-        <pc:picChg chg="add mod topLvl modCrop">
-          <ac:chgData name="Cirino PIETRO ANDREA" userId="06373c25-59ec-41ba-8008-fd845f0b8aed" providerId="ADAL" clId="{32E6A678-EDFA-4583-91C2-27406E63FB24}" dt="2024-12-12T13:55:13.836" v="1157" actId="1076"/>
-          <ac:picMkLst>
-            <pc:docMk/>
-            <pc:sldMk cId="736381694" sldId="265"/>
-            <ac:picMk id="13" creationId="{407F245F-C81A-0E77-9E9D-114FDDFF7741}"/>
-          </ac:picMkLst>
-        </pc:picChg>
-        <pc:picChg chg="add mod topLvl modCrop">
-          <ac:chgData name="Cirino PIETRO ANDREA" userId="06373c25-59ec-41ba-8008-fd845f0b8aed" providerId="ADAL" clId="{32E6A678-EDFA-4583-91C2-27406E63FB24}" dt="2024-12-12T13:55:13.836" v="1157" actId="1076"/>
-          <ac:picMkLst>
-            <pc:docMk/>
-            <pc:sldMk cId="736381694" sldId="265"/>
-            <ac:picMk id="14" creationId="{ADA1CBF7-F933-D1A6-ADF5-D2A86F09AFB5}"/>
-          </ac:picMkLst>
-        </pc:picChg>
-        <pc:picChg chg="add mod topLvl modCrop">
-          <ac:chgData name="Cirino PIETRO ANDREA" userId="06373c25-59ec-41ba-8008-fd845f0b8aed" providerId="ADAL" clId="{32E6A678-EDFA-4583-91C2-27406E63FB24}" dt="2024-12-12T13:55:13.836" v="1157" actId="1076"/>
-          <ac:picMkLst>
-            <pc:docMk/>
-            <pc:sldMk cId="736381694" sldId="265"/>
-            <ac:picMk id="15" creationId="{4251DB4A-F3AB-F382-2A68-66DBD8E9006D}"/>
-          </ac:picMkLst>
-        </pc:picChg>
-        <pc:picChg chg="add mod topLvl modCrop">
-          <ac:chgData name="Cirino PIETRO ANDREA" userId="06373c25-59ec-41ba-8008-fd845f0b8aed" providerId="ADAL" clId="{32E6A678-EDFA-4583-91C2-27406E63FB24}" dt="2024-12-12T13:55:13.836" v="1157" actId="1076"/>
-          <ac:picMkLst>
-            <pc:docMk/>
-            <pc:sldMk cId="736381694" sldId="265"/>
-            <ac:picMk id="16" creationId="{75597F1F-3161-D8E6-386E-78EC74A8CDCD}"/>
-          </ac:picMkLst>
-        </pc:picChg>
-        <pc:cxnChg chg="add mod">
-          <ac:chgData name="Cirino PIETRO ANDREA" userId="06373c25-59ec-41ba-8008-fd845f0b8aed" providerId="ADAL" clId="{32E6A678-EDFA-4583-91C2-27406E63FB24}" dt="2024-12-12T13:55:13.836" v="1157" actId="1076"/>
-          <ac:cxnSpMkLst>
-            <pc:docMk/>
-            <pc:sldMk cId="736381694" sldId="265"/>
-            <ac:cxnSpMk id="20" creationId="{9166C955-C9EA-E1CB-6884-EE7C463B5A24}"/>
-          </ac:cxnSpMkLst>
-        </pc:cxnChg>
-        <pc:cxnChg chg="add mod">
-          <ac:chgData name="Cirino PIETRO ANDREA" userId="06373c25-59ec-41ba-8008-fd845f0b8aed" providerId="ADAL" clId="{32E6A678-EDFA-4583-91C2-27406E63FB24}" dt="2024-12-12T13:55:13.836" v="1157" actId="1076"/>
-          <ac:cxnSpMkLst>
-            <pc:docMk/>
-            <pc:sldMk cId="736381694" sldId="265"/>
-            <ac:cxnSpMk id="22" creationId="{D6F874CE-4A8E-7687-5EA8-F8A6ED6743B7}"/>
-          </ac:cxnSpMkLst>
-        </pc:cxnChg>
-        <pc:cxnChg chg="add mod">
-          <ac:chgData name="Cirino PIETRO ANDREA" userId="06373c25-59ec-41ba-8008-fd845f0b8aed" providerId="ADAL" clId="{32E6A678-EDFA-4583-91C2-27406E63FB24}" dt="2024-12-12T13:55:13.836" v="1157" actId="1076"/>
-          <ac:cxnSpMkLst>
-            <pc:docMk/>
-            <pc:sldMk cId="736381694" sldId="265"/>
-            <ac:cxnSpMk id="27" creationId="{B6A6B652-8DA8-E4B4-9F99-D4401BBAB96A}"/>
-          </ac:cxnSpMkLst>
-        </pc:cxnChg>
-      </pc:sldChg>
-      <pc:sldChg chg="modSp add del modAnim">
-        <pc:chgData name="Cirino PIETRO ANDREA" userId="06373c25-59ec-41ba-8008-fd845f0b8aed" providerId="ADAL" clId="{32E6A678-EDFA-4583-91C2-27406E63FB24}" dt="2024-12-12T13:55:20.304" v="1159" actId="47"/>
-        <pc:sldMkLst>
-          <pc:docMk/>
-          <pc:sldMk cId="941920837" sldId="266"/>
-        </pc:sldMkLst>
-        <pc:spChg chg="mod">
-          <ac:chgData name="Cirino PIETRO ANDREA" userId="06373c25-59ec-41ba-8008-fd845f0b8aed" providerId="ADAL" clId="{32E6A678-EDFA-4583-91C2-27406E63FB24}" dt="2024-12-12T13:41:28.210" v="986" actId="20577"/>
-          <ac:spMkLst>
-            <pc:docMk/>
-            <pc:sldMk cId="941920837" sldId="266"/>
-            <ac:spMk id="21" creationId="{6012F152-8A97-EAED-FDFE-E6CECE6374D5}"/>
-          </ac:spMkLst>
-        </pc:spChg>
-        <pc:spChg chg="mod">
-          <ac:chgData name="Cirino PIETRO ANDREA" userId="06373c25-59ec-41ba-8008-fd845f0b8aed" providerId="ADAL" clId="{32E6A678-EDFA-4583-91C2-27406E63FB24}" dt="2024-12-12T13:41:25.155" v="983" actId="20577"/>
-          <ac:spMkLst>
-            <pc:docMk/>
-            <pc:sldMk cId="941920837" sldId="266"/>
-            <ac:spMk id="26" creationId="{DE679F20-15D6-AAEC-7D51-AC66492CE4D5}"/>
-          </ac:spMkLst>
-        </pc:spChg>
-        <pc:cxnChg chg="mod">
-          <ac:chgData name="Cirino PIETRO ANDREA" userId="06373c25-59ec-41ba-8008-fd845f0b8aed" providerId="ADAL" clId="{32E6A678-EDFA-4583-91C2-27406E63FB24}" dt="2024-12-12T13:41:28.210" v="986" actId="20577"/>
-          <ac:cxnSpMkLst>
-            <pc:docMk/>
-            <pc:sldMk cId="941920837" sldId="266"/>
-            <ac:cxnSpMk id="20" creationId="{9166C955-C9EA-E1CB-6884-EE7C463B5A24}"/>
-          </ac:cxnSpMkLst>
-        </pc:cxnChg>
-        <pc:cxnChg chg="mod">
-          <ac:chgData name="Cirino PIETRO ANDREA" userId="06373c25-59ec-41ba-8008-fd845f0b8aed" providerId="ADAL" clId="{32E6A678-EDFA-4583-91C2-27406E63FB24}" dt="2024-12-12T13:41:25.155" v="983" actId="20577"/>
-          <ac:cxnSpMkLst>
-            <pc:docMk/>
-            <pc:sldMk cId="941920837" sldId="266"/>
-            <ac:cxnSpMk id="27" creationId="{B6A6B652-8DA8-E4B4-9F99-D4401BBAB96A}"/>
-          </ac:cxnSpMkLst>
-        </pc:cxnChg>
-      </pc:sldChg>
-      <pc:sldChg chg="modSp add modAnim">
-        <pc:chgData name="Cirino PIETRO ANDREA" userId="06373c25-59ec-41ba-8008-fd845f0b8aed" providerId="ADAL" clId="{32E6A678-EDFA-4583-91C2-27406E63FB24}" dt="2024-12-12T13:55:31.285" v="1166" actId="20577"/>
-        <pc:sldMkLst>
-          <pc:docMk/>
-          <pc:sldMk cId="141958032" sldId="267"/>
-        </pc:sldMkLst>
-        <pc:spChg chg="mod">
-          <ac:chgData name="Cirino PIETRO ANDREA" userId="06373c25-59ec-41ba-8008-fd845f0b8aed" providerId="ADAL" clId="{32E6A678-EDFA-4583-91C2-27406E63FB24}" dt="2024-12-12T13:55:31.285" v="1166" actId="20577"/>
-          <ac:spMkLst>
-            <pc:docMk/>
-            <pc:sldMk cId="141958032" sldId="267"/>
-            <ac:spMk id="21" creationId="{6012F152-8A97-EAED-FDFE-E6CECE6374D5}"/>
-          </ac:spMkLst>
-        </pc:spChg>
-        <pc:spChg chg="mod">
-          <ac:chgData name="Cirino PIETRO ANDREA" userId="06373c25-59ec-41ba-8008-fd845f0b8aed" providerId="ADAL" clId="{32E6A678-EDFA-4583-91C2-27406E63FB24}" dt="2024-12-12T13:55:28.460" v="1163" actId="20577"/>
-          <ac:spMkLst>
-            <pc:docMk/>
-            <pc:sldMk cId="141958032" sldId="267"/>
-            <ac:spMk id="26" creationId="{DE679F20-15D6-AAEC-7D51-AC66492CE4D5}"/>
-          </ac:spMkLst>
-        </pc:spChg>
-        <pc:cxnChg chg="mod">
-          <ac:chgData name="Cirino PIETRO ANDREA" userId="06373c25-59ec-41ba-8008-fd845f0b8aed" providerId="ADAL" clId="{32E6A678-EDFA-4583-91C2-27406E63FB24}" dt="2024-12-12T13:55:31.285" v="1166" actId="20577"/>
-          <ac:cxnSpMkLst>
-            <pc:docMk/>
-            <pc:sldMk cId="141958032" sldId="267"/>
-            <ac:cxnSpMk id="20" creationId="{9166C955-C9EA-E1CB-6884-EE7C463B5A24}"/>
-          </ac:cxnSpMkLst>
-        </pc:cxnChg>
-        <pc:cxnChg chg="mod">
-          <ac:chgData name="Cirino PIETRO ANDREA" userId="06373c25-59ec-41ba-8008-fd845f0b8aed" providerId="ADAL" clId="{32E6A678-EDFA-4583-91C2-27406E63FB24}" dt="2024-12-12T13:55:28.460" v="1163" actId="20577"/>
-          <ac:cxnSpMkLst>
-            <pc:docMk/>
-            <pc:sldMk cId="141958032" sldId="267"/>
-            <ac:cxnSpMk id="27" creationId="{B6A6B652-8DA8-E4B4-9F99-D4401BBAB96A}"/>
-          </ac:cxnSpMkLst>
-        </pc:cxnChg>
-      </pc:sldChg>
-      <pc:sldChg chg="addSp delSp modSp add del mod">
-        <pc:chgData name="Cirino PIETRO ANDREA" userId="06373c25-59ec-41ba-8008-fd845f0b8aed" providerId="ADAL" clId="{32E6A678-EDFA-4583-91C2-27406E63FB24}" dt="2024-12-12T13:46:57.371" v="1112" actId="47"/>
-        <pc:sldMkLst>
-          <pc:docMk/>
-          <pc:sldMk cId="3686736091" sldId="267"/>
-        </pc:sldMkLst>
-        <pc:spChg chg="mod">
-          <ac:chgData name="Cirino PIETRO ANDREA" userId="06373c25-59ec-41ba-8008-fd845f0b8aed" providerId="ADAL" clId="{32E6A678-EDFA-4583-91C2-27406E63FB24}" dt="2024-12-12T13:42:59.835" v="1040" actId="20577"/>
-          <ac:spMkLst>
-            <pc:docMk/>
-            <pc:sldMk cId="3686736091" sldId="267"/>
-            <ac:spMk id="2" creationId="{5EAC5149-9917-371C-1A4E-54B19531B1CE}"/>
-          </ac:spMkLst>
-        </pc:spChg>
-        <pc:spChg chg="del">
-          <ac:chgData name="Cirino PIETRO ANDREA" userId="06373c25-59ec-41ba-8008-fd845f0b8aed" providerId="ADAL" clId="{32E6A678-EDFA-4583-91C2-27406E63FB24}" dt="2024-12-12T13:41:50.786" v="988" actId="478"/>
-          <ac:spMkLst>
-            <pc:docMk/>
-            <pc:sldMk cId="3686736091" sldId="267"/>
-            <ac:spMk id="3" creationId="{3508AC98-AF83-79F9-22D4-CE7E77D32E33}"/>
-          </ac:spMkLst>
-        </pc:spChg>
-        <pc:spChg chg="add del mod">
-          <ac:chgData name="Cirino PIETRO ANDREA" userId="06373c25-59ec-41ba-8008-fd845f0b8aed" providerId="ADAL" clId="{32E6A678-EDFA-4583-91C2-27406E63FB24}" dt="2024-12-12T13:43:57.485" v="1049" actId="21"/>
-          <ac:spMkLst>
-            <pc:docMk/>
-            <pc:sldMk cId="3686736091" sldId="267"/>
-            <ac:spMk id="4" creationId="{4113B363-B5B0-B9C8-4299-D0858466AD7C}"/>
-          </ac:spMkLst>
-        </pc:spChg>
-        <pc:spChg chg="del">
-          <ac:chgData name="Cirino PIETRO ANDREA" userId="06373c25-59ec-41ba-8008-fd845f0b8aed" providerId="ADAL" clId="{32E6A678-EDFA-4583-91C2-27406E63FB24}" dt="2024-12-12T13:41:50.786" v="988" actId="478"/>
-          <ac:spMkLst>
-            <pc:docMk/>
-            <pc:sldMk cId="3686736091" sldId="267"/>
-            <ac:spMk id="18" creationId="{0045B1A4-4B1A-B434-8E73-A92A92D776CE}"/>
-          </ac:spMkLst>
-        </pc:spChg>
-        <pc:spChg chg="del">
-          <ac:chgData name="Cirino PIETRO ANDREA" userId="06373c25-59ec-41ba-8008-fd845f0b8aed" providerId="ADAL" clId="{32E6A678-EDFA-4583-91C2-27406E63FB24}" dt="2024-12-12T13:41:50.786" v="988" actId="478"/>
-          <ac:spMkLst>
-            <pc:docMk/>
-            <pc:sldMk cId="3686736091" sldId="267"/>
-            <ac:spMk id="19" creationId="{81D2184D-60CB-88DD-60B7-B4EE03B505A9}"/>
-          </ac:spMkLst>
-        </pc:spChg>
-        <pc:spChg chg="del">
-          <ac:chgData name="Cirino PIETRO ANDREA" userId="06373c25-59ec-41ba-8008-fd845f0b8aed" providerId="ADAL" clId="{32E6A678-EDFA-4583-91C2-27406E63FB24}" dt="2024-12-12T13:41:50.786" v="988" actId="478"/>
-          <ac:spMkLst>
-            <pc:docMk/>
-            <pc:sldMk cId="3686736091" sldId="267"/>
-            <ac:spMk id="21" creationId="{6012F152-8A97-EAED-FDFE-E6CECE6374D5}"/>
-          </ac:spMkLst>
-        </pc:spChg>
-        <pc:spChg chg="del">
-          <ac:chgData name="Cirino PIETRO ANDREA" userId="06373c25-59ec-41ba-8008-fd845f0b8aed" providerId="ADAL" clId="{32E6A678-EDFA-4583-91C2-27406E63FB24}" dt="2024-12-12T13:41:50.786" v="988" actId="478"/>
-          <ac:spMkLst>
-            <pc:docMk/>
-            <pc:sldMk cId="3686736091" sldId="267"/>
-            <ac:spMk id="26" creationId="{DE679F20-15D6-AAEC-7D51-AC66492CE4D5}"/>
-          </ac:spMkLst>
-        </pc:spChg>
-        <pc:picChg chg="del">
-          <ac:chgData name="Cirino PIETRO ANDREA" userId="06373c25-59ec-41ba-8008-fd845f0b8aed" providerId="ADAL" clId="{32E6A678-EDFA-4583-91C2-27406E63FB24}" dt="2024-12-12T13:41:50.786" v="988" actId="478"/>
-          <ac:picMkLst>
-            <pc:docMk/>
-            <pc:sldMk cId="3686736091" sldId="267"/>
-            <ac:picMk id="6" creationId="{A8849140-6356-2A5B-7838-BDCBA8EFCB0C}"/>
-          </ac:picMkLst>
-        </pc:picChg>
-        <pc:picChg chg="del">
-          <ac:chgData name="Cirino PIETRO ANDREA" userId="06373c25-59ec-41ba-8008-fd845f0b8aed" providerId="ADAL" clId="{32E6A678-EDFA-4583-91C2-27406E63FB24}" dt="2024-12-12T13:41:50.786" v="988" actId="478"/>
-          <ac:picMkLst>
-            <pc:docMk/>
-            <pc:sldMk cId="3686736091" sldId="267"/>
-            <ac:picMk id="8" creationId="{DCA510E7-D813-03D4-814F-A626DFAA0D37}"/>
-          </ac:picMkLst>
-        </pc:picChg>
-        <pc:picChg chg="del">
-          <ac:chgData name="Cirino PIETRO ANDREA" userId="06373c25-59ec-41ba-8008-fd845f0b8aed" providerId="ADAL" clId="{32E6A678-EDFA-4583-91C2-27406E63FB24}" dt="2024-12-12T13:41:50.786" v="988" actId="478"/>
-          <ac:picMkLst>
-            <pc:docMk/>
-            <pc:sldMk cId="3686736091" sldId="267"/>
-            <ac:picMk id="9" creationId="{0CD3BF1A-6F26-EBC8-0FCB-18BF70A7C4B4}"/>
-          </ac:picMkLst>
-        </pc:picChg>
-        <pc:picChg chg="del">
-          <ac:chgData name="Cirino PIETRO ANDREA" userId="06373c25-59ec-41ba-8008-fd845f0b8aed" providerId="ADAL" clId="{32E6A678-EDFA-4583-91C2-27406E63FB24}" dt="2024-12-12T13:41:50.786" v="988" actId="478"/>
-          <ac:picMkLst>
-            <pc:docMk/>
-            <pc:sldMk cId="3686736091" sldId="267"/>
-            <ac:picMk id="10" creationId="{3ACEBF20-D195-574C-4D27-5433C5E55875}"/>
-          </ac:picMkLst>
-        </pc:picChg>
-        <pc:picChg chg="del">
-          <ac:chgData name="Cirino PIETRO ANDREA" userId="06373c25-59ec-41ba-8008-fd845f0b8aed" providerId="ADAL" clId="{32E6A678-EDFA-4583-91C2-27406E63FB24}" dt="2024-12-12T13:41:50.786" v="988" actId="478"/>
-          <ac:picMkLst>
-            <pc:docMk/>
-            <pc:sldMk cId="3686736091" sldId="267"/>
-            <ac:picMk id="11" creationId="{52219BD4-1353-C3DE-6BFC-28414F5615B9}"/>
-          </ac:picMkLst>
-        </pc:picChg>
-        <pc:picChg chg="del">
-          <ac:chgData name="Cirino PIETRO ANDREA" userId="06373c25-59ec-41ba-8008-fd845f0b8aed" providerId="ADAL" clId="{32E6A678-EDFA-4583-91C2-27406E63FB24}" dt="2024-12-12T13:41:50.786" v="988" actId="478"/>
-          <ac:picMkLst>
-            <pc:docMk/>
-            <pc:sldMk cId="3686736091" sldId="267"/>
-            <ac:picMk id="12" creationId="{97F01FCB-9288-2435-25E2-EDBA7564EB62}"/>
-          </ac:picMkLst>
-        </pc:picChg>
-        <pc:picChg chg="del">
-          <ac:chgData name="Cirino PIETRO ANDREA" userId="06373c25-59ec-41ba-8008-fd845f0b8aed" providerId="ADAL" clId="{32E6A678-EDFA-4583-91C2-27406E63FB24}" dt="2024-12-12T13:41:50.786" v="988" actId="478"/>
-          <ac:picMkLst>
-            <pc:docMk/>
-            <pc:sldMk cId="3686736091" sldId="267"/>
-            <ac:picMk id="13" creationId="{407F245F-C81A-0E77-9E9D-114FDDFF7741}"/>
-          </ac:picMkLst>
-        </pc:picChg>
-        <pc:picChg chg="del">
-          <ac:chgData name="Cirino PIETRO ANDREA" userId="06373c25-59ec-41ba-8008-fd845f0b8aed" providerId="ADAL" clId="{32E6A678-EDFA-4583-91C2-27406E63FB24}" dt="2024-12-12T13:41:50.786" v="988" actId="478"/>
-          <ac:picMkLst>
-            <pc:docMk/>
-            <pc:sldMk cId="3686736091" sldId="267"/>
-            <ac:picMk id="14" creationId="{ADA1CBF7-F933-D1A6-ADF5-D2A86F09AFB5}"/>
-          </ac:picMkLst>
-        </pc:picChg>
-        <pc:picChg chg="del">
-          <ac:chgData name="Cirino PIETRO ANDREA" userId="06373c25-59ec-41ba-8008-fd845f0b8aed" providerId="ADAL" clId="{32E6A678-EDFA-4583-91C2-27406E63FB24}" dt="2024-12-12T13:41:50.786" v="988" actId="478"/>
-          <ac:picMkLst>
-            <pc:docMk/>
-            <pc:sldMk cId="3686736091" sldId="267"/>
-            <ac:picMk id="15" creationId="{4251DB4A-F3AB-F382-2A68-66DBD8E9006D}"/>
-          </ac:picMkLst>
-        </pc:picChg>
-        <pc:picChg chg="del">
-          <ac:chgData name="Cirino PIETRO ANDREA" userId="06373c25-59ec-41ba-8008-fd845f0b8aed" providerId="ADAL" clId="{32E6A678-EDFA-4583-91C2-27406E63FB24}" dt="2024-12-12T13:41:50.786" v="988" actId="478"/>
-          <ac:picMkLst>
-            <pc:docMk/>
-            <pc:sldMk cId="3686736091" sldId="267"/>
-            <ac:picMk id="16" creationId="{75597F1F-3161-D8E6-386E-78EC74A8CDCD}"/>
-          </ac:picMkLst>
-        </pc:picChg>
-        <pc:cxnChg chg="del mod">
-          <ac:chgData name="Cirino PIETRO ANDREA" userId="06373c25-59ec-41ba-8008-fd845f0b8aed" providerId="ADAL" clId="{32E6A678-EDFA-4583-91C2-27406E63FB24}" dt="2024-12-12T13:41:50.786" v="988" actId="478"/>
-          <ac:cxnSpMkLst>
-            <pc:docMk/>
-            <pc:sldMk cId="3686736091" sldId="267"/>
-            <ac:cxnSpMk id="20" creationId="{9166C955-C9EA-E1CB-6884-EE7C463B5A24}"/>
-          </ac:cxnSpMkLst>
-        </pc:cxnChg>
-        <pc:cxnChg chg="del mod">
-          <ac:chgData name="Cirino PIETRO ANDREA" userId="06373c25-59ec-41ba-8008-fd845f0b8aed" providerId="ADAL" clId="{32E6A678-EDFA-4583-91C2-27406E63FB24}" dt="2024-12-12T13:41:50.786" v="988" actId="478"/>
-          <ac:cxnSpMkLst>
-            <pc:docMk/>
-            <pc:sldMk cId="3686736091" sldId="267"/>
-            <ac:cxnSpMk id="22" creationId="{D6F874CE-4A8E-7687-5EA8-F8A6ED6743B7}"/>
-          </ac:cxnSpMkLst>
-        </pc:cxnChg>
-        <pc:cxnChg chg="del mod">
-          <ac:chgData name="Cirino PIETRO ANDREA" userId="06373c25-59ec-41ba-8008-fd845f0b8aed" providerId="ADAL" clId="{32E6A678-EDFA-4583-91C2-27406E63FB24}" dt="2024-12-12T13:41:50.786" v="988" actId="478"/>
-          <ac:cxnSpMkLst>
-            <pc:docMk/>
-            <pc:sldMk cId="3686736091" sldId="267"/>
-            <ac:cxnSpMk id="27" creationId="{B6A6B652-8DA8-E4B4-9F99-D4401BBAB96A}"/>
-          </ac:cxnSpMkLst>
-        </pc:cxnChg>
-      </pc:sldChg>
-    </pc:docChg>
-  </pc:docChgLst>
 </pc:chgInfo>
 </file>
 
@@ -10227,7 +10227,7 @@
           <a:p>
             <a:fld id="{75243B43-F286-48C1-BBED-D571E17C6AE3}" type="datetimeFigureOut">
               <a:rPr lang="en-US" smtClean="0"/>
-              <a:t>12/12/2024</a:t>
+              <a:t>12/13/2024</a:t>
             </a:fld>
             <a:endParaRPr lang="en-US"/>
           </a:p>
@@ -11348,7 +11348,7 @@
           <a:p>
             <a:fld id="{33052DD4-CDE3-4E33-AB80-AED4CE4AC39A}" type="datetimeFigureOut">
               <a:rPr lang="en-US" smtClean="0"/>
-              <a:t>12/12/2024</a:t>
+              <a:t>12/13/2024</a:t>
             </a:fld>
             <a:endParaRPr lang="en-US"/>
           </a:p>
@@ -11927,7 +11927,7 @@
           <a:p>
             <a:fld id="{33052DD4-CDE3-4E33-AB80-AED4CE4AC39A}" type="datetimeFigureOut">
               <a:rPr lang="en-US" smtClean="0"/>
-              <a:t>12/12/2024</a:t>
+              <a:t>12/13/2024</a:t>
             </a:fld>
             <a:endParaRPr lang="en-US"/>
           </a:p>
@@ -12092,7 +12092,7 @@
           <a:p>
             <a:fld id="{33052DD4-CDE3-4E33-AB80-AED4CE4AC39A}" type="datetimeFigureOut">
               <a:rPr lang="en-US" smtClean="0"/>
-              <a:t>12/12/2024</a:t>
+              <a:t>12/13/2024</a:t>
             </a:fld>
             <a:endParaRPr lang="en-US"/>
           </a:p>
@@ -12236,7 +12236,7 @@
           <a:p>
             <a:fld id="{33052DD4-CDE3-4E33-AB80-AED4CE4AC39A}" type="datetimeFigureOut">
               <a:rPr lang="en-US" smtClean="0"/>
-              <a:t>12/12/2024</a:t>
+              <a:t>12/13/2024</a:t>
             </a:fld>
             <a:endParaRPr lang="en-US"/>
           </a:p>
@@ -14836,7 +14836,7 @@
           <a:p>
             <a:fld id="{33052DD4-CDE3-4E33-AB80-AED4CE4AC39A}" type="datetimeFigureOut">
               <a:rPr lang="en-US" smtClean="0"/>
-              <a:t>12/12/2024</a:t>
+              <a:t>12/13/2024</a:t>
             </a:fld>
             <a:endParaRPr lang="en-US"/>
           </a:p>
@@ -15548,8 +15548,8 @@
           </a:fontRef>
         </p:style>
       </p:cxnSp>
-      <mc:AlternateContent xmlns:mc="http://schemas.openxmlformats.org/markup-compatibility/2006">
-        <mc:Choice xmlns:a14="http://schemas.microsoft.com/office/drawing/2010/main" Requires="a14">
+      <mc:AlternateContent xmlns:mc="http://schemas.openxmlformats.org/markup-compatibility/2006" xmlns:a14="http://schemas.microsoft.com/office/drawing/2010/main">
+        <mc:Choice Requires="a14">
           <p:sp>
             <p:nvSpPr>
               <p:cNvPr id="27" name="TextBox 26">
@@ -15618,7 +15618,7 @@
             </p:txBody>
           </p:sp>
         </mc:Choice>
-        <mc:Fallback>
+        <mc:Fallback xmlns="">
           <p:sp>
             <p:nvSpPr>
               <p:cNvPr id="27" name="TextBox 26">
@@ -16059,8 +16059,8 @@
           </a:p>
         </p:txBody>
       </p:sp>
-      <mc:AlternateContent xmlns:mc="http://schemas.openxmlformats.org/markup-compatibility/2006">
-        <mc:Choice xmlns:a14="http://schemas.microsoft.com/office/drawing/2010/main" Requires="a14">
+      <mc:AlternateContent xmlns:mc="http://schemas.openxmlformats.org/markup-compatibility/2006" xmlns:a14="http://schemas.microsoft.com/office/drawing/2010/main">
+        <mc:Choice Requires="a14">
           <p:sp>
             <p:nvSpPr>
               <p:cNvPr id="49" name="TextBox 48">
@@ -16129,7 +16129,7 @@
             </p:txBody>
           </p:sp>
         </mc:Choice>
-        <mc:Fallback>
+        <mc:Fallback xmlns="">
           <p:sp>
             <p:nvSpPr>
               <p:cNvPr id="49" name="TextBox 48">
@@ -17639,8 +17639,8 @@
           </a:prstGeom>
         </p:spPr>
       </p:pic>
-      <mc:AlternateContent xmlns:mc="http://schemas.openxmlformats.org/markup-compatibility/2006">
-        <mc:Choice xmlns:a14="http://schemas.microsoft.com/office/drawing/2010/main" Requires="a14">
+      <mc:AlternateContent xmlns:mc="http://schemas.openxmlformats.org/markup-compatibility/2006" xmlns:a14="http://schemas.microsoft.com/office/drawing/2010/main">
+        <mc:Choice Requires="a14">
           <p:sp>
             <p:nvSpPr>
               <p:cNvPr id="18" name="TextBox 17">
@@ -17709,7 +17709,7 @@
             </p:txBody>
           </p:sp>
         </mc:Choice>
-        <mc:Fallback>
+        <mc:Fallback xmlns="">
           <p:sp>
             <p:nvSpPr>
               <p:cNvPr id="18" name="TextBox 17">
@@ -17754,8 +17754,8 @@
           </p:sp>
         </mc:Fallback>
       </mc:AlternateContent>
-      <mc:AlternateContent xmlns:mc="http://schemas.openxmlformats.org/markup-compatibility/2006">
-        <mc:Choice xmlns:a14="http://schemas.microsoft.com/office/drawing/2010/main" Requires="a14">
+      <mc:AlternateContent xmlns:mc="http://schemas.openxmlformats.org/markup-compatibility/2006" xmlns:a14="http://schemas.microsoft.com/office/drawing/2010/main">
+        <mc:Choice Requires="a14">
           <p:sp>
             <p:nvSpPr>
               <p:cNvPr id="19" name="Rectangle: Rounded Corners 18">
@@ -17841,7 +17841,7 @@
             </p:txBody>
           </p:sp>
         </mc:Choice>
-        <mc:Fallback>
+        <mc:Fallback xmlns="">
           <p:sp>
             <p:nvSpPr>
               <p:cNvPr id="19" name="Rectangle: Rounded Corners 18">
@@ -17937,8 +17937,8 @@
           </a:fontRef>
         </p:style>
       </p:cxnSp>
-      <mc:AlternateContent xmlns:mc="http://schemas.openxmlformats.org/markup-compatibility/2006">
-        <mc:Choice xmlns:a14="http://schemas.microsoft.com/office/drawing/2010/main" Requires="a14">
+      <mc:AlternateContent xmlns:mc="http://schemas.openxmlformats.org/markup-compatibility/2006" xmlns:a14="http://schemas.microsoft.com/office/drawing/2010/main">
+        <mc:Choice Requires="a14">
           <p:sp>
             <p:nvSpPr>
               <p:cNvPr id="21" name="TextBox 20">
@@ -18016,7 +18016,7 @@
             </p:txBody>
           </p:sp>
         </mc:Choice>
-        <mc:Fallback>
+        <mc:Fallback xmlns="">
           <p:sp>
             <p:nvSpPr>
               <p:cNvPr id="21" name="TextBox 20">
@@ -18114,8 +18114,8 @@
           </a:fontRef>
         </p:style>
       </p:cxnSp>
-      <mc:AlternateContent xmlns:mc="http://schemas.openxmlformats.org/markup-compatibility/2006">
-        <mc:Choice xmlns:a14="http://schemas.microsoft.com/office/drawing/2010/main" Requires="a14">
+      <mc:AlternateContent xmlns:mc="http://schemas.openxmlformats.org/markup-compatibility/2006" xmlns:a14="http://schemas.microsoft.com/office/drawing/2010/main">
+        <mc:Choice Requires="a14">
           <p:sp>
             <p:nvSpPr>
               <p:cNvPr id="26" name="TextBox 25">
@@ -18193,7 +18193,7 @@
             </p:txBody>
           </p:sp>
         </mc:Choice>
-        <mc:Fallback>
+        <mc:Fallback xmlns="">
           <p:sp>
             <p:nvSpPr>
               <p:cNvPr id="26" name="TextBox 25">
@@ -18987,8 +18987,8 @@
           </a:prstGeom>
         </p:spPr>
       </p:pic>
-      <mc:AlternateContent xmlns:mc="http://schemas.openxmlformats.org/markup-compatibility/2006">
-        <mc:Choice xmlns:a14="http://schemas.microsoft.com/office/drawing/2010/main" Requires="a14">
+      <mc:AlternateContent xmlns:mc="http://schemas.openxmlformats.org/markup-compatibility/2006" xmlns:a14="http://schemas.microsoft.com/office/drawing/2010/main">
+        <mc:Choice Requires="a14">
           <p:sp>
             <p:nvSpPr>
               <p:cNvPr id="18" name="TextBox 17">
@@ -19057,7 +19057,7 @@
             </p:txBody>
           </p:sp>
         </mc:Choice>
-        <mc:Fallback>
+        <mc:Fallback xmlns="">
           <p:sp>
             <p:nvSpPr>
               <p:cNvPr id="18" name="TextBox 17">
@@ -19102,8 +19102,8 @@
           </p:sp>
         </mc:Fallback>
       </mc:AlternateContent>
-      <mc:AlternateContent xmlns:mc="http://schemas.openxmlformats.org/markup-compatibility/2006">
-        <mc:Choice xmlns:a14="http://schemas.microsoft.com/office/drawing/2010/main" Requires="a14">
+      <mc:AlternateContent xmlns:mc="http://schemas.openxmlformats.org/markup-compatibility/2006" xmlns:a14="http://schemas.microsoft.com/office/drawing/2010/main">
+        <mc:Choice Requires="a14">
           <p:sp>
             <p:nvSpPr>
               <p:cNvPr id="19" name="Rectangle: Rounded Corners 18">
@@ -19189,7 +19189,7 @@
             </p:txBody>
           </p:sp>
         </mc:Choice>
-        <mc:Fallback>
+        <mc:Fallback xmlns="">
           <p:sp>
             <p:nvSpPr>
               <p:cNvPr id="19" name="Rectangle: Rounded Corners 18">
@@ -19285,8 +19285,8 @@
           </a:fontRef>
         </p:style>
       </p:cxnSp>
-      <mc:AlternateContent xmlns:mc="http://schemas.openxmlformats.org/markup-compatibility/2006">
-        <mc:Choice xmlns:a14="http://schemas.microsoft.com/office/drawing/2010/main" Requires="a14">
+      <mc:AlternateContent xmlns:mc="http://schemas.openxmlformats.org/markup-compatibility/2006" xmlns:a14="http://schemas.microsoft.com/office/drawing/2010/main">
+        <mc:Choice Requires="a14">
           <p:sp>
             <p:nvSpPr>
               <p:cNvPr id="21" name="TextBox 20">
@@ -19364,7 +19364,7 @@
             </p:txBody>
           </p:sp>
         </mc:Choice>
-        <mc:Fallback>
+        <mc:Fallback xmlns="">
           <p:sp>
             <p:nvSpPr>
               <p:cNvPr id="21" name="TextBox 20">
@@ -19462,8 +19462,8 @@
           </a:fontRef>
         </p:style>
       </p:cxnSp>
-      <mc:AlternateContent xmlns:mc="http://schemas.openxmlformats.org/markup-compatibility/2006">
-        <mc:Choice xmlns:a14="http://schemas.microsoft.com/office/drawing/2010/main" Requires="a14">
+      <mc:AlternateContent xmlns:mc="http://schemas.openxmlformats.org/markup-compatibility/2006" xmlns:a14="http://schemas.microsoft.com/office/drawing/2010/main">
+        <mc:Choice Requires="a14">
           <p:sp>
             <p:nvSpPr>
               <p:cNvPr id="26" name="TextBox 25">
@@ -19541,7 +19541,7 @@
             </p:txBody>
           </p:sp>
         </mc:Choice>
-        <mc:Fallback>
+        <mc:Fallback xmlns="">
           <p:sp>
             <p:nvSpPr>
               <p:cNvPr id="26" name="TextBox 25">
@@ -19697,8 +19697,8 @@
           </a:p>
         </p:txBody>
       </p:sp>
-      <mc:AlternateContent xmlns:mc="http://schemas.openxmlformats.org/markup-compatibility/2006">
-        <mc:Choice xmlns:a14="http://schemas.microsoft.com/office/drawing/2010/main" Requires="a14">
+      <mc:AlternateContent xmlns:mc="http://schemas.openxmlformats.org/markup-compatibility/2006" xmlns:a14="http://schemas.microsoft.com/office/drawing/2010/main">
+        <mc:Choice Requires="a14">
           <p:sp>
             <p:nvSpPr>
               <p:cNvPr id="36" name="TextBox 35">
@@ -19776,7 +19776,7 @@
             </p:txBody>
           </p:sp>
         </mc:Choice>
-        <mc:Fallback>
+        <mc:Fallback xmlns="">
           <p:sp>
             <p:nvSpPr>
               <p:cNvPr id="36" name="TextBox 35">
@@ -19826,8 +19826,8 @@
           </p:sp>
         </mc:Fallback>
       </mc:AlternateContent>
-      <mc:AlternateContent xmlns:mc="http://schemas.openxmlformats.org/markup-compatibility/2006">
-        <mc:Choice xmlns:a14="http://schemas.microsoft.com/office/drawing/2010/main" Requires="a14">
+      <mc:AlternateContent xmlns:mc="http://schemas.openxmlformats.org/markup-compatibility/2006" xmlns:a14="http://schemas.microsoft.com/office/drawing/2010/main">
+        <mc:Choice Requires="a14">
           <p:sp>
             <p:nvSpPr>
               <p:cNvPr id="37" name="Rectangle: Rounded Corners 36">
@@ -19913,7 +19913,7 @@
             </p:txBody>
           </p:sp>
         </mc:Choice>
-        <mc:Fallback>
+        <mc:Fallback xmlns="">
           <p:sp>
             <p:nvSpPr>
               <p:cNvPr id="37" name="Rectangle: Rounded Corners 36">
@@ -20009,8 +20009,8 @@
           </a:fontRef>
         </p:style>
       </p:cxnSp>
-      <mc:AlternateContent xmlns:mc="http://schemas.openxmlformats.org/markup-compatibility/2006">
-        <mc:Choice xmlns:a14="http://schemas.microsoft.com/office/drawing/2010/main" Requires="a14">
+      <mc:AlternateContent xmlns:mc="http://schemas.openxmlformats.org/markup-compatibility/2006" xmlns:a14="http://schemas.microsoft.com/office/drawing/2010/main">
+        <mc:Choice Requires="a14">
           <p:sp>
             <p:nvSpPr>
               <p:cNvPr id="39" name="TextBox 38">
@@ -20088,7 +20088,7 @@
             </p:txBody>
           </p:sp>
         </mc:Choice>
-        <mc:Fallback>
+        <mc:Fallback xmlns="">
           <p:sp>
             <p:nvSpPr>
               <p:cNvPr id="39" name="TextBox 38">
@@ -20258,8 +20258,8 @@
           </a:fontRef>
         </p:style>
       </p:cxnSp>
-      <mc:AlternateContent xmlns:mc="http://schemas.openxmlformats.org/markup-compatibility/2006">
-        <mc:Choice xmlns:a14="http://schemas.microsoft.com/office/drawing/2010/main" Requires="a14">
+      <mc:AlternateContent xmlns:mc="http://schemas.openxmlformats.org/markup-compatibility/2006" xmlns:a14="http://schemas.microsoft.com/office/drawing/2010/main">
+        <mc:Choice Requires="a14">
           <p:sp>
             <p:nvSpPr>
               <p:cNvPr id="49" name="TextBox 48">
@@ -20440,7 +20440,7 @@
             </p:txBody>
           </p:sp>
         </mc:Choice>
-        <mc:Fallback>
+        <mc:Fallback xmlns="">
           <p:sp>
             <p:nvSpPr>
               <p:cNvPr id="49" name="TextBox 48">
@@ -20546,8 +20546,8 @@
           </a:p>
         </p:txBody>
       </p:sp>
-      <mc:AlternateContent xmlns:mc="http://schemas.openxmlformats.org/markup-compatibility/2006">
-        <mc:Choice xmlns:a14="http://schemas.microsoft.com/office/drawing/2010/main" Requires="a14">
+      <mc:AlternateContent xmlns:mc="http://schemas.openxmlformats.org/markup-compatibility/2006" xmlns:a14="http://schemas.microsoft.com/office/drawing/2010/main">
+        <mc:Choice Requires="a14">
           <p:sp>
             <p:nvSpPr>
               <p:cNvPr id="4" name="TextBox 3">
@@ -20625,7 +20625,7 @@
             </p:txBody>
           </p:sp>
         </mc:Choice>
-        <mc:Fallback>
+        <mc:Fallback xmlns="">
           <p:sp>
             <p:nvSpPr>
               <p:cNvPr id="4" name="TextBox 3">
@@ -20675,8 +20675,8 @@
           </p:sp>
         </mc:Fallback>
       </mc:AlternateContent>
-      <mc:AlternateContent xmlns:mc="http://schemas.openxmlformats.org/markup-compatibility/2006">
-        <mc:Choice xmlns:a14="http://schemas.microsoft.com/office/drawing/2010/main" Requires="a14">
+      <mc:AlternateContent xmlns:mc="http://schemas.openxmlformats.org/markup-compatibility/2006" xmlns:a14="http://schemas.microsoft.com/office/drawing/2010/main">
+        <mc:Choice Requires="a14">
           <p:sp>
             <p:nvSpPr>
               <p:cNvPr id="5" name="Rectangle: Rounded Corners 4">
@@ -20762,7 +20762,7 @@
             </p:txBody>
           </p:sp>
         </mc:Choice>
-        <mc:Fallback>
+        <mc:Fallback xmlns="">
           <p:sp>
             <p:nvSpPr>
               <p:cNvPr id="5" name="Rectangle: Rounded Corners 4">
@@ -20858,8 +20858,8 @@
           </a:fontRef>
         </p:style>
       </p:cxnSp>
-      <mc:AlternateContent xmlns:mc="http://schemas.openxmlformats.org/markup-compatibility/2006">
-        <mc:Choice xmlns:a14="http://schemas.microsoft.com/office/drawing/2010/main" Requires="a14">
+      <mc:AlternateContent xmlns:mc="http://schemas.openxmlformats.org/markup-compatibility/2006" xmlns:a14="http://schemas.microsoft.com/office/drawing/2010/main">
+        <mc:Choice Requires="a14">
           <p:sp>
             <p:nvSpPr>
               <p:cNvPr id="7" name="TextBox 6">
@@ -20937,7 +20937,7 @@
             </p:txBody>
           </p:sp>
         </mc:Choice>
-        <mc:Fallback>
+        <mc:Fallback xmlns="">
           <p:sp>
             <p:nvSpPr>
               <p:cNvPr id="7" name="TextBox 6">
@@ -21165,8 +21165,8 @@
           </a:p>
         </p:txBody>
       </p:sp>
-      <mc:AlternateContent xmlns:mc="http://schemas.openxmlformats.org/markup-compatibility/2006">
-        <mc:Choice xmlns:a14="http://schemas.microsoft.com/office/drawing/2010/main" Requires="a14">
+      <mc:AlternateContent xmlns:mc="http://schemas.openxmlformats.org/markup-compatibility/2006" xmlns:a14="http://schemas.microsoft.com/office/drawing/2010/main">
+        <mc:Choice Requires="a14">
           <p:sp>
             <p:nvSpPr>
               <p:cNvPr id="3" name="TextBox 2">
@@ -21244,7 +21244,7 @@
             </p:txBody>
           </p:sp>
         </mc:Choice>
-        <mc:Fallback>
+        <mc:Fallback xmlns="">
           <p:sp>
             <p:nvSpPr>
               <p:cNvPr id="3" name="TextBox 2">
@@ -21342,8 +21342,8 @@
           </a:fontRef>
         </p:style>
       </p:cxnSp>
-      <mc:AlternateContent xmlns:mc="http://schemas.openxmlformats.org/markup-compatibility/2006">
-        <mc:Choice xmlns:a14="http://schemas.microsoft.com/office/drawing/2010/main" Requires="a14">
+      <mc:AlternateContent xmlns:mc="http://schemas.openxmlformats.org/markup-compatibility/2006" xmlns:a14="http://schemas.microsoft.com/office/drawing/2010/main">
+        <mc:Choice Requires="a14">
           <p:sp>
             <p:nvSpPr>
               <p:cNvPr id="12" name="Rectangle: Rounded Corners 11">
@@ -21429,7 +21429,7 @@
             </p:txBody>
           </p:sp>
         </mc:Choice>
-        <mc:Fallback>
+        <mc:Fallback xmlns="">
           <p:sp>
             <p:nvSpPr>
               <p:cNvPr id="12" name="Rectangle: Rounded Corners 11">
@@ -21477,8 +21477,8 @@
           </p:sp>
         </mc:Fallback>
       </mc:AlternateContent>
-      <mc:AlternateContent xmlns:mc="http://schemas.openxmlformats.org/markup-compatibility/2006">
-        <mc:Choice xmlns:a14="http://schemas.microsoft.com/office/drawing/2010/main" Requires="a14">
+      <mc:AlternateContent xmlns:mc="http://schemas.openxmlformats.org/markup-compatibility/2006" xmlns:a14="http://schemas.microsoft.com/office/drawing/2010/main">
+        <mc:Choice Requires="a14">
           <p:sp>
             <p:nvSpPr>
               <p:cNvPr id="13" name="TextBox 12">
@@ -21556,7 +21556,7 @@
             </p:txBody>
           </p:sp>
         </mc:Choice>
-        <mc:Fallback>
+        <mc:Fallback xmlns="">
           <p:sp>
             <p:nvSpPr>
               <p:cNvPr id="13" name="TextBox 12">
@@ -21702,8 +21702,8 @@
           </a:fontRef>
         </p:style>
       </p:cxnSp>
-      <mc:AlternateContent xmlns:mc="http://schemas.openxmlformats.org/markup-compatibility/2006">
-        <mc:Choice xmlns:a14="http://schemas.microsoft.com/office/drawing/2010/main" Requires="a14">
+      <mc:AlternateContent xmlns:mc="http://schemas.openxmlformats.org/markup-compatibility/2006" xmlns:a14="http://schemas.microsoft.com/office/drawing/2010/main">
+        <mc:Choice Requires="a14">
           <p:sp>
             <p:nvSpPr>
               <p:cNvPr id="16" name="TextBox 15">
@@ -21781,7 +21781,7 @@
             </p:txBody>
           </p:sp>
         </mc:Choice>
-        <mc:Fallback>
+        <mc:Fallback xmlns="">
           <p:sp>
             <p:nvSpPr>
               <p:cNvPr id="16" name="TextBox 15">
@@ -21997,8 +21997,8 @@
           </a:p>
         </p:txBody>
       </p:sp>
-      <mc:AlternateContent xmlns:mc="http://schemas.openxmlformats.org/markup-compatibility/2006">
-        <mc:Choice xmlns:a14="http://schemas.microsoft.com/office/drawing/2010/main" Requires="a14">
+      <mc:AlternateContent xmlns:mc="http://schemas.openxmlformats.org/markup-compatibility/2006" xmlns:a14="http://schemas.microsoft.com/office/drawing/2010/main">
+        <mc:Choice Requires="a14">
           <p:sp>
             <p:nvSpPr>
               <p:cNvPr id="3" name="TextBox 2">
@@ -22076,7 +22076,7 @@
             </p:txBody>
           </p:sp>
         </mc:Choice>
-        <mc:Fallback>
+        <mc:Fallback xmlns="">
           <p:sp>
             <p:nvSpPr>
               <p:cNvPr id="3" name="TextBox 2">
@@ -22174,8 +22174,8 @@
           </a:fontRef>
         </p:style>
       </p:cxnSp>
-      <mc:AlternateContent xmlns:mc="http://schemas.openxmlformats.org/markup-compatibility/2006">
-        <mc:Choice xmlns:a14="http://schemas.microsoft.com/office/drawing/2010/main" Requires="a14">
+      <mc:AlternateContent xmlns:mc="http://schemas.openxmlformats.org/markup-compatibility/2006" xmlns:a14="http://schemas.microsoft.com/office/drawing/2010/main">
+        <mc:Choice Requires="a14">
           <p:sp>
             <p:nvSpPr>
               <p:cNvPr id="12" name="Rectangle: Rounded Corners 11">
@@ -22261,7 +22261,7 @@
             </p:txBody>
           </p:sp>
         </mc:Choice>
-        <mc:Fallback>
+        <mc:Fallback xmlns="">
           <p:sp>
             <p:nvSpPr>
               <p:cNvPr id="12" name="Rectangle: Rounded Corners 11">
@@ -22309,8 +22309,8 @@
           </p:sp>
         </mc:Fallback>
       </mc:AlternateContent>
-      <mc:AlternateContent xmlns:mc="http://schemas.openxmlformats.org/markup-compatibility/2006">
-        <mc:Choice xmlns:a14="http://schemas.microsoft.com/office/drawing/2010/main" Requires="a14">
+      <mc:AlternateContent xmlns:mc="http://schemas.openxmlformats.org/markup-compatibility/2006" xmlns:a14="http://schemas.microsoft.com/office/drawing/2010/main">
+        <mc:Choice Requires="a14">
           <p:sp>
             <p:nvSpPr>
               <p:cNvPr id="13" name="TextBox 12">
@@ -22388,7 +22388,7 @@
             </p:txBody>
           </p:sp>
         </mc:Choice>
-        <mc:Fallback>
+        <mc:Fallback xmlns="">
           <p:sp>
             <p:nvSpPr>
               <p:cNvPr id="13" name="TextBox 12">
@@ -22534,8 +22534,8 @@
           </a:fontRef>
         </p:style>
       </p:cxnSp>
-      <mc:AlternateContent xmlns:mc="http://schemas.openxmlformats.org/markup-compatibility/2006">
-        <mc:Choice xmlns:a14="http://schemas.microsoft.com/office/drawing/2010/main" Requires="a14">
+      <mc:AlternateContent xmlns:mc="http://schemas.openxmlformats.org/markup-compatibility/2006" xmlns:a14="http://schemas.microsoft.com/office/drawing/2010/main">
+        <mc:Choice Requires="a14">
           <p:sp>
             <p:nvSpPr>
               <p:cNvPr id="16" name="TextBox 15">
@@ -22613,7 +22613,7 @@
             </p:txBody>
           </p:sp>
         </mc:Choice>
-        <mc:Fallback>
+        <mc:Fallback xmlns="">
           <p:sp>
             <p:nvSpPr>
               <p:cNvPr id="16" name="TextBox 15">
